--- a/Documentos_generados/Integracion_Alcance/WBS.pptx
+++ b/Documentos_generados/Integracion_Alcance/WBS.pptx
@@ -106,7 +106,7 @@
   </p:defaultTextStyle>
   <p:extLst>
     <p:ext uri="{EFAFB233-063F-42B5-8137-9DF3F51BA10A}">
-      <p15:sldGuideLst xmlns:p15="http://schemas.microsoft.com/office/powerpoint/2012/main"/>
+      <p15:sldGuideLst xmlns:p15="http://schemas.microsoft.com/office/powerpoint/2012/main" xmlns=""/>
     </p:ext>
   </p:extLst>
 </p:presentation>
@@ -997,29 +997,7 @@
     </dgm:pt>
     <dgm:pt modelId="{984E7E1A-DD08-4E2E-A546-5DAB66C40362}">
       <dgm:prSet phldrT="[Texto]"/>
-      <dgm:spPr>
-        <a:ln>
-          <a:noFill/>
-        </a:ln>
-        <a:effectLst>
-          <a:outerShdw blurRad="149987" dist="250190" dir="8460000" algn="ctr">
-            <a:srgbClr val="000000">
-              <a:alpha val="28000"/>
-            </a:srgbClr>
-          </a:outerShdw>
-        </a:effectLst>
-        <a:scene3d>
-          <a:camera prst="orthographicFront">
-            <a:rot lat="0" lon="0" rev="0"/>
-          </a:camera>
-          <a:lightRig rig="contrasting" dir="t">
-            <a:rot lat="0" lon="0" rev="1500000"/>
-          </a:lightRig>
-        </a:scene3d>
-        <a:sp3d prstMaterial="metal">
-          <a:bevelT w="88900" h="88900"/>
-        </a:sp3d>
-      </dgm:spPr>
+      <dgm:spPr/>
       <dgm:t>
         <a:bodyPr/>
         <a:lstStyle/>
@@ -1029,8 +1007,8 @@
             <a:t>Proyecto </a:t>
           </a:r>
           <a:r>
-            <a:rPr lang="es-ES_tradnl" dirty="0" err="1"/>
-            <a:t>MeCuidas</a:t>
+            <a:rPr lang="es-ES_tradnl" dirty="0" err="1" smtClean="0"/>
+            <a:t>MeCuida</a:t>
           </a:r>
           <a:endParaRPr lang="es-ES" dirty="0"/>
         </a:p>
@@ -1060,42 +1038,135 @@
     </dgm:pt>
     <dgm:pt modelId="{8D053341-47DE-4A56-8DB5-F4344314674C}">
       <dgm:prSet phldrT="[Texto]"/>
-      <dgm:spPr>
-        <a:ln>
-          <a:noFill/>
-        </a:ln>
-        <a:effectLst>
-          <a:outerShdw blurRad="149987" dist="250190" dir="8460000" algn="ctr">
-            <a:srgbClr val="000000">
-              <a:alpha val="28000"/>
-            </a:srgbClr>
-          </a:outerShdw>
-        </a:effectLst>
-        <a:scene3d>
-          <a:camera prst="orthographicFront">
-            <a:rot lat="0" lon="0" rev="0"/>
-          </a:camera>
-          <a:lightRig rig="contrasting" dir="t">
-            <a:rot lat="0" lon="0" rev="1500000"/>
-          </a:lightRig>
-        </a:scene3d>
-        <a:sp3d prstMaterial="metal">
-          <a:bevelT w="88900" h="88900"/>
-        </a:sp3d>
-      </dgm:spPr>
-      <dgm:t>
-        <a:bodyPr/>
-        <a:lstStyle/>
-        <a:p>
+      <dgm:spPr/>
+      <dgm:t>
+        <a:bodyPr/>
+        <a:lstStyle/>
+        <a:p>
+          <a:r>
+            <a:rPr lang="es-ES_tradnl" dirty="0" smtClean="0"/>
+            <a:t>1. Análisis</a:t>
+          </a:r>
+          <a:endParaRPr lang="es-ES" dirty="0"/>
+        </a:p>
+      </dgm:t>
+    </dgm:pt>
+    <dgm:pt modelId="{EBD4D5EB-965D-43EB-B803-B2DBA1A47692}" type="parTrans" cxnId="{A1A42AC5-B3CA-474B-A03B-83A5BC59A4EF}">
+      <dgm:prSet/>
+      <dgm:spPr/>
+      <dgm:t>
+        <a:bodyPr/>
+        <a:lstStyle/>
+        <a:p>
+          <a:endParaRPr lang="es-ES"/>
+        </a:p>
+      </dgm:t>
+    </dgm:pt>
+    <dgm:pt modelId="{176D6055-7813-445A-AD4E-B8512697E12E}" type="sibTrans" cxnId="{A1A42AC5-B3CA-474B-A03B-83A5BC59A4EF}">
+      <dgm:prSet/>
+      <dgm:spPr/>
+      <dgm:t>
+        <a:bodyPr/>
+        <a:lstStyle/>
+        <a:p>
+          <a:endParaRPr lang="es-ES"/>
+        </a:p>
+      </dgm:t>
+    </dgm:pt>
+    <dgm:pt modelId="{EFFA102A-5D82-49D3-A6E7-45C00C42107B}">
+      <dgm:prSet phldrT="[Texto]"/>
+      <dgm:spPr/>
+      <dgm:t>
+        <a:bodyPr/>
+        <a:lstStyle/>
+        <a:p>
+          <a:r>
+            <a:rPr lang="es-ES_tradnl" dirty="0" smtClean="0"/>
+            <a:t>1.1. Requerimientos</a:t>
+          </a:r>
+          <a:endParaRPr lang="es-ES" dirty="0"/>
+        </a:p>
+      </dgm:t>
+    </dgm:pt>
+    <dgm:pt modelId="{DFFEDB4F-CB16-440A-AC1A-1DC7D4CDB94A}" type="parTrans" cxnId="{1A0C89BF-D174-4ED0-8083-1CC9998E7155}">
+      <dgm:prSet/>
+      <dgm:spPr/>
+      <dgm:t>
+        <a:bodyPr/>
+        <a:lstStyle/>
+        <a:p>
+          <a:endParaRPr lang="es-ES"/>
+        </a:p>
+      </dgm:t>
+    </dgm:pt>
+    <dgm:pt modelId="{B62333E8-4DCB-4AEF-9231-01F6B6767A44}" type="sibTrans" cxnId="{1A0C89BF-D174-4ED0-8083-1CC9998E7155}">
+      <dgm:prSet/>
+      <dgm:spPr/>
+      <dgm:t>
+        <a:bodyPr/>
+        <a:lstStyle/>
+        <a:p>
+          <a:endParaRPr lang="es-ES"/>
+        </a:p>
+      </dgm:t>
+    </dgm:pt>
+    <dgm:pt modelId="{F27108DA-E888-48DE-8C97-7FDC95CC2EF6}">
+      <dgm:prSet phldrT="[Texto]"/>
+      <dgm:spPr/>
+      <dgm:t>
+        <a:bodyPr/>
+        <a:lstStyle/>
+        <a:p>
+          <a:r>
+            <a:rPr lang="es-ES_tradnl" dirty="0" smtClean="0"/>
+            <a:t>6. Cierre</a:t>
+          </a:r>
+          <a:endParaRPr lang="es-ES" dirty="0"/>
+        </a:p>
+      </dgm:t>
+    </dgm:pt>
+    <dgm:pt modelId="{39401BF9-8334-48FD-97B1-B5FF75DD8ED7}" type="parTrans" cxnId="{3678BB3C-ABCE-4036-8BF9-7D306D14FF35}">
+      <dgm:prSet/>
+      <dgm:spPr/>
+      <dgm:t>
+        <a:bodyPr/>
+        <a:lstStyle/>
+        <a:p>
+          <a:endParaRPr lang="es-ES"/>
+        </a:p>
+      </dgm:t>
+    </dgm:pt>
+    <dgm:pt modelId="{66761398-FF62-4B70-AD78-EE255350EFAC}" type="sibTrans" cxnId="{3678BB3C-ABCE-4036-8BF9-7D306D14FF35}">
+      <dgm:prSet/>
+      <dgm:spPr/>
+      <dgm:t>
+        <a:bodyPr/>
+        <a:lstStyle/>
+        <a:p>
+          <a:endParaRPr lang="es-ES"/>
+        </a:p>
+      </dgm:t>
+    </dgm:pt>
+    <dgm:pt modelId="{910FF4E3-4B73-471E-A733-428EDE879319}">
+      <dgm:prSet phldrT="[Texto]"/>
+      <dgm:spPr/>
+      <dgm:t>
+        <a:bodyPr/>
+        <a:lstStyle/>
+        <a:p>
+          <a:r>
+            <a:rPr lang="es-ES_tradnl" dirty="0" smtClean="0"/>
+            <a:t>6.1. Implementación </a:t>
+          </a:r>
           <a:r>
             <a:rPr lang="es-ES_tradnl" dirty="0"/>
-            <a:t>Análisis</a:t>
+            <a:t>final</a:t>
           </a:r>
           <a:endParaRPr lang="es-ES" dirty="0"/>
         </a:p>
       </dgm:t>
     </dgm:pt>
-    <dgm:pt modelId="{EBD4D5EB-965D-43EB-B803-B2DBA1A47692}" type="parTrans" cxnId="{A1A42AC5-B3CA-474B-A03B-83A5BC59A4EF}">
+    <dgm:pt modelId="{F9806694-F79F-4F0F-B80B-D8AEC14A4AE4}" type="parTrans" cxnId="{1DB74C26-04B0-46CF-914A-E108FAEBA0D6}">
       <dgm:prSet/>
       <dgm:spPr/>
       <dgm:t>
@@ -1106,7 +1177,7 @@
         </a:p>
       </dgm:t>
     </dgm:pt>
-    <dgm:pt modelId="{176D6055-7813-445A-AD4E-B8512697E12E}" type="sibTrans" cxnId="{A1A42AC5-B3CA-474B-A03B-83A5BC59A4EF}">
+    <dgm:pt modelId="{1559325B-7160-4295-9AC9-2388904B54D3}" type="sibTrans" cxnId="{1DB74C26-04B0-46CF-914A-E108FAEBA0D6}">
       <dgm:prSet/>
       <dgm:spPr/>
       <dgm:t>
@@ -1117,44 +1188,137 @@
         </a:p>
       </dgm:t>
     </dgm:pt>
-    <dgm:pt modelId="{EFFA102A-5D82-49D3-A6E7-45C00C42107B}">
-      <dgm:prSet phldrT="[Texto]"/>
-      <dgm:spPr>
-        <a:ln>
-          <a:noFill/>
-        </a:ln>
-        <a:effectLst>
-          <a:outerShdw blurRad="149987" dist="250190" dir="8460000" algn="ctr">
-            <a:srgbClr val="000000">
-              <a:alpha val="28000"/>
-            </a:srgbClr>
-          </a:outerShdw>
-        </a:effectLst>
-        <a:scene3d>
-          <a:camera prst="orthographicFront">
-            <a:rot lat="0" lon="0" rev="0"/>
-          </a:camera>
-          <a:lightRig rig="contrasting" dir="t">
-            <a:rot lat="0" lon="0" rev="1500000"/>
-          </a:lightRig>
-        </a:scene3d>
-        <a:sp3d prstMaterial="metal">
-          <a:bevelT w="88900" h="88900"/>
-        </a:sp3d>
-      </dgm:spPr>
-      <dgm:t>
-        <a:bodyPr/>
-        <a:lstStyle/>
-        <a:p>
+    <dgm:pt modelId="{8FAE6191-0821-4960-BC96-F58E46C703A9}">
+      <dgm:prSet/>
+      <dgm:spPr/>
+      <dgm:t>
+        <a:bodyPr/>
+        <a:lstStyle/>
+        <a:p>
+          <a:r>
+            <a:rPr lang="es-ES_tradnl" dirty="0" smtClean="0"/>
+            <a:t>2. Planificación</a:t>
+          </a:r>
+          <a:endParaRPr lang="es-ES" dirty="0"/>
+        </a:p>
+      </dgm:t>
+    </dgm:pt>
+    <dgm:pt modelId="{4CC81563-AFF2-44A9-B9B0-EF1C87661122}" type="parTrans" cxnId="{1A358F98-1340-4BF0-A227-6269E1BC5FDB}">
+      <dgm:prSet/>
+      <dgm:spPr/>
+      <dgm:t>
+        <a:bodyPr/>
+        <a:lstStyle/>
+        <a:p>
+          <a:endParaRPr lang="es-ES"/>
+        </a:p>
+      </dgm:t>
+    </dgm:pt>
+    <dgm:pt modelId="{D7A373A9-FF3D-4DB9-BAA4-871B43426D41}" type="sibTrans" cxnId="{1A358F98-1340-4BF0-A227-6269E1BC5FDB}">
+      <dgm:prSet/>
+      <dgm:spPr/>
+      <dgm:t>
+        <a:bodyPr/>
+        <a:lstStyle/>
+        <a:p>
+          <a:endParaRPr lang="es-ES"/>
+        </a:p>
+      </dgm:t>
+    </dgm:pt>
+    <dgm:pt modelId="{46EFE5C5-7E26-4632-AB0D-CFDE009726AC}">
+      <dgm:prSet/>
+      <dgm:spPr/>
+      <dgm:t>
+        <a:bodyPr/>
+        <a:lstStyle/>
+        <a:p>
+          <a:r>
+            <a:rPr lang="es-ES_tradnl" dirty="0" smtClean="0"/>
+            <a:t>3. Desarrollo</a:t>
+          </a:r>
+          <a:endParaRPr lang="es-ES" dirty="0"/>
+        </a:p>
+      </dgm:t>
+    </dgm:pt>
+    <dgm:pt modelId="{8EBD0BB1-A983-499A-AFE0-A135C6D6EAF4}" type="parTrans" cxnId="{242DF2D3-F3A7-4348-A721-6000EAFAE055}">
+      <dgm:prSet/>
+      <dgm:spPr/>
+      <dgm:t>
+        <a:bodyPr/>
+        <a:lstStyle/>
+        <a:p>
+          <a:endParaRPr lang="es-ES"/>
+        </a:p>
+      </dgm:t>
+    </dgm:pt>
+    <dgm:pt modelId="{5914253C-0C02-433E-BBB4-A56090EFD1EA}" type="sibTrans" cxnId="{242DF2D3-F3A7-4348-A721-6000EAFAE055}">
+      <dgm:prSet/>
+      <dgm:spPr/>
+      <dgm:t>
+        <a:bodyPr/>
+        <a:lstStyle/>
+        <a:p>
+          <a:endParaRPr lang="es-ES"/>
+        </a:p>
+      </dgm:t>
+    </dgm:pt>
+    <dgm:pt modelId="{FB132DEB-3EBB-4B7B-9E10-1EA28E437B0C}">
+      <dgm:prSet/>
+      <dgm:spPr/>
+      <dgm:t>
+        <a:bodyPr/>
+        <a:lstStyle/>
+        <a:p>
+          <a:r>
+            <a:rPr lang="es-ES_tradnl" dirty="0" smtClean="0"/>
+            <a:t>4. Formación</a:t>
+          </a:r>
+          <a:endParaRPr lang="es-ES" dirty="0"/>
+        </a:p>
+      </dgm:t>
+    </dgm:pt>
+    <dgm:pt modelId="{84BE1630-6BEF-48BE-BEB4-441EA60AE7C5}" type="parTrans" cxnId="{7C3DE64C-953A-4B36-89BF-C3A300F94624}">
+      <dgm:prSet/>
+      <dgm:spPr/>
+      <dgm:t>
+        <a:bodyPr/>
+        <a:lstStyle/>
+        <a:p>
+          <a:endParaRPr lang="es-ES"/>
+        </a:p>
+      </dgm:t>
+    </dgm:pt>
+    <dgm:pt modelId="{3DA0803E-74EB-47A7-880B-91D87ACD481A}" type="sibTrans" cxnId="{7C3DE64C-953A-4B36-89BF-C3A300F94624}">
+      <dgm:prSet/>
+      <dgm:spPr/>
+      <dgm:t>
+        <a:bodyPr/>
+        <a:lstStyle/>
+        <a:p>
+          <a:endParaRPr lang="es-ES"/>
+        </a:p>
+      </dgm:t>
+    </dgm:pt>
+    <dgm:pt modelId="{6169ABB3-9EA3-4A97-9BDB-7BF1A5E8319C}">
+      <dgm:prSet/>
+      <dgm:spPr/>
+      <dgm:t>
+        <a:bodyPr/>
+        <a:lstStyle/>
+        <a:p>
+          <a:r>
+            <a:rPr lang="es-ES_tradnl" dirty="0" smtClean="0"/>
+            <a:t>5. Integración </a:t>
+          </a:r>
           <a:r>
             <a:rPr lang="es-ES_tradnl" dirty="0"/>
-            <a:t>Requerimientos</a:t>
+            <a:t>y pruebas</a:t>
           </a:r>
           <a:endParaRPr lang="es-ES" dirty="0"/>
         </a:p>
       </dgm:t>
     </dgm:pt>
-    <dgm:pt modelId="{DFFEDB4F-CB16-440A-AC1A-1DC7D4CDB94A}" type="parTrans" cxnId="{1A0C89BF-D174-4ED0-8083-1CC9998E7155}">
+    <dgm:pt modelId="{28EC855E-094C-4BED-9FB2-2C030C8FFA45}" type="parTrans" cxnId="{44BC1EE3-FF57-452E-9F1C-1297E9ECAE80}">
       <dgm:prSet/>
       <dgm:spPr/>
       <dgm:t>
@@ -1165,7 +1329,7 @@
         </a:p>
       </dgm:t>
     </dgm:pt>
-    <dgm:pt modelId="{B62333E8-4DCB-4AEF-9231-01F6B6767A44}" type="sibTrans" cxnId="{1A0C89BF-D174-4ED0-8083-1CC9998E7155}">
+    <dgm:pt modelId="{5DD54D20-2A68-4F1C-81FF-4637F3180AB6}" type="sibTrans" cxnId="{44BC1EE3-FF57-452E-9F1C-1297E9ECAE80}">
       <dgm:prSet/>
       <dgm:spPr/>
       <dgm:t>
@@ -1176,44 +1340,100 @@
         </a:p>
       </dgm:t>
     </dgm:pt>
-    <dgm:pt modelId="{F27108DA-E888-48DE-8C97-7FDC95CC2EF6}">
-      <dgm:prSet phldrT="[Texto]"/>
-      <dgm:spPr>
-        <a:ln>
-          <a:noFill/>
-        </a:ln>
-        <a:effectLst>
-          <a:outerShdw blurRad="149987" dist="250190" dir="8460000" algn="ctr">
-            <a:srgbClr val="000000">
-              <a:alpha val="28000"/>
-            </a:srgbClr>
-          </a:outerShdw>
-        </a:effectLst>
-        <a:scene3d>
-          <a:camera prst="orthographicFront">
-            <a:rot lat="0" lon="0" rev="0"/>
-          </a:camera>
-          <a:lightRig rig="contrasting" dir="t">
-            <a:rot lat="0" lon="0" rev="1500000"/>
-          </a:lightRig>
-        </a:scene3d>
-        <a:sp3d prstMaterial="metal">
-          <a:bevelT w="88900" h="88900"/>
-        </a:sp3d>
-      </dgm:spPr>
-      <dgm:t>
-        <a:bodyPr/>
-        <a:lstStyle/>
-        <a:p>
+    <dgm:pt modelId="{818A50AE-2897-4A8A-A2D4-C798E3839759}">
+      <dgm:prSet/>
+      <dgm:spPr/>
+      <dgm:t>
+        <a:bodyPr/>
+        <a:lstStyle/>
+        <a:p>
+          <a:r>
+            <a:rPr lang="es-ES_tradnl" dirty="0" smtClean="0"/>
+            <a:t>1.2. Riesgos</a:t>
+          </a:r>
+          <a:endParaRPr lang="es-ES" dirty="0"/>
+        </a:p>
+      </dgm:t>
+    </dgm:pt>
+    <dgm:pt modelId="{6E64CD67-6FB7-4233-986F-C1A61F90D25C}" type="parTrans" cxnId="{5C8AD39E-048A-4F0B-A4E5-8E7E28CD4E8E}">
+      <dgm:prSet/>
+      <dgm:spPr/>
+      <dgm:t>
+        <a:bodyPr/>
+        <a:lstStyle/>
+        <a:p>
+          <a:endParaRPr lang="es-ES"/>
+        </a:p>
+      </dgm:t>
+    </dgm:pt>
+    <dgm:pt modelId="{C0AF5DF9-2ED6-42D3-8F8C-F06FCA8338A2}" type="sibTrans" cxnId="{5C8AD39E-048A-4F0B-A4E5-8E7E28CD4E8E}">
+      <dgm:prSet/>
+      <dgm:spPr/>
+      <dgm:t>
+        <a:bodyPr/>
+        <a:lstStyle/>
+        <a:p>
+          <a:endParaRPr lang="es-ES"/>
+        </a:p>
+      </dgm:t>
+    </dgm:pt>
+    <dgm:pt modelId="{95F92B39-5BD1-41DA-921B-40270E333897}">
+      <dgm:prSet/>
+      <dgm:spPr/>
+      <dgm:t>
+        <a:bodyPr/>
+        <a:lstStyle/>
+        <a:p>
+          <a:r>
+            <a:rPr lang="es-ES_tradnl" dirty="0" smtClean="0"/>
+            <a:t>1.3. Contexto</a:t>
+          </a:r>
+          <a:endParaRPr lang="es-ES" dirty="0"/>
+        </a:p>
+      </dgm:t>
+    </dgm:pt>
+    <dgm:pt modelId="{78A11304-B47B-426C-80D9-23F105284D80}" type="parTrans" cxnId="{8A33DAC6-D9DF-4D48-B64D-808F92F2B77E}">
+      <dgm:prSet/>
+      <dgm:spPr/>
+      <dgm:t>
+        <a:bodyPr/>
+        <a:lstStyle/>
+        <a:p>
+          <a:endParaRPr lang="es-ES"/>
+        </a:p>
+      </dgm:t>
+    </dgm:pt>
+    <dgm:pt modelId="{19CA03D8-84BD-45E9-ACB4-36731CEB3A27}" type="sibTrans" cxnId="{8A33DAC6-D9DF-4D48-B64D-808F92F2B77E}">
+      <dgm:prSet/>
+      <dgm:spPr/>
+      <dgm:t>
+        <a:bodyPr/>
+        <a:lstStyle/>
+        <a:p>
+          <a:endParaRPr lang="es-ES"/>
+        </a:p>
+      </dgm:t>
+    </dgm:pt>
+    <dgm:pt modelId="{595FCBCB-6F4C-41E0-9D57-CC8BC973C07C}">
+      <dgm:prSet/>
+      <dgm:spPr/>
+      <dgm:t>
+        <a:bodyPr/>
+        <a:lstStyle/>
+        <a:p>
+          <a:r>
+            <a:rPr lang="es-ES_tradnl" dirty="0" smtClean="0"/>
+            <a:t>1.4. Documentación </a:t>
+          </a:r>
           <a:r>
             <a:rPr lang="es-ES_tradnl" dirty="0"/>
-            <a:t>Cierre</a:t>
+            <a:t>Inicial</a:t>
           </a:r>
           <a:endParaRPr lang="es-ES" dirty="0"/>
         </a:p>
       </dgm:t>
     </dgm:pt>
-    <dgm:pt modelId="{39401BF9-8334-48FD-97B1-B5FF75DD8ED7}" type="parTrans" cxnId="{3678BB3C-ABCE-4036-8BF9-7D306D14FF35}">
+    <dgm:pt modelId="{51635E7D-94AB-42DB-A23F-6B9E2711ADB8}" type="parTrans" cxnId="{CE25B188-AF7E-45A6-B483-2C1585C607A0}">
       <dgm:prSet/>
       <dgm:spPr/>
       <dgm:t>
@@ -1224,7 +1444,7 @@
         </a:p>
       </dgm:t>
     </dgm:pt>
-    <dgm:pt modelId="{66761398-FF62-4B70-AD78-EE255350EFAC}" type="sibTrans" cxnId="{3678BB3C-ABCE-4036-8BF9-7D306D14FF35}">
+    <dgm:pt modelId="{0B43550C-8A90-4189-9B67-1225304E0089}" type="sibTrans" cxnId="{CE25B188-AF7E-45A6-B483-2C1585C607A0}">
       <dgm:prSet/>
       <dgm:spPr/>
       <dgm:t>
@@ -1235,44 +1455,26 @@
         </a:p>
       </dgm:t>
     </dgm:pt>
-    <dgm:pt modelId="{910FF4E3-4B73-471E-A733-428EDE879319}">
-      <dgm:prSet phldrT="[Texto]"/>
-      <dgm:spPr>
-        <a:ln>
-          <a:noFill/>
-        </a:ln>
-        <a:effectLst>
-          <a:outerShdw blurRad="149987" dist="250190" dir="8460000" algn="ctr">
-            <a:srgbClr val="000000">
-              <a:alpha val="28000"/>
-            </a:srgbClr>
-          </a:outerShdw>
-        </a:effectLst>
-        <a:scene3d>
-          <a:camera prst="orthographicFront">
-            <a:rot lat="0" lon="0" rev="0"/>
-          </a:camera>
-          <a:lightRig rig="contrasting" dir="t">
-            <a:rot lat="0" lon="0" rev="1500000"/>
-          </a:lightRig>
-        </a:scene3d>
-        <a:sp3d prstMaterial="metal">
-          <a:bevelT w="88900" h="88900"/>
-        </a:sp3d>
-      </dgm:spPr>
-      <dgm:t>
-        <a:bodyPr/>
-        <a:lstStyle/>
-        <a:p>
+    <dgm:pt modelId="{7B8C88F9-23A6-428A-9D84-EE8685A0B867}">
+      <dgm:prSet/>
+      <dgm:spPr/>
+      <dgm:t>
+        <a:bodyPr/>
+        <a:lstStyle/>
+        <a:p>
+          <a:r>
+            <a:rPr lang="es-ES_tradnl" dirty="0" smtClean="0"/>
+            <a:t>1.5. Identificación </a:t>
+          </a:r>
           <a:r>
             <a:rPr lang="es-ES_tradnl" dirty="0"/>
-            <a:t>Implementación final</a:t>
+            <a:t>de interesados</a:t>
           </a:r>
           <a:endParaRPr lang="es-ES" dirty="0"/>
         </a:p>
       </dgm:t>
     </dgm:pt>
-    <dgm:pt modelId="{F9806694-F79F-4F0F-B80B-D8AEC14A4AE4}" type="parTrans" cxnId="{1DB74C26-04B0-46CF-914A-E108FAEBA0D6}">
+    <dgm:pt modelId="{55BF91F1-8371-43F3-B796-D886F4AEA607}" type="parTrans" cxnId="{9258CF10-A21F-436C-8DD6-66D5F2257114}">
       <dgm:prSet/>
       <dgm:spPr/>
       <dgm:t>
@@ -1283,7 +1485,7 @@
         </a:p>
       </dgm:t>
     </dgm:pt>
-    <dgm:pt modelId="{1559325B-7160-4295-9AC9-2388904B54D3}" type="sibTrans" cxnId="{1DB74C26-04B0-46CF-914A-E108FAEBA0D6}">
+    <dgm:pt modelId="{AB932049-799D-400F-96A9-390092336D78}" type="sibTrans" cxnId="{9258CF10-A21F-436C-8DD6-66D5F2257114}">
       <dgm:prSet/>
       <dgm:spPr/>
       <dgm:t>
@@ -1294,44 +1496,100 @@
         </a:p>
       </dgm:t>
     </dgm:pt>
-    <dgm:pt modelId="{8FAE6191-0821-4960-BC96-F58E46C703A9}">
+    <dgm:pt modelId="{22D68CCB-4BEE-4732-BA18-145918E71689}">
       <dgm:prSet/>
-      <dgm:spPr>
-        <a:ln>
-          <a:noFill/>
-        </a:ln>
-        <a:effectLst>
-          <a:outerShdw blurRad="149987" dist="250190" dir="8460000" algn="ctr">
-            <a:srgbClr val="000000">
-              <a:alpha val="28000"/>
-            </a:srgbClr>
-          </a:outerShdw>
-        </a:effectLst>
-        <a:scene3d>
-          <a:camera prst="orthographicFront">
-            <a:rot lat="0" lon="0" rev="0"/>
-          </a:camera>
-          <a:lightRig rig="contrasting" dir="t">
-            <a:rot lat="0" lon="0" rev="1500000"/>
-          </a:lightRig>
-        </a:scene3d>
-        <a:sp3d prstMaterial="metal">
-          <a:bevelT w="88900" h="88900"/>
-        </a:sp3d>
-      </dgm:spPr>
-      <dgm:t>
-        <a:bodyPr/>
-        <a:lstStyle/>
-        <a:p>
+      <dgm:spPr/>
+      <dgm:t>
+        <a:bodyPr/>
+        <a:lstStyle/>
+        <a:p>
+          <a:r>
+            <a:rPr lang="es-ES_tradnl" dirty="0" smtClean="0"/>
+            <a:t>2.1. Acuerdos</a:t>
+          </a:r>
+          <a:endParaRPr lang="es-ES" dirty="0"/>
+        </a:p>
+      </dgm:t>
+    </dgm:pt>
+    <dgm:pt modelId="{845F5D8C-040E-4743-ACA2-252EB4E11E64}" type="parTrans" cxnId="{AEAE211C-05CA-406B-A485-10AC5B28C623}">
+      <dgm:prSet/>
+      <dgm:spPr/>
+      <dgm:t>
+        <a:bodyPr/>
+        <a:lstStyle/>
+        <a:p>
+          <a:endParaRPr lang="es-ES"/>
+        </a:p>
+      </dgm:t>
+    </dgm:pt>
+    <dgm:pt modelId="{96F038F0-8321-4A68-ABFB-0F5C2D7FE10A}" type="sibTrans" cxnId="{AEAE211C-05CA-406B-A485-10AC5B28C623}">
+      <dgm:prSet/>
+      <dgm:spPr/>
+      <dgm:t>
+        <a:bodyPr/>
+        <a:lstStyle/>
+        <a:p>
+          <a:endParaRPr lang="es-ES"/>
+        </a:p>
+      </dgm:t>
+    </dgm:pt>
+    <dgm:pt modelId="{638D4A18-E8B7-45E5-8EAA-4C0D29849159}">
+      <dgm:prSet/>
+      <dgm:spPr/>
+      <dgm:t>
+        <a:bodyPr/>
+        <a:lstStyle/>
+        <a:p>
+          <a:r>
+            <a:rPr lang="es-ES_tradnl" dirty="0" smtClean="0"/>
+            <a:t>2.2. Reuniones</a:t>
+          </a:r>
+          <a:endParaRPr lang="es-ES" dirty="0"/>
+        </a:p>
+      </dgm:t>
+    </dgm:pt>
+    <dgm:pt modelId="{6331599E-52B8-4A6C-B3A0-6191E729069E}" type="parTrans" cxnId="{D47CA79C-8F8E-4F6C-B4A4-DC7B0D45936D}">
+      <dgm:prSet/>
+      <dgm:spPr/>
+      <dgm:t>
+        <a:bodyPr/>
+        <a:lstStyle/>
+        <a:p>
+          <a:endParaRPr lang="es-ES"/>
+        </a:p>
+      </dgm:t>
+    </dgm:pt>
+    <dgm:pt modelId="{96BDABD5-5B11-468E-B806-E97AD8AE4AFA}" type="sibTrans" cxnId="{D47CA79C-8F8E-4F6C-B4A4-DC7B0D45936D}">
+      <dgm:prSet/>
+      <dgm:spPr/>
+      <dgm:t>
+        <a:bodyPr/>
+        <a:lstStyle/>
+        <a:p>
+          <a:endParaRPr lang="es-ES"/>
+        </a:p>
+      </dgm:t>
+    </dgm:pt>
+    <dgm:pt modelId="{D692D1F3-8B04-4096-AA22-E14E93E2AD30}">
+      <dgm:prSet/>
+      <dgm:spPr/>
+      <dgm:t>
+        <a:bodyPr/>
+        <a:lstStyle/>
+        <a:p>
+          <a:r>
+            <a:rPr lang="es-ES_tradnl" dirty="0" smtClean="0"/>
+            <a:t>2.3. Calidad </a:t>
+          </a:r>
           <a:r>
             <a:rPr lang="es-ES_tradnl" dirty="0"/>
-            <a:t>Planificación</a:t>
+            <a:t>y Validación</a:t>
           </a:r>
           <a:endParaRPr lang="es-ES" dirty="0"/>
         </a:p>
       </dgm:t>
     </dgm:pt>
-    <dgm:pt modelId="{4CC81563-AFF2-44A9-B9B0-EF1C87661122}" type="parTrans" cxnId="{1A358F98-1340-4BF0-A227-6269E1BC5FDB}">
+    <dgm:pt modelId="{D4015DCB-90CE-418D-BA17-E20EB5979634}" type="parTrans" cxnId="{30A55F96-8DA0-4EC1-A524-A47232E0498E}">
       <dgm:prSet/>
       <dgm:spPr/>
       <dgm:t>
@@ -1342,7 +1600,7 @@
         </a:p>
       </dgm:t>
     </dgm:pt>
-    <dgm:pt modelId="{D7A373A9-FF3D-4DB9-BAA4-871B43426D41}" type="sibTrans" cxnId="{1A358F98-1340-4BF0-A227-6269E1BC5FDB}">
+    <dgm:pt modelId="{9DF5544D-7133-4BEC-80D5-5F4AB2FCACF0}" type="sibTrans" cxnId="{30A55F96-8DA0-4EC1-A524-A47232E0498E}">
       <dgm:prSet/>
       <dgm:spPr/>
       <dgm:t>
@@ -1353,44 +1611,63 @@
         </a:p>
       </dgm:t>
     </dgm:pt>
-    <dgm:pt modelId="{46EFE5C5-7E26-4632-AB0D-CFDE009726AC}">
+    <dgm:pt modelId="{1CCEED45-57D7-4641-81C9-5908579CE245}">
       <dgm:prSet/>
-      <dgm:spPr>
-        <a:ln>
-          <a:noFill/>
-        </a:ln>
-        <a:effectLst>
-          <a:outerShdw blurRad="149987" dist="250190" dir="8460000" algn="ctr">
-            <a:srgbClr val="000000">
-              <a:alpha val="28000"/>
-            </a:srgbClr>
-          </a:outerShdw>
-        </a:effectLst>
-        <a:scene3d>
-          <a:camera prst="orthographicFront">
-            <a:rot lat="0" lon="0" rev="0"/>
-          </a:camera>
-          <a:lightRig rig="contrasting" dir="t">
-            <a:rot lat="0" lon="0" rev="1500000"/>
-          </a:lightRig>
-        </a:scene3d>
-        <a:sp3d prstMaterial="metal">
-          <a:bevelT w="88900" h="88900"/>
-        </a:sp3d>
-      </dgm:spPr>
-      <dgm:t>
-        <a:bodyPr/>
-        <a:lstStyle/>
-        <a:p>
+      <dgm:spPr/>
+      <dgm:t>
+        <a:bodyPr/>
+        <a:lstStyle/>
+        <a:p>
+          <a:r>
+            <a:rPr lang="es-ES_tradnl" dirty="0" smtClean="0"/>
+            <a:t>2.4. Cronograma</a:t>
+          </a:r>
+          <a:endParaRPr lang="es-ES" dirty="0"/>
+        </a:p>
+      </dgm:t>
+    </dgm:pt>
+    <dgm:pt modelId="{0B8E2C65-A4D7-4B41-A006-CAAA09EDACC5}" type="parTrans" cxnId="{8237BEE0-D1B1-440F-9385-3C24B42C9D37}">
+      <dgm:prSet/>
+      <dgm:spPr/>
+      <dgm:t>
+        <a:bodyPr/>
+        <a:lstStyle/>
+        <a:p>
+          <a:endParaRPr lang="es-ES"/>
+        </a:p>
+      </dgm:t>
+    </dgm:pt>
+    <dgm:pt modelId="{3565B9CB-B1EE-400D-B2B9-2B551D737D10}" type="sibTrans" cxnId="{8237BEE0-D1B1-440F-9385-3C24B42C9D37}">
+      <dgm:prSet/>
+      <dgm:spPr/>
+      <dgm:t>
+        <a:bodyPr/>
+        <a:lstStyle/>
+        <a:p>
+          <a:endParaRPr lang="es-ES"/>
+        </a:p>
+      </dgm:t>
+    </dgm:pt>
+    <dgm:pt modelId="{C6E69E37-3961-44EE-94E9-D23872BEE4C9}">
+      <dgm:prSet/>
+      <dgm:spPr/>
+      <dgm:t>
+        <a:bodyPr/>
+        <a:lstStyle/>
+        <a:p>
+          <a:r>
+            <a:rPr lang="es-ES_tradnl" dirty="0" smtClean="0"/>
+            <a:t>3.1. Control </a:t>
+          </a:r>
           <a:r>
             <a:rPr lang="es-ES_tradnl" dirty="0"/>
-            <a:t>Desarrollo</a:t>
+            <a:t>de procesos</a:t>
           </a:r>
           <a:endParaRPr lang="es-ES" dirty="0"/>
         </a:p>
       </dgm:t>
     </dgm:pt>
-    <dgm:pt modelId="{8EBD0BB1-A983-499A-AFE0-A135C6D6EAF4}" type="parTrans" cxnId="{242DF2D3-F3A7-4348-A721-6000EAFAE055}">
+    <dgm:pt modelId="{39E7187F-BF44-4434-ABA8-1C914D1E277A}" type="parTrans" cxnId="{6C09A7CF-ED9E-4F5C-A208-29FC73FCD37A}">
       <dgm:prSet/>
       <dgm:spPr/>
       <dgm:t>
@@ -1401,7 +1678,7 @@
         </a:p>
       </dgm:t>
     </dgm:pt>
-    <dgm:pt modelId="{5914253C-0C02-433E-BBB4-A56090EFD1EA}" type="sibTrans" cxnId="{242DF2D3-F3A7-4348-A721-6000EAFAE055}">
+    <dgm:pt modelId="{DEA9B8DE-9278-41C4-8958-F47B791467F4}" type="sibTrans" cxnId="{6C09A7CF-ED9E-4F5C-A208-29FC73FCD37A}">
       <dgm:prSet/>
       <dgm:spPr/>
       <dgm:t>
@@ -1412,44 +1689,26 @@
         </a:p>
       </dgm:t>
     </dgm:pt>
-    <dgm:pt modelId="{FB132DEB-3EBB-4B7B-9E10-1EA28E437B0C}">
+    <dgm:pt modelId="{DEA8DC5E-722E-4FFF-BA91-EA999F6AAE91}">
       <dgm:prSet/>
-      <dgm:spPr>
-        <a:ln>
-          <a:noFill/>
-        </a:ln>
-        <a:effectLst>
-          <a:outerShdw blurRad="149987" dist="250190" dir="8460000" algn="ctr">
-            <a:srgbClr val="000000">
-              <a:alpha val="28000"/>
-            </a:srgbClr>
-          </a:outerShdw>
-        </a:effectLst>
-        <a:scene3d>
-          <a:camera prst="orthographicFront">
-            <a:rot lat="0" lon="0" rev="0"/>
-          </a:camera>
-          <a:lightRig rig="contrasting" dir="t">
-            <a:rot lat="0" lon="0" rev="1500000"/>
-          </a:lightRig>
-        </a:scene3d>
-        <a:sp3d prstMaterial="metal">
-          <a:bevelT w="88900" h="88900"/>
-        </a:sp3d>
-      </dgm:spPr>
-      <dgm:t>
-        <a:bodyPr/>
-        <a:lstStyle/>
-        <a:p>
+      <dgm:spPr/>
+      <dgm:t>
+        <a:bodyPr/>
+        <a:lstStyle/>
+        <a:p>
+          <a:r>
+            <a:rPr lang="es-ES_tradnl" dirty="0" smtClean="0"/>
+            <a:t>3.2. Gestión </a:t>
+          </a:r>
           <a:r>
             <a:rPr lang="es-ES_tradnl" dirty="0"/>
-            <a:t>Formación</a:t>
+            <a:t>de compras</a:t>
           </a:r>
           <a:endParaRPr lang="es-ES" dirty="0"/>
         </a:p>
       </dgm:t>
     </dgm:pt>
-    <dgm:pt modelId="{84BE1630-6BEF-48BE-BEB4-441EA60AE7C5}" type="parTrans" cxnId="{7C3DE64C-953A-4B36-89BF-C3A300F94624}">
+    <dgm:pt modelId="{CA5091F9-074B-4255-B185-C09D0BE2BF7B}" type="parTrans" cxnId="{8AF7D83C-2A35-4B4E-9A89-87807C35D1FB}">
       <dgm:prSet/>
       <dgm:spPr/>
       <dgm:t>
@@ -1460,7 +1719,7 @@
         </a:p>
       </dgm:t>
     </dgm:pt>
-    <dgm:pt modelId="{3DA0803E-74EB-47A7-880B-91D87ACD481A}" type="sibTrans" cxnId="{7C3DE64C-953A-4B36-89BF-C3A300F94624}">
+    <dgm:pt modelId="{64D4773E-534A-4E7B-A0A1-8D87DE867EA7}" type="sibTrans" cxnId="{8AF7D83C-2A35-4B4E-9A89-87807C35D1FB}">
       <dgm:prSet/>
       <dgm:spPr/>
       <dgm:t>
@@ -1471,44 +1730,137 @@
         </a:p>
       </dgm:t>
     </dgm:pt>
-    <dgm:pt modelId="{6169ABB3-9EA3-4A97-9BDB-7BF1A5E8319C}">
+    <dgm:pt modelId="{142E7667-7801-477A-80B1-678DFCEE8B9B}">
       <dgm:prSet/>
-      <dgm:spPr>
-        <a:ln>
-          <a:noFill/>
-        </a:ln>
-        <a:effectLst>
-          <a:outerShdw blurRad="149987" dist="250190" dir="8460000" algn="ctr">
-            <a:srgbClr val="000000">
-              <a:alpha val="28000"/>
-            </a:srgbClr>
-          </a:outerShdw>
-        </a:effectLst>
-        <a:scene3d>
-          <a:camera prst="orthographicFront">
-            <a:rot lat="0" lon="0" rev="0"/>
-          </a:camera>
-          <a:lightRig rig="contrasting" dir="t">
-            <a:rot lat="0" lon="0" rev="1500000"/>
-          </a:lightRig>
-        </a:scene3d>
-        <a:sp3d prstMaterial="metal">
-          <a:bevelT w="88900" h="88900"/>
-        </a:sp3d>
-      </dgm:spPr>
-      <dgm:t>
-        <a:bodyPr/>
-        <a:lstStyle/>
-        <a:p>
+      <dgm:spPr/>
+      <dgm:t>
+        <a:bodyPr/>
+        <a:lstStyle/>
+        <a:p>
+          <a:r>
+            <a:rPr lang="es-ES_tradnl" dirty="0" smtClean="0"/>
+            <a:t>4.1. Cursos</a:t>
+          </a:r>
+          <a:endParaRPr lang="es-ES" dirty="0"/>
+        </a:p>
+      </dgm:t>
+    </dgm:pt>
+    <dgm:pt modelId="{ACDCB4B0-FE3A-4189-B855-4AF36F6C0D74}" type="parTrans" cxnId="{4236410F-A92F-4C87-BF14-3DA943DADA64}">
+      <dgm:prSet/>
+      <dgm:spPr/>
+      <dgm:t>
+        <a:bodyPr/>
+        <a:lstStyle/>
+        <a:p>
+          <a:endParaRPr lang="es-ES"/>
+        </a:p>
+      </dgm:t>
+    </dgm:pt>
+    <dgm:pt modelId="{5C06A405-8210-48F4-A408-225051F39FBE}" type="sibTrans" cxnId="{4236410F-A92F-4C87-BF14-3DA943DADA64}">
+      <dgm:prSet/>
+      <dgm:spPr/>
+      <dgm:t>
+        <a:bodyPr/>
+        <a:lstStyle/>
+        <a:p>
+          <a:endParaRPr lang="es-ES"/>
+        </a:p>
+      </dgm:t>
+    </dgm:pt>
+    <dgm:pt modelId="{6343E979-4FE4-4A70-B59E-3E22D3659816}">
+      <dgm:prSet/>
+      <dgm:spPr/>
+      <dgm:t>
+        <a:bodyPr/>
+        <a:lstStyle/>
+        <a:p>
+          <a:r>
+            <a:rPr lang="es-ES_tradnl" dirty="0" smtClean="0"/>
+            <a:t>4.2. Personal</a:t>
+          </a:r>
+          <a:endParaRPr lang="es-ES" dirty="0"/>
+        </a:p>
+      </dgm:t>
+    </dgm:pt>
+    <dgm:pt modelId="{7A8423F9-E18F-49C7-AF47-88948CD8E18D}" type="parTrans" cxnId="{E66A6DFA-838B-4265-BAE3-732A6B928409}">
+      <dgm:prSet/>
+      <dgm:spPr/>
+      <dgm:t>
+        <a:bodyPr/>
+        <a:lstStyle/>
+        <a:p>
+          <a:endParaRPr lang="es-ES"/>
+        </a:p>
+      </dgm:t>
+    </dgm:pt>
+    <dgm:pt modelId="{A2AAA9C3-C9BC-414E-AD60-200EF2F1EFA3}" type="sibTrans" cxnId="{E66A6DFA-838B-4265-BAE3-732A6B928409}">
+      <dgm:prSet/>
+      <dgm:spPr/>
+      <dgm:t>
+        <a:bodyPr/>
+        <a:lstStyle/>
+        <a:p>
+          <a:endParaRPr lang="es-ES"/>
+        </a:p>
+      </dgm:t>
+    </dgm:pt>
+    <dgm:pt modelId="{90E52BB7-1EB0-47DC-82EE-28BBD13D64E9}">
+      <dgm:prSet/>
+      <dgm:spPr/>
+      <dgm:t>
+        <a:bodyPr/>
+        <a:lstStyle/>
+        <a:p>
+          <a:r>
+            <a:rPr lang="es-ES_tradnl" dirty="0" smtClean="0"/>
+            <a:t>4.3 Certificación</a:t>
+          </a:r>
+          <a:endParaRPr lang="es-ES" dirty="0"/>
+        </a:p>
+      </dgm:t>
+    </dgm:pt>
+    <dgm:pt modelId="{7B0BD396-2B46-40BD-AC76-2EF21EDDDC81}" type="parTrans" cxnId="{8BBAB2EF-486F-4C2D-8E6B-30F22B08CEDE}">
+      <dgm:prSet/>
+      <dgm:spPr/>
+      <dgm:t>
+        <a:bodyPr/>
+        <a:lstStyle/>
+        <a:p>
+          <a:endParaRPr lang="es-ES"/>
+        </a:p>
+      </dgm:t>
+    </dgm:pt>
+    <dgm:pt modelId="{6C2204E5-3FD4-4E2D-A0D8-AA639C5B78BB}" type="sibTrans" cxnId="{8BBAB2EF-486F-4C2D-8E6B-30F22B08CEDE}">
+      <dgm:prSet/>
+      <dgm:spPr/>
+      <dgm:t>
+        <a:bodyPr/>
+        <a:lstStyle/>
+        <a:p>
+          <a:endParaRPr lang="es-ES"/>
+        </a:p>
+      </dgm:t>
+    </dgm:pt>
+    <dgm:pt modelId="{65164E71-4DD3-40F1-A30B-EC613D040542}">
+      <dgm:prSet/>
+      <dgm:spPr/>
+      <dgm:t>
+        <a:bodyPr/>
+        <a:lstStyle/>
+        <a:p>
+          <a:r>
+            <a:rPr lang="es-ES_tradnl" dirty="0" smtClean="0"/>
+            <a:t>4.4 Documentación </a:t>
+          </a:r>
           <a:r>
             <a:rPr lang="es-ES_tradnl" dirty="0"/>
-            <a:t>Integración y pruebas</a:t>
+            <a:t>de formación</a:t>
           </a:r>
           <a:endParaRPr lang="es-ES" dirty="0"/>
         </a:p>
       </dgm:t>
     </dgm:pt>
-    <dgm:pt modelId="{28EC855E-094C-4BED-9FB2-2C030C8FFA45}" type="parTrans" cxnId="{44BC1EE3-FF57-452E-9F1C-1297E9ECAE80}">
+    <dgm:pt modelId="{602223CB-CFD7-40C2-91FA-E4E1E82D12F8}" type="parTrans" cxnId="{CA998EDF-D1EC-4F21-BC02-F8E5D809124E}">
       <dgm:prSet/>
       <dgm:spPr/>
       <dgm:t>
@@ -1519,7 +1871,7 @@
         </a:p>
       </dgm:t>
     </dgm:pt>
-    <dgm:pt modelId="{5DD54D20-2A68-4F1C-81FF-4637F3180AB6}" type="sibTrans" cxnId="{44BC1EE3-FF57-452E-9F1C-1297E9ECAE80}">
+    <dgm:pt modelId="{21CD02D9-E652-489A-8BF4-F425E3CF6D26}" type="sibTrans" cxnId="{CA998EDF-D1EC-4F21-BC02-F8E5D809124E}">
       <dgm:prSet/>
       <dgm:spPr/>
       <dgm:t>
@@ -1530,44 +1882,26 @@
         </a:p>
       </dgm:t>
     </dgm:pt>
-    <dgm:pt modelId="{818A50AE-2897-4A8A-A2D4-C798E3839759}">
+    <dgm:pt modelId="{64108CB1-DB75-4E6C-B114-0F078EBFAA65}">
       <dgm:prSet/>
-      <dgm:spPr>
-        <a:ln>
-          <a:noFill/>
-        </a:ln>
-        <a:effectLst>
-          <a:outerShdw blurRad="149987" dist="250190" dir="8460000" algn="ctr">
-            <a:srgbClr val="000000">
-              <a:alpha val="28000"/>
-            </a:srgbClr>
-          </a:outerShdw>
-        </a:effectLst>
-        <a:scene3d>
-          <a:camera prst="orthographicFront">
-            <a:rot lat="0" lon="0" rev="0"/>
-          </a:camera>
-          <a:lightRig rig="contrasting" dir="t">
-            <a:rot lat="0" lon="0" rev="1500000"/>
-          </a:lightRig>
-        </a:scene3d>
-        <a:sp3d prstMaterial="metal">
-          <a:bevelT w="88900" h="88900"/>
-        </a:sp3d>
-      </dgm:spPr>
-      <dgm:t>
-        <a:bodyPr/>
-        <a:lstStyle/>
-        <a:p>
+      <dgm:spPr/>
+      <dgm:t>
+        <a:bodyPr/>
+        <a:lstStyle/>
+        <a:p>
+          <a:r>
+            <a:rPr lang="es-ES_tradnl" dirty="0" smtClean="0"/>
+            <a:t>5.1. Integración </a:t>
+          </a:r>
           <a:r>
             <a:rPr lang="es-ES_tradnl" dirty="0"/>
-            <a:t>Riesgos</a:t>
+            <a:t>en muestra</a:t>
           </a:r>
           <a:endParaRPr lang="es-ES" dirty="0"/>
         </a:p>
       </dgm:t>
     </dgm:pt>
-    <dgm:pt modelId="{6E64CD67-6FB7-4233-986F-C1A61F90D25C}" type="parTrans" cxnId="{5C8AD39E-048A-4F0B-A4E5-8E7E28CD4E8E}">
+    <dgm:pt modelId="{4672E1E4-8BCB-4F8A-9715-DD03D099E9B8}" type="parTrans" cxnId="{8F9BFC49-62BA-4DBB-A4FA-FDF3587EA851}">
       <dgm:prSet/>
       <dgm:spPr/>
       <dgm:t>
@@ -1578,7 +1912,7 @@
         </a:p>
       </dgm:t>
     </dgm:pt>
-    <dgm:pt modelId="{C0AF5DF9-2ED6-42D3-8F8C-F06FCA8338A2}" type="sibTrans" cxnId="{5C8AD39E-048A-4F0B-A4E5-8E7E28CD4E8E}">
+    <dgm:pt modelId="{926064D3-9C23-498F-82E9-95C446588308}" type="sibTrans" cxnId="{8F9BFC49-62BA-4DBB-A4FA-FDF3587EA851}">
       <dgm:prSet/>
       <dgm:spPr/>
       <dgm:t>
@@ -1589,44 +1923,26 @@
         </a:p>
       </dgm:t>
     </dgm:pt>
-    <dgm:pt modelId="{95F92B39-5BD1-41DA-921B-40270E333897}">
+    <dgm:pt modelId="{210E38F1-6443-4897-BC67-3DC469B10B3A}">
       <dgm:prSet/>
-      <dgm:spPr>
-        <a:ln>
-          <a:noFill/>
-        </a:ln>
-        <a:effectLst>
-          <a:outerShdw blurRad="149987" dist="250190" dir="8460000" algn="ctr">
-            <a:srgbClr val="000000">
-              <a:alpha val="28000"/>
-            </a:srgbClr>
-          </a:outerShdw>
-        </a:effectLst>
-        <a:scene3d>
-          <a:camera prst="orthographicFront">
-            <a:rot lat="0" lon="0" rev="0"/>
-          </a:camera>
-          <a:lightRig rig="contrasting" dir="t">
-            <a:rot lat="0" lon="0" rev="1500000"/>
-          </a:lightRig>
-        </a:scene3d>
-        <a:sp3d prstMaterial="metal">
-          <a:bevelT w="88900" h="88900"/>
-        </a:sp3d>
-      </dgm:spPr>
-      <dgm:t>
-        <a:bodyPr/>
-        <a:lstStyle/>
-        <a:p>
+      <dgm:spPr/>
+      <dgm:t>
+        <a:bodyPr/>
+        <a:lstStyle/>
+        <a:p>
+          <a:r>
+            <a:rPr lang="es-ES_tradnl" dirty="0" smtClean="0"/>
+            <a:t>5.2. Obtención </a:t>
+          </a:r>
           <a:r>
             <a:rPr lang="es-ES_tradnl" dirty="0"/>
-            <a:t>Contexto</a:t>
+            <a:t>de resultados</a:t>
           </a:r>
           <a:endParaRPr lang="es-ES" dirty="0"/>
         </a:p>
       </dgm:t>
     </dgm:pt>
-    <dgm:pt modelId="{78A11304-B47B-426C-80D9-23F105284D80}" type="parTrans" cxnId="{8A33DAC6-D9DF-4D48-B64D-808F92F2B77E}">
+    <dgm:pt modelId="{658605B8-67B6-4965-9219-87AD07A2BD57}" type="parTrans" cxnId="{6193E151-7B4B-421D-8E3E-D3E6FEF0B0BC}">
       <dgm:prSet/>
       <dgm:spPr/>
       <dgm:t>
@@ -1637,7 +1953,7 @@
         </a:p>
       </dgm:t>
     </dgm:pt>
-    <dgm:pt modelId="{19CA03D8-84BD-45E9-ACB4-36731CEB3A27}" type="sibTrans" cxnId="{8A33DAC6-D9DF-4D48-B64D-808F92F2B77E}">
+    <dgm:pt modelId="{0132DBF9-A877-41CA-AAEC-9BACB1A6367E}" type="sibTrans" cxnId="{6193E151-7B4B-421D-8E3E-D3E6FEF0B0BC}">
       <dgm:prSet/>
       <dgm:spPr/>
       <dgm:t>
@@ -1648,869 +1964,25 @@
         </a:p>
       </dgm:t>
     </dgm:pt>
-    <dgm:pt modelId="{595FCBCB-6F4C-41E0-9D57-CC8BC973C07C}">
+    <dgm:pt modelId="{E195E9F6-7564-48BE-A20F-8E15DF27D81A}">
       <dgm:prSet/>
-      <dgm:spPr>
-        <a:ln>
-          <a:noFill/>
-        </a:ln>
-        <a:effectLst>
-          <a:outerShdw blurRad="149987" dist="250190" dir="8460000" algn="ctr">
-            <a:srgbClr val="000000">
-              <a:alpha val="28000"/>
-            </a:srgbClr>
-          </a:outerShdw>
-        </a:effectLst>
-        <a:scene3d>
-          <a:camera prst="orthographicFront">
-            <a:rot lat="0" lon="0" rev="0"/>
-          </a:camera>
-          <a:lightRig rig="contrasting" dir="t">
-            <a:rot lat="0" lon="0" rev="1500000"/>
-          </a:lightRig>
-        </a:scene3d>
-        <a:sp3d prstMaterial="metal">
-          <a:bevelT w="88900" h="88900"/>
-        </a:sp3d>
-      </dgm:spPr>
-      <dgm:t>
-        <a:bodyPr/>
-        <a:lstStyle/>
-        <a:p>
+      <dgm:spPr/>
+      <dgm:t>
+        <a:bodyPr/>
+        <a:lstStyle/>
+        <a:p>
+          <a:r>
+            <a:rPr lang="es-ES_tradnl" dirty="0" smtClean="0"/>
+            <a:t>5.3. Validación </a:t>
+          </a:r>
           <a:r>
             <a:rPr lang="es-ES_tradnl" dirty="0"/>
-            <a:t>Documentación Inicial</a:t>
+            <a:t>de resultados</a:t>
           </a:r>
           <a:endParaRPr lang="es-ES" dirty="0"/>
         </a:p>
       </dgm:t>
     </dgm:pt>
-    <dgm:pt modelId="{51635E7D-94AB-42DB-A23F-6B9E2711ADB8}" type="parTrans" cxnId="{CE25B188-AF7E-45A6-B483-2C1585C607A0}">
-      <dgm:prSet/>
-      <dgm:spPr/>
-      <dgm:t>
-        <a:bodyPr/>
-        <a:lstStyle/>
-        <a:p>
-          <a:endParaRPr lang="es-ES"/>
-        </a:p>
-      </dgm:t>
-    </dgm:pt>
-    <dgm:pt modelId="{0B43550C-8A90-4189-9B67-1225304E0089}" type="sibTrans" cxnId="{CE25B188-AF7E-45A6-B483-2C1585C607A0}">
-      <dgm:prSet/>
-      <dgm:spPr/>
-      <dgm:t>
-        <a:bodyPr/>
-        <a:lstStyle/>
-        <a:p>
-          <a:endParaRPr lang="es-ES"/>
-        </a:p>
-      </dgm:t>
-    </dgm:pt>
-    <dgm:pt modelId="{7B8C88F9-23A6-428A-9D84-EE8685A0B867}">
-      <dgm:prSet/>
-      <dgm:spPr>
-        <a:ln>
-          <a:noFill/>
-        </a:ln>
-        <a:effectLst>
-          <a:outerShdw blurRad="149987" dist="250190" dir="8460000" algn="ctr">
-            <a:srgbClr val="000000">
-              <a:alpha val="28000"/>
-            </a:srgbClr>
-          </a:outerShdw>
-        </a:effectLst>
-        <a:scene3d>
-          <a:camera prst="orthographicFront">
-            <a:rot lat="0" lon="0" rev="0"/>
-          </a:camera>
-          <a:lightRig rig="contrasting" dir="t">
-            <a:rot lat="0" lon="0" rev="1500000"/>
-          </a:lightRig>
-        </a:scene3d>
-        <a:sp3d prstMaterial="metal">
-          <a:bevelT w="88900" h="88900"/>
-        </a:sp3d>
-      </dgm:spPr>
-      <dgm:t>
-        <a:bodyPr/>
-        <a:lstStyle/>
-        <a:p>
-          <a:r>
-            <a:rPr lang="es-ES_tradnl" dirty="0"/>
-            <a:t>Identificación de interesados</a:t>
-          </a:r>
-          <a:endParaRPr lang="es-ES" dirty="0"/>
-        </a:p>
-      </dgm:t>
-    </dgm:pt>
-    <dgm:pt modelId="{55BF91F1-8371-43F3-B796-D886F4AEA607}" type="parTrans" cxnId="{9258CF10-A21F-436C-8DD6-66D5F2257114}">
-      <dgm:prSet/>
-      <dgm:spPr/>
-      <dgm:t>
-        <a:bodyPr/>
-        <a:lstStyle/>
-        <a:p>
-          <a:endParaRPr lang="es-ES"/>
-        </a:p>
-      </dgm:t>
-    </dgm:pt>
-    <dgm:pt modelId="{AB932049-799D-400F-96A9-390092336D78}" type="sibTrans" cxnId="{9258CF10-A21F-436C-8DD6-66D5F2257114}">
-      <dgm:prSet/>
-      <dgm:spPr/>
-      <dgm:t>
-        <a:bodyPr/>
-        <a:lstStyle/>
-        <a:p>
-          <a:endParaRPr lang="es-ES"/>
-        </a:p>
-      </dgm:t>
-    </dgm:pt>
-    <dgm:pt modelId="{22D68CCB-4BEE-4732-BA18-145918E71689}">
-      <dgm:prSet/>
-      <dgm:spPr>
-        <a:ln>
-          <a:noFill/>
-        </a:ln>
-        <a:effectLst>
-          <a:outerShdw blurRad="149987" dist="250190" dir="8460000" algn="ctr">
-            <a:srgbClr val="000000">
-              <a:alpha val="28000"/>
-            </a:srgbClr>
-          </a:outerShdw>
-        </a:effectLst>
-        <a:scene3d>
-          <a:camera prst="orthographicFront">
-            <a:rot lat="0" lon="0" rev="0"/>
-          </a:camera>
-          <a:lightRig rig="contrasting" dir="t">
-            <a:rot lat="0" lon="0" rev="1500000"/>
-          </a:lightRig>
-        </a:scene3d>
-        <a:sp3d prstMaterial="metal">
-          <a:bevelT w="88900" h="88900"/>
-        </a:sp3d>
-      </dgm:spPr>
-      <dgm:t>
-        <a:bodyPr/>
-        <a:lstStyle/>
-        <a:p>
-          <a:r>
-            <a:rPr lang="es-ES_tradnl" dirty="0"/>
-            <a:t>Acuerdos</a:t>
-          </a:r>
-          <a:endParaRPr lang="es-ES" dirty="0"/>
-        </a:p>
-      </dgm:t>
-    </dgm:pt>
-    <dgm:pt modelId="{845F5D8C-040E-4743-ACA2-252EB4E11E64}" type="parTrans" cxnId="{AEAE211C-05CA-406B-A485-10AC5B28C623}">
-      <dgm:prSet/>
-      <dgm:spPr/>
-      <dgm:t>
-        <a:bodyPr/>
-        <a:lstStyle/>
-        <a:p>
-          <a:endParaRPr lang="es-ES"/>
-        </a:p>
-      </dgm:t>
-    </dgm:pt>
-    <dgm:pt modelId="{96F038F0-8321-4A68-ABFB-0F5C2D7FE10A}" type="sibTrans" cxnId="{AEAE211C-05CA-406B-A485-10AC5B28C623}">
-      <dgm:prSet/>
-      <dgm:spPr/>
-      <dgm:t>
-        <a:bodyPr/>
-        <a:lstStyle/>
-        <a:p>
-          <a:endParaRPr lang="es-ES"/>
-        </a:p>
-      </dgm:t>
-    </dgm:pt>
-    <dgm:pt modelId="{638D4A18-E8B7-45E5-8EAA-4C0D29849159}">
-      <dgm:prSet/>
-      <dgm:spPr>
-        <a:ln>
-          <a:noFill/>
-        </a:ln>
-        <a:effectLst>
-          <a:outerShdw blurRad="149987" dist="250190" dir="8460000" algn="ctr">
-            <a:srgbClr val="000000">
-              <a:alpha val="28000"/>
-            </a:srgbClr>
-          </a:outerShdw>
-        </a:effectLst>
-        <a:scene3d>
-          <a:camera prst="orthographicFront">
-            <a:rot lat="0" lon="0" rev="0"/>
-          </a:camera>
-          <a:lightRig rig="contrasting" dir="t">
-            <a:rot lat="0" lon="0" rev="1500000"/>
-          </a:lightRig>
-        </a:scene3d>
-        <a:sp3d prstMaterial="metal">
-          <a:bevelT w="88900" h="88900"/>
-        </a:sp3d>
-      </dgm:spPr>
-      <dgm:t>
-        <a:bodyPr/>
-        <a:lstStyle/>
-        <a:p>
-          <a:r>
-            <a:rPr lang="es-ES_tradnl" dirty="0"/>
-            <a:t>Reuniones</a:t>
-          </a:r>
-          <a:endParaRPr lang="es-ES" dirty="0"/>
-        </a:p>
-      </dgm:t>
-    </dgm:pt>
-    <dgm:pt modelId="{6331599E-52B8-4A6C-B3A0-6191E729069E}" type="parTrans" cxnId="{D47CA79C-8F8E-4F6C-B4A4-DC7B0D45936D}">
-      <dgm:prSet/>
-      <dgm:spPr/>
-      <dgm:t>
-        <a:bodyPr/>
-        <a:lstStyle/>
-        <a:p>
-          <a:endParaRPr lang="es-ES"/>
-        </a:p>
-      </dgm:t>
-    </dgm:pt>
-    <dgm:pt modelId="{96BDABD5-5B11-468E-B806-E97AD8AE4AFA}" type="sibTrans" cxnId="{D47CA79C-8F8E-4F6C-B4A4-DC7B0D45936D}">
-      <dgm:prSet/>
-      <dgm:spPr/>
-      <dgm:t>
-        <a:bodyPr/>
-        <a:lstStyle/>
-        <a:p>
-          <a:endParaRPr lang="es-ES"/>
-        </a:p>
-      </dgm:t>
-    </dgm:pt>
-    <dgm:pt modelId="{D692D1F3-8B04-4096-AA22-E14E93E2AD30}">
-      <dgm:prSet/>
-      <dgm:spPr>
-        <a:ln>
-          <a:noFill/>
-        </a:ln>
-        <a:effectLst>
-          <a:outerShdw blurRad="149987" dist="250190" dir="8460000" algn="ctr">
-            <a:srgbClr val="000000">
-              <a:alpha val="28000"/>
-            </a:srgbClr>
-          </a:outerShdw>
-        </a:effectLst>
-        <a:scene3d>
-          <a:camera prst="orthographicFront">
-            <a:rot lat="0" lon="0" rev="0"/>
-          </a:camera>
-          <a:lightRig rig="contrasting" dir="t">
-            <a:rot lat="0" lon="0" rev="1500000"/>
-          </a:lightRig>
-        </a:scene3d>
-        <a:sp3d prstMaterial="metal">
-          <a:bevelT w="88900" h="88900"/>
-        </a:sp3d>
-      </dgm:spPr>
-      <dgm:t>
-        <a:bodyPr/>
-        <a:lstStyle/>
-        <a:p>
-          <a:r>
-            <a:rPr lang="es-ES_tradnl" dirty="0"/>
-            <a:t>Calidad y Validación</a:t>
-          </a:r>
-          <a:endParaRPr lang="es-ES" dirty="0"/>
-        </a:p>
-      </dgm:t>
-    </dgm:pt>
-    <dgm:pt modelId="{D4015DCB-90CE-418D-BA17-E20EB5979634}" type="parTrans" cxnId="{30A55F96-8DA0-4EC1-A524-A47232E0498E}">
-      <dgm:prSet/>
-      <dgm:spPr/>
-      <dgm:t>
-        <a:bodyPr/>
-        <a:lstStyle/>
-        <a:p>
-          <a:endParaRPr lang="es-ES"/>
-        </a:p>
-      </dgm:t>
-    </dgm:pt>
-    <dgm:pt modelId="{9DF5544D-7133-4BEC-80D5-5F4AB2FCACF0}" type="sibTrans" cxnId="{30A55F96-8DA0-4EC1-A524-A47232E0498E}">
-      <dgm:prSet/>
-      <dgm:spPr/>
-      <dgm:t>
-        <a:bodyPr/>
-        <a:lstStyle/>
-        <a:p>
-          <a:endParaRPr lang="es-ES"/>
-        </a:p>
-      </dgm:t>
-    </dgm:pt>
-    <dgm:pt modelId="{1CCEED45-57D7-4641-81C9-5908579CE245}">
-      <dgm:prSet/>
-      <dgm:spPr>
-        <a:ln>
-          <a:noFill/>
-        </a:ln>
-        <a:effectLst>
-          <a:outerShdw blurRad="149987" dist="250190" dir="8460000" algn="ctr">
-            <a:srgbClr val="000000">
-              <a:alpha val="28000"/>
-            </a:srgbClr>
-          </a:outerShdw>
-        </a:effectLst>
-        <a:scene3d>
-          <a:camera prst="orthographicFront">
-            <a:rot lat="0" lon="0" rev="0"/>
-          </a:camera>
-          <a:lightRig rig="contrasting" dir="t">
-            <a:rot lat="0" lon="0" rev="1500000"/>
-          </a:lightRig>
-        </a:scene3d>
-        <a:sp3d prstMaterial="metal">
-          <a:bevelT w="88900" h="88900"/>
-        </a:sp3d>
-      </dgm:spPr>
-      <dgm:t>
-        <a:bodyPr/>
-        <a:lstStyle/>
-        <a:p>
-          <a:r>
-            <a:rPr lang="es-ES_tradnl" dirty="0"/>
-            <a:t>Cronograma</a:t>
-          </a:r>
-          <a:endParaRPr lang="es-ES" dirty="0"/>
-        </a:p>
-      </dgm:t>
-    </dgm:pt>
-    <dgm:pt modelId="{0B8E2C65-A4D7-4B41-A006-CAAA09EDACC5}" type="parTrans" cxnId="{8237BEE0-D1B1-440F-9385-3C24B42C9D37}">
-      <dgm:prSet/>
-      <dgm:spPr/>
-      <dgm:t>
-        <a:bodyPr/>
-        <a:lstStyle/>
-        <a:p>
-          <a:endParaRPr lang="es-ES"/>
-        </a:p>
-      </dgm:t>
-    </dgm:pt>
-    <dgm:pt modelId="{3565B9CB-B1EE-400D-B2B9-2B551D737D10}" type="sibTrans" cxnId="{8237BEE0-D1B1-440F-9385-3C24B42C9D37}">
-      <dgm:prSet/>
-      <dgm:spPr/>
-      <dgm:t>
-        <a:bodyPr/>
-        <a:lstStyle/>
-        <a:p>
-          <a:endParaRPr lang="es-ES"/>
-        </a:p>
-      </dgm:t>
-    </dgm:pt>
-    <dgm:pt modelId="{C6E69E37-3961-44EE-94E9-D23872BEE4C9}">
-      <dgm:prSet/>
-      <dgm:spPr>
-        <a:ln>
-          <a:noFill/>
-        </a:ln>
-        <a:effectLst>
-          <a:outerShdw blurRad="149987" dist="250190" dir="8460000" algn="ctr">
-            <a:srgbClr val="000000">
-              <a:alpha val="28000"/>
-            </a:srgbClr>
-          </a:outerShdw>
-        </a:effectLst>
-        <a:scene3d>
-          <a:camera prst="orthographicFront">
-            <a:rot lat="0" lon="0" rev="0"/>
-          </a:camera>
-          <a:lightRig rig="contrasting" dir="t">
-            <a:rot lat="0" lon="0" rev="1500000"/>
-          </a:lightRig>
-        </a:scene3d>
-        <a:sp3d prstMaterial="metal">
-          <a:bevelT w="88900" h="88900"/>
-        </a:sp3d>
-      </dgm:spPr>
-      <dgm:t>
-        <a:bodyPr/>
-        <a:lstStyle/>
-        <a:p>
-          <a:r>
-            <a:rPr lang="es-ES_tradnl" dirty="0"/>
-            <a:t>Control de procesos</a:t>
-          </a:r>
-          <a:endParaRPr lang="es-ES" dirty="0"/>
-        </a:p>
-      </dgm:t>
-    </dgm:pt>
-    <dgm:pt modelId="{39E7187F-BF44-4434-ABA8-1C914D1E277A}" type="parTrans" cxnId="{6C09A7CF-ED9E-4F5C-A208-29FC73FCD37A}">
-      <dgm:prSet/>
-      <dgm:spPr/>
-      <dgm:t>
-        <a:bodyPr/>
-        <a:lstStyle/>
-        <a:p>
-          <a:endParaRPr lang="es-ES"/>
-        </a:p>
-      </dgm:t>
-    </dgm:pt>
-    <dgm:pt modelId="{DEA9B8DE-9278-41C4-8958-F47B791467F4}" type="sibTrans" cxnId="{6C09A7CF-ED9E-4F5C-A208-29FC73FCD37A}">
-      <dgm:prSet/>
-      <dgm:spPr/>
-      <dgm:t>
-        <a:bodyPr/>
-        <a:lstStyle/>
-        <a:p>
-          <a:endParaRPr lang="es-ES"/>
-        </a:p>
-      </dgm:t>
-    </dgm:pt>
-    <dgm:pt modelId="{DEA8DC5E-722E-4FFF-BA91-EA999F6AAE91}">
-      <dgm:prSet/>
-      <dgm:spPr>
-        <a:ln>
-          <a:noFill/>
-        </a:ln>
-        <a:effectLst>
-          <a:outerShdw blurRad="149987" dist="250190" dir="8460000" algn="ctr">
-            <a:srgbClr val="000000">
-              <a:alpha val="28000"/>
-            </a:srgbClr>
-          </a:outerShdw>
-        </a:effectLst>
-        <a:scene3d>
-          <a:camera prst="orthographicFront">
-            <a:rot lat="0" lon="0" rev="0"/>
-          </a:camera>
-          <a:lightRig rig="contrasting" dir="t">
-            <a:rot lat="0" lon="0" rev="1500000"/>
-          </a:lightRig>
-        </a:scene3d>
-        <a:sp3d prstMaterial="metal">
-          <a:bevelT w="88900" h="88900"/>
-        </a:sp3d>
-      </dgm:spPr>
-      <dgm:t>
-        <a:bodyPr/>
-        <a:lstStyle/>
-        <a:p>
-          <a:r>
-            <a:rPr lang="es-ES_tradnl" dirty="0"/>
-            <a:t>Gestión de compras</a:t>
-          </a:r>
-          <a:endParaRPr lang="es-ES" dirty="0"/>
-        </a:p>
-      </dgm:t>
-    </dgm:pt>
-    <dgm:pt modelId="{CA5091F9-074B-4255-B185-C09D0BE2BF7B}" type="parTrans" cxnId="{8AF7D83C-2A35-4B4E-9A89-87807C35D1FB}">
-      <dgm:prSet/>
-      <dgm:spPr/>
-      <dgm:t>
-        <a:bodyPr/>
-        <a:lstStyle/>
-        <a:p>
-          <a:endParaRPr lang="es-ES"/>
-        </a:p>
-      </dgm:t>
-    </dgm:pt>
-    <dgm:pt modelId="{64D4773E-534A-4E7B-A0A1-8D87DE867EA7}" type="sibTrans" cxnId="{8AF7D83C-2A35-4B4E-9A89-87807C35D1FB}">
-      <dgm:prSet/>
-      <dgm:spPr/>
-      <dgm:t>
-        <a:bodyPr/>
-        <a:lstStyle/>
-        <a:p>
-          <a:endParaRPr lang="es-ES"/>
-        </a:p>
-      </dgm:t>
-    </dgm:pt>
-    <dgm:pt modelId="{142E7667-7801-477A-80B1-678DFCEE8B9B}">
-      <dgm:prSet/>
-      <dgm:spPr>
-        <a:ln>
-          <a:noFill/>
-        </a:ln>
-        <a:effectLst>
-          <a:outerShdw blurRad="149987" dist="250190" dir="8460000" algn="ctr">
-            <a:srgbClr val="000000">
-              <a:alpha val="28000"/>
-            </a:srgbClr>
-          </a:outerShdw>
-        </a:effectLst>
-        <a:scene3d>
-          <a:camera prst="orthographicFront">
-            <a:rot lat="0" lon="0" rev="0"/>
-          </a:camera>
-          <a:lightRig rig="contrasting" dir="t">
-            <a:rot lat="0" lon="0" rev="1500000"/>
-          </a:lightRig>
-        </a:scene3d>
-        <a:sp3d prstMaterial="metal">
-          <a:bevelT w="88900" h="88900"/>
-        </a:sp3d>
-      </dgm:spPr>
-      <dgm:t>
-        <a:bodyPr/>
-        <a:lstStyle/>
-        <a:p>
-          <a:r>
-            <a:rPr lang="es-ES_tradnl" dirty="0"/>
-            <a:t>Cursos</a:t>
-          </a:r>
-          <a:endParaRPr lang="es-ES" dirty="0"/>
-        </a:p>
-      </dgm:t>
-    </dgm:pt>
-    <dgm:pt modelId="{ACDCB4B0-FE3A-4189-B855-4AF36F6C0D74}" type="parTrans" cxnId="{4236410F-A92F-4C87-BF14-3DA943DADA64}">
-      <dgm:prSet/>
-      <dgm:spPr/>
-      <dgm:t>
-        <a:bodyPr/>
-        <a:lstStyle/>
-        <a:p>
-          <a:endParaRPr lang="es-ES"/>
-        </a:p>
-      </dgm:t>
-    </dgm:pt>
-    <dgm:pt modelId="{5C06A405-8210-48F4-A408-225051F39FBE}" type="sibTrans" cxnId="{4236410F-A92F-4C87-BF14-3DA943DADA64}">
-      <dgm:prSet/>
-      <dgm:spPr/>
-      <dgm:t>
-        <a:bodyPr/>
-        <a:lstStyle/>
-        <a:p>
-          <a:endParaRPr lang="es-ES"/>
-        </a:p>
-      </dgm:t>
-    </dgm:pt>
-    <dgm:pt modelId="{6343E979-4FE4-4A70-B59E-3E22D3659816}">
-      <dgm:prSet/>
-      <dgm:spPr>
-        <a:ln>
-          <a:noFill/>
-        </a:ln>
-        <a:effectLst>
-          <a:outerShdw blurRad="149987" dist="250190" dir="8460000" algn="ctr">
-            <a:srgbClr val="000000">
-              <a:alpha val="28000"/>
-            </a:srgbClr>
-          </a:outerShdw>
-        </a:effectLst>
-        <a:scene3d>
-          <a:camera prst="orthographicFront">
-            <a:rot lat="0" lon="0" rev="0"/>
-          </a:camera>
-          <a:lightRig rig="contrasting" dir="t">
-            <a:rot lat="0" lon="0" rev="1500000"/>
-          </a:lightRig>
-        </a:scene3d>
-        <a:sp3d prstMaterial="metal">
-          <a:bevelT w="88900" h="88900"/>
-        </a:sp3d>
-      </dgm:spPr>
-      <dgm:t>
-        <a:bodyPr/>
-        <a:lstStyle/>
-        <a:p>
-          <a:r>
-            <a:rPr lang="es-ES_tradnl" dirty="0"/>
-            <a:t>Personal</a:t>
-          </a:r>
-          <a:endParaRPr lang="es-ES" dirty="0"/>
-        </a:p>
-      </dgm:t>
-    </dgm:pt>
-    <dgm:pt modelId="{7A8423F9-E18F-49C7-AF47-88948CD8E18D}" type="parTrans" cxnId="{E66A6DFA-838B-4265-BAE3-732A6B928409}">
-      <dgm:prSet/>
-      <dgm:spPr/>
-      <dgm:t>
-        <a:bodyPr/>
-        <a:lstStyle/>
-        <a:p>
-          <a:endParaRPr lang="es-ES"/>
-        </a:p>
-      </dgm:t>
-    </dgm:pt>
-    <dgm:pt modelId="{A2AAA9C3-C9BC-414E-AD60-200EF2F1EFA3}" type="sibTrans" cxnId="{E66A6DFA-838B-4265-BAE3-732A6B928409}">
-      <dgm:prSet/>
-      <dgm:spPr/>
-      <dgm:t>
-        <a:bodyPr/>
-        <a:lstStyle/>
-        <a:p>
-          <a:endParaRPr lang="es-ES"/>
-        </a:p>
-      </dgm:t>
-    </dgm:pt>
-    <dgm:pt modelId="{90E52BB7-1EB0-47DC-82EE-28BBD13D64E9}">
-      <dgm:prSet/>
-      <dgm:spPr>
-        <a:ln>
-          <a:noFill/>
-        </a:ln>
-        <a:effectLst>
-          <a:outerShdw blurRad="149987" dist="250190" dir="8460000" algn="ctr">
-            <a:srgbClr val="000000">
-              <a:alpha val="28000"/>
-            </a:srgbClr>
-          </a:outerShdw>
-        </a:effectLst>
-        <a:scene3d>
-          <a:camera prst="orthographicFront">
-            <a:rot lat="0" lon="0" rev="0"/>
-          </a:camera>
-          <a:lightRig rig="contrasting" dir="t">
-            <a:rot lat="0" lon="0" rev="1500000"/>
-          </a:lightRig>
-        </a:scene3d>
-        <a:sp3d prstMaterial="metal">
-          <a:bevelT w="88900" h="88900"/>
-        </a:sp3d>
-      </dgm:spPr>
-      <dgm:t>
-        <a:bodyPr/>
-        <a:lstStyle/>
-        <a:p>
-          <a:r>
-            <a:rPr lang="es-ES_tradnl" dirty="0"/>
-            <a:t>Certificación</a:t>
-          </a:r>
-          <a:endParaRPr lang="es-ES" dirty="0"/>
-        </a:p>
-      </dgm:t>
-    </dgm:pt>
-    <dgm:pt modelId="{7B0BD396-2B46-40BD-AC76-2EF21EDDDC81}" type="parTrans" cxnId="{8BBAB2EF-486F-4C2D-8E6B-30F22B08CEDE}">
-      <dgm:prSet/>
-      <dgm:spPr/>
-      <dgm:t>
-        <a:bodyPr/>
-        <a:lstStyle/>
-        <a:p>
-          <a:endParaRPr lang="es-ES"/>
-        </a:p>
-      </dgm:t>
-    </dgm:pt>
-    <dgm:pt modelId="{6C2204E5-3FD4-4E2D-A0D8-AA639C5B78BB}" type="sibTrans" cxnId="{8BBAB2EF-486F-4C2D-8E6B-30F22B08CEDE}">
-      <dgm:prSet/>
-      <dgm:spPr/>
-      <dgm:t>
-        <a:bodyPr/>
-        <a:lstStyle/>
-        <a:p>
-          <a:endParaRPr lang="es-ES"/>
-        </a:p>
-      </dgm:t>
-    </dgm:pt>
-    <dgm:pt modelId="{65164E71-4DD3-40F1-A30B-EC613D040542}">
-      <dgm:prSet/>
-      <dgm:spPr>
-        <a:ln>
-          <a:noFill/>
-        </a:ln>
-        <a:effectLst>
-          <a:outerShdw blurRad="149987" dist="250190" dir="8460000" algn="ctr">
-            <a:srgbClr val="000000">
-              <a:alpha val="28000"/>
-            </a:srgbClr>
-          </a:outerShdw>
-        </a:effectLst>
-        <a:scene3d>
-          <a:camera prst="orthographicFront">
-            <a:rot lat="0" lon="0" rev="0"/>
-          </a:camera>
-          <a:lightRig rig="contrasting" dir="t">
-            <a:rot lat="0" lon="0" rev="1500000"/>
-          </a:lightRig>
-        </a:scene3d>
-        <a:sp3d prstMaterial="metal">
-          <a:bevelT w="88900" h="88900"/>
-        </a:sp3d>
-      </dgm:spPr>
-      <dgm:t>
-        <a:bodyPr/>
-        <a:lstStyle/>
-        <a:p>
-          <a:r>
-            <a:rPr lang="es-ES_tradnl" dirty="0"/>
-            <a:t>Documentación de formación</a:t>
-          </a:r>
-          <a:endParaRPr lang="es-ES" dirty="0"/>
-        </a:p>
-      </dgm:t>
-    </dgm:pt>
-    <dgm:pt modelId="{602223CB-CFD7-40C2-91FA-E4E1E82D12F8}" type="parTrans" cxnId="{CA998EDF-D1EC-4F21-BC02-F8E5D809124E}">
-      <dgm:prSet/>
-      <dgm:spPr/>
-      <dgm:t>
-        <a:bodyPr/>
-        <a:lstStyle/>
-        <a:p>
-          <a:endParaRPr lang="es-ES"/>
-        </a:p>
-      </dgm:t>
-    </dgm:pt>
-    <dgm:pt modelId="{21CD02D9-E652-489A-8BF4-F425E3CF6D26}" type="sibTrans" cxnId="{CA998EDF-D1EC-4F21-BC02-F8E5D809124E}">
-      <dgm:prSet/>
-      <dgm:spPr/>
-      <dgm:t>
-        <a:bodyPr/>
-        <a:lstStyle/>
-        <a:p>
-          <a:endParaRPr lang="es-ES"/>
-        </a:p>
-      </dgm:t>
-    </dgm:pt>
-    <dgm:pt modelId="{64108CB1-DB75-4E6C-B114-0F078EBFAA65}">
-      <dgm:prSet/>
-      <dgm:spPr>
-        <a:ln>
-          <a:noFill/>
-        </a:ln>
-        <a:effectLst>
-          <a:outerShdw blurRad="149987" dist="250190" dir="8460000" algn="ctr">
-            <a:srgbClr val="000000">
-              <a:alpha val="28000"/>
-            </a:srgbClr>
-          </a:outerShdw>
-        </a:effectLst>
-        <a:scene3d>
-          <a:camera prst="orthographicFront">
-            <a:rot lat="0" lon="0" rev="0"/>
-          </a:camera>
-          <a:lightRig rig="contrasting" dir="t">
-            <a:rot lat="0" lon="0" rev="1500000"/>
-          </a:lightRig>
-        </a:scene3d>
-        <a:sp3d prstMaterial="metal">
-          <a:bevelT w="88900" h="88900"/>
-        </a:sp3d>
-      </dgm:spPr>
-      <dgm:t>
-        <a:bodyPr/>
-        <a:lstStyle/>
-        <a:p>
-          <a:r>
-            <a:rPr lang="es-ES_tradnl" dirty="0"/>
-            <a:t>Integración en muestra</a:t>
-          </a:r>
-          <a:endParaRPr lang="es-ES" dirty="0"/>
-        </a:p>
-      </dgm:t>
-    </dgm:pt>
-    <dgm:pt modelId="{4672E1E4-8BCB-4F8A-9715-DD03D099E9B8}" type="parTrans" cxnId="{8F9BFC49-62BA-4DBB-A4FA-FDF3587EA851}">
-      <dgm:prSet/>
-      <dgm:spPr/>
-      <dgm:t>
-        <a:bodyPr/>
-        <a:lstStyle/>
-        <a:p>
-          <a:endParaRPr lang="es-ES"/>
-        </a:p>
-      </dgm:t>
-    </dgm:pt>
-    <dgm:pt modelId="{926064D3-9C23-498F-82E9-95C446588308}" type="sibTrans" cxnId="{8F9BFC49-62BA-4DBB-A4FA-FDF3587EA851}">
-      <dgm:prSet/>
-      <dgm:spPr/>
-      <dgm:t>
-        <a:bodyPr/>
-        <a:lstStyle/>
-        <a:p>
-          <a:endParaRPr lang="es-ES"/>
-        </a:p>
-      </dgm:t>
-    </dgm:pt>
-    <dgm:pt modelId="{210E38F1-6443-4897-BC67-3DC469B10B3A}">
-      <dgm:prSet/>
-      <dgm:spPr>
-        <a:ln>
-          <a:noFill/>
-        </a:ln>
-        <a:effectLst>
-          <a:outerShdw blurRad="149987" dist="250190" dir="8460000" algn="ctr">
-            <a:srgbClr val="000000">
-              <a:alpha val="28000"/>
-            </a:srgbClr>
-          </a:outerShdw>
-        </a:effectLst>
-        <a:scene3d>
-          <a:camera prst="orthographicFront">
-            <a:rot lat="0" lon="0" rev="0"/>
-          </a:camera>
-          <a:lightRig rig="contrasting" dir="t">
-            <a:rot lat="0" lon="0" rev="1500000"/>
-          </a:lightRig>
-        </a:scene3d>
-        <a:sp3d prstMaterial="metal">
-          <a:bevelT w="88900" h="88900"/>
-        </a:sp3d>
-      </dgm:spPr>
-      <dgm:t>
-        <a:bodyPr/>
-        <a:lstStyle/>
-        <a:p>
-          <a:r>
-            <a:rPr lang="es-ES_tradnl" dirty="0"/>
-            <a:t>Obtención de resultados</a:t>
-          </a:r>
-          <a:endParaRPr lang="es-ES" dirty="0"/>
-        </a:p>
-      </dgm:t>
-    </dgm:pt>
-    <dgm:pt modelId="{658605B8-67B6-4965-9219-87AD07A2BD57}" type="parTrans" cxnId="{6193E151-7B4B-421D-8E3E-D3E6FEF0B0BC}">
-      <dgm:prSet/>
-      <dgm:spPr/>
-      <dgm:t>
-        <a:bodyPr/>
-        <a:lstStyle/>
-        <a:p>
-          <a:endParaRPr lang="es-ES"/>
-        </a:p>
-      </dgm:t>
-    </dgm:pt>
-    <dgm:pt modelId="{0132DBF9-A877-41CA-AAEC-9BACB1A6367E}" type="sibTrans" cxnId="{6193E151-7B4B-421D-8E3E-D3E6FEF0B0BC}">
-      <dgm:prSet/>
-      <dgm:spPr/>
-      <dgm:t>
-        <a:bodyPr/>
-        <a:lstStyle/>
-        <a:p>
-          <a:endParaRPr lang="es-ES"/>
-        </a:p>
-      </dgm:t>
-    </dgm:pt>
-    <dgm:pt modelId="{E195E9F6-7564-48BE-A20F-8E15DF27D81A}">
-      <dgm:prSet/>
-      <dgm:spPr>
-        <a:ln>
-          <a:noFill/>
-        </a:ln>
-        <a:effectLst>
-          <a:outerShdw blurRad="149987" dist="250190" dir="8460000" algn="ctr">
-            <a:srgbClr val="000000">
-              <a:alpha val="28000"/>
-            </a:srgbClr>
-          </a:outerShdw>
-        </a:effectLst>
-        <a:scene3d>
-          <a:camera prst="orthographicFront">
-            <a:rot lat="0" lon="0" rev="0"/>
-          </a:camera>
-          <a:lightRig rig="contrasting" dir="t">
-            <a:rot lat="0" lon="0" rev="1500000"/>
-          </a:lightRig>
-        </a:scene3d>
-        <a:sp3d prstMaterial="metal">
-          <a:bevelT w="88900" h="88900"/>
-        </a:sp3d>
-      </dgm:spPr>
-      <dgm:t>
-        <a:bodyPr/>
-        <a:lstStyle/>
-        <a:p>
-          <a:r>
-            <a:rPr lang="es-ES_tradnl" dirty="0"/>
-            <a:t>Validación de resultados</a:t>
-          </a:r>
-          <a:endParaRPr lang="es-ES" dirty="0"/>
-        </a:p>
-      </dgm:t>
-    </dgm:pt>
     <dgm:pt modelId="{D0F8BDB2-13EF-4738-B074-310F7068418D}" type="parTrans" cxnId="{B822AFDD-53D7-4668-990A-0FC76370D21F}">
       <dgm:prSet/>
       <dgm:spPr/>
@@ -2535,36 +2007,14 @@
     </dgm:pt>
     <dgm:pt modelId="{2B9145D1-EB7E-4900-B323-62729B920F30}">
       <dgm:prSet/>
-      <dgm:spPr>
-        <a:ln>
-          <a:noFill/>
-        </a:ln>
-        <a:effectLst>
-          <a:outerShdw blurRad="149987" dist="250190" dir="8460000" algn="ctr">
-            <a:srgbClr val="000000">
-              <a:alpha val="28000"/>
-            </a:srgbClr>
-          </a:outerShdw>
-        </a:effectLst>
-        <a:scene3d>
-          <a:camera prst="orthographicFront">
-            <a:rot lat="0" lon="0" rev="0"/>
-          </a:camera>
-          <a:lightRig rig="contrasting" dir="t">
-            <a:rot lat="0" lon="0" rev="1500000"/>
-          </a:lightRig>
-        </a:scene3d>
-        <a:sp3d prstMaterial="metal">
-          <a:bevelT w="88900" h="88900"/>
-        </a:sp3d>
-      </dgm:spPr>
+      <dgm:spPr/>
       <dgm:t>
         <a:bodyPr/>
         <a:lstStyle/>
         <a:p>
           <a:r>
-            <a:rPr lang="es-ES_tradnl" dirty="0"/>
-            <a:t>Documentación</a:t>
+            <a:rPr lang="es-ES_tradnl" dirty="0" smtClean="0"/>
+            <a:t>6.2. Documentación</a:t>
           </a:r>
           <a:endParaRPr lang="es-ES" dirty="0"/>
         </a:p>
@@ -2603,10 +2053,24 @@
         </dgm:presLayoutVars>
       </dgm:prSet>
       <dgm:spPr/>
+      <dgm:t>
+        <a:bodyPr/>
+        <a:lstStyle/>
+        <a:p>
+          <a:endParaRPr lang="es-ES"/>
+        </a:p>
+      </dgm:t>
     </dgm:pt>
     <dgm:pt modelId="{F042D168-04ED-406A-BCDD-96683E332C13}" type="pres">
       <dgm:prSet presAssocID="{664B246F-00B5-4610-86EB-ACE0B8B7FA38}" presName="hierFlow" presStyleCnt="0"/>
       <dgm:spPr/>
+      <dgm:t>
+        <a:bodyPr/>
+        <a:lstStyle/>
+        <a:p>
+          <a:endParaRPr lang="es-ES"/>
+        </a:p>
+      </dgm:t>
     </dgm:pt>
     <dgm:pt modelId="{7FFCBE30-6850-4976-A6ED-5C6F49188539}" type="pres">
       <dgm:prSet presAssocID="{664B246F-00B5-4610-86EB-ACE0B8B7FA38}" presName="hierChild1" presStyleCnt="0">
@@ -2617,10 +2081,24 @@
         </dgm:presLayoutVars>
       </dgm:prSet>
       <dgm:spPr/>
+      <dgm:t>
+        <a:bodyPr/>
+        <a:lstStyle/>
+        <a:p>
+          <a:endParaRPr lang="es-ES"/>
+        </a:p>
+      </dgm:t>
     </dgm:pt>
     <dgm:pt modelId="{E2405E1B-AD31-4EB2-A052-20046520C88A}" type="pres">
       <dgm:prSet presAssocID="{984E7E1A-DD08-4E2E-A546-5DAB66C40362}" presName="Name14" presStyleCnt="0"/>
       <dgm:spPr/>
+      <dgm:t>
+        <a:bodyPr/>
+        <a:lstStyle/>
+        <a:p>
+          <a:endParaRPr lang="es-ES"/>
+        </a:p>
+      </dgm:t>
     </dgm:pt>
     <dgm:pt modelId="{AA34BBA1-AEFC-405E-88F0-054659A90B63}" type="pres">
       <dgm:prSet presAssocID="{984E7E1A-DD08-4E2E-A546-5DAB66C40362}" presName="level1Shape" presStyleLbl="node0" presStyleIdx="0" presStyleCnt="1">
@@ -2629,514 +2107,1263 @@
         </dgm:presLayoutVars>
       </dgm:prSet>
       <dgm:spPr/>
+      <dgm:t>
+        <a:bodyPr/>
+        <a:lstStyle/>
+        <a:p>
+          <a:endParaRPr lang="es-ES"/>
+        </a:p>
+      </dgm:t>
     </dgm:pt>
     <dgm:pt modelId="{1310C93A-257F-43F9-9C19-53032BA77C1A}" type="pres">
       <dgm:prSet presAssocID="{984E7E1A-DD08-4E2E-A546-5DAB66C40362}" presName="hierChild2" presStyleCnt="0"/>
       <dgm:spPr/>
+      <dgm:t>
+        <a:bodyPr/>
+        <a:lstStyle/>
+        <a:p>
+          <a:endParaRPr lang="es-ES"/>
+        </a:p>
+      </dgm:t>
     </dgm:pt>
     <dgm:pt modelId="{ECE94489-582E-4D24-A60B-70DA935857A8}" type="pres">
       <dgm:prSet presAssocID="{EBD4D5EB-965D-43EB-B803-B2DBA1A47692}" presName="Name19" presStyleLbl="parChTrans1D2" presStyleIdx="0" presStyleCnt="6"/>
       <dgm:spPr/>
+      <dgm:t>
+        <a:bodyPr/>
+        <a:lstStyle/>
+        <a:p>
+          <a:endParaRPr lang="es-ES"/>
+        </a:p>
+      </dgm:t>
     </dgm:pt>
     <dgm:pt modelId="{5F312DF0-B144-46EF-80A8-6149129CD48F}" type="pres">
       <dgm:prSet presAssocID="{8D053341-47DE-4A56-8DB5-F4344314674C}" presName="Name21" presStyleCnt="0"/>
       <dgm:spPr/>
+      <dgm:t>
+        <a:bodyPr/>
+        <a:lstStyle/>
+        <a:p>
+          <a:endParaRPr lang="es-ES"/>
+        </a:p>
+      </dgm:t>
     </dgm:pt>
     <dgm:pt modelId="{B6589975-B071-491E-8570-70970CA1F480}" type="pres">
       <dgm:prSet presAssocID="{8D053341-47DE-4A56-8DB5-F4344314674C}" presName="level2Shape" presStyleLbl="node2" presStyleIdx="0" presStyleCnt="6"/>
       <dgm:spPr/>
+      <dgm:t>
+        <a:bodyPr/>
+        <a:lstStyle/>
+        <a:p>
+          <a:endParaRPr lang="es-ES"/>
+        </a:p>
+      </dgm:t>
     </dgm:pt>
     <dgm:pt modelId="{6ED74DED-473C-4A59-A8E8-4B4D6ADF5E5C}" type="pres">
       <dgm:prSet presAssocID="{8D053341-47DE-4A56-8DB5-F4344314674C}" presName="hierChild3" presStyleCnt="0"/>
       <dgm:spPr/>
+      <dgm:t>
+        <a:bodyPr/>
+        <a:lstStyle/>
+        <a:p>
+          <a:endParaRPr lang="es-ES"/>
+        </a:p>
+      </dgm:t>
     </dgm:pt>
     <dgm:pt modelId="{CD65A56E-BEB9-4A66-90D9-A9B1CD0B97DF}" type="pres">
       <dgm:prSet presAssocID="{DFFEDB4F-CB16-440A-AC1A-1DC7D4CDB94A}" presName="Name19" presStyleLbl="parChTrans1D3" presStyleIdx="0" presStyleCnt="6"/>
       <dgm:spPr/>
+      <dgm:t>
+        <a:bodyPr/>
+        <a:lstStyle/>
+        <a:p>
+          <a:endParaRPr lang="es-ES"/>
+        </a:p>
+      </dgm:t>
     </dgm:pt>
     <dgm:pt modelId="{3EE2DEFF-E970-4131-B36A-2F6424042DF4}" type="pres">
       <dgm:prSet presAssocID="{EFFA102A-5D82-49D3-A6E7-45C00C42107B}" presName="Name21" presStyleCnt="0"/>
       <dgm:spPr/>
+      <dgm:t>
+        <a:bodyPr/>
+        <a:lstStyle/>
+        <a:p>
+          <a:endParaRPr lang="es-ES"/>
+        </a:p>
+      </dgm:t>
     </dgm:pt>
     <dgm:pt modelId="{BCE69E19-3950-4634-98DB-22EACA842756}" type="pres">
       <dgm:prSet presAssocID="{EFFA102A-5D82-49D3-A6E7-45C00C42107B}" presName="level2Shape" presStyleLbl="node3" presStyleIdx="0" presStyleCnt="6"/>
       <dgm:spPr/>
+      <dgm:t>
+        <a:bodyPr/>
+        <a:lstStyle/>
+        <a:p>
+          <a:endParaRPr lang="es-ES"/>
+        </a:p>
+      </dgm:t>
     </dgm:pt>
     <dgm:pt modelId="{CC92A5DE-A111-4E5F-9584-E116B07E6C9A}" type="pres">
       <dgm:prSet presAssocID="{EFFA102A-5D82-49D3-A6E7-45C00C42107B}" presName="hierChild3" presStyleCnt="0"/>
       <dgm:spPr/>
+      <dgm:t>
+        <a:bodyPr/>
+        <a:lstStyle/>
+        <a:p>
+          <a:endParaRPr lang="es-ES"/>
+        </a:p>
+      </dgm:t>
     </dgm:pt>
     <dgm:pt modelId="{A181B12C-7C20-4BE9-8886-24DDE0080781}" type="pres">
       <dgm:prSet presAssocID="{6E64CD67-6FB7-4233-986F-C1A61F90D25C}" presName="Name19" presStyleLbl="parChTrans1D4" presStyleIdx="0" presStyleCnt="14"/>
       <dgm:spPr/>
+      <dgm:t>
+        <a:bodyPr/>
+        <a:lstStyle/>
+        <a:p>
+          <a:endParaRPr lang="es-ES"/>
+        </a:p>
+      </dgm:t>
     </dgm:pt>
     <dgm:pt modelId="{0105F6F2-5817-4FF1-AB62-D7013DF19AC5}" type="pres">
       <dgm:prSet presAssocID="{818A50AE-2897-4A8A-A2D4-C798E3839759}" presName="Name21" presStyleCnt="0"/>
       <dgm:spPr/>
+      <dgm:t>
+        <a:bodyPr/>
+        <a:lstStyle/>
+        <a:p>
+          <a:endParaRPr lang="es-ES"/>
+        </a:p>
+      </dgm:t>
     </dgm:pt>
     <dgm:pt modelId="{6A78302F-C42E-4BD7-B84C-CB25A3C0F412}" type="pres">
       <dgm:prSet presAssocID="{818A50AE-2897-4A8A-A2D4-C798E3839759}" presName="level2Shape" presStyleLbl="node4" presStyleIdx="0" presStyleCnt="14"/>
       <dgm:spPr/>
+      <dgm:t>
+        <a:bodyPr/>
+        <a:lstStyle/>
+        <a:p>
+          <a:endParaRPr lang="es-ES"/>
+        </a:p>
+      </dgm:t>
     </dgm:pt>
     <dgm:pt modelId="{DB340480-A83C-4660-BD91-76653F6A6971}" type="pres">
       <dgm:prSet presAssocID="{818A50AE-2897-4A8A-A2D4-C798E3839759}" presName="hierChild3" presStyleCnt="0"/>
       <dgm:spPr/>
+      <dgm:t>
+        <a:bodyPr/>
+        <a:lstStyle/>
+        <a:p>
+          <a:endParaRPr lang="es-ES"/>
+        </a:p>
+      </dgm:t>
     </dgm:pt>
     <dgm:pt modelId="{9B8E5F4D-3D7A-47D4-BEB1-7A4D761EC373}" type="pres">
       <dgm:prSet presAssocID="{78A11304-B47B-426C-80D9-23F105284D80}" presName="Name19" presStyleLbl="parChTrans1D4" presStyleIdx="1" presStyleCnt="14"/>
       <dgm:spPr/>
+      <dgm:t>
+        <a:bodyPr/>
+        <a:lstStyle/>
+        <a:p>
+          <a:endParaRPr lang="es-ES"/>
+        </a:p>
+      </dgm:t>
     </dgm:pt>
     <dgm:pt modelId="{7A1FB452-FB2C-4721-A9BA-FE2A490FD508}" type="pres">
       <dgm:prSet presAssocID="{95F92B39-5BD1-41DA-921B-40270E333897}" presName="Name21" presStyleCnt="0"/>
       <dgm:spPr/>
+      <dgm:t>
+        <a:bodyPr/>
+        <a:lstStyle/>
+        <a:p>
+          <a:endParaRPr lang="es-ES"/>
+        </a:p>
+      </dgm:t>
     </dgm:pt>
     <dgm:pt modelId="{EA693939-0FD8-4332-A064-9C5C4989F6C3}" type="pres">
       <dgm:prSet presAssocID="{95F92B39-5BD1-41DA-921B-40270E333897}" presName="level2Shape" presStyleLbl="node4" presStyleIdx="1" presStyleCnt="14"/>
       <dgm:spPr/>
+      <dgm:t>
+        <a:bodyPr/>
+        <a:lstStyle/>
+        <a:p>
+          <a:endParaRPr lang="es-ES"/>
+        </a:p>
+      </dgm:t>
     </dgm:pt>
     <dgm:pt modelId="{CDB800C3-DCBF-42B3-8E7A-8A9E5EC43744}" type="pres">
       <dgm:prSet presAssocID="{95F92B39-5BD1-41DA-921B-40270E333897}" presName="hierChild3" presStyleCnt="0"/>
       <dgm:spPr/>
+      <dgm:t>
+        <a:bodyPr/>
+        <a:lstStyle/>
+        <a:p>
+          <a:endParaRPr lang="es-ES"/>
+        </a:p>
+      </dgm:t>
     </dgm:pt>
     <dgm:pt modelId="{439A7915-4019-4A23-8AAB-5EA84524E00E}" type="pres">
       <dgm:prSet presAssocID="{51635E7D-94AB-42DB-A23F-6B9E2711ADB8}" presName="Name19" presStyleLbl="parChTrans1D4" presStyleIdx="2" presStyleCnt="14"/>
       <dgm:spPr/>
+      <dgm:t>
+        <a:bodyPr/>
+        <a:lstStyle/>
+        <a:p>
+          <a:endParaRPr lang="es-ES"/>
+        </a:p>
+      </dgm:t>
     </dgm:pt>
     <dgm:pt modelId="{D0B0546A-D532-4ACD-9D86-90216A7665A1}" type="pres">
       <dgm:prSet presAssocID="{595FCBCB-6F4C-41E0-9D57-CC8BC973C07C}" presName="Name21" presStyleCnt="0"/>
       <dgm:spPr/>
+      <dgm:t>
+        <a:bodyPr/>
+        <a:lstStyle/>
+        <a:p>
+          <a:endParaRPr lang="es-ES"/>
+        </a:p>
+      </dgm:t>
     </dgm:pt>
     <dgm:pt modelId="{2D6C4C6A-CE06-40A6-A211-64F15A14B0FC}" type="pres">
       <dgm:prSet presAssocID="{595FCBCB-6F4C-41E0-9D57-CC8BC973C07C}" presName="level2Shape" presStyleLbl="node4" presStyleIdx="2" presStyleCnt="14"/>
       <dgm:spPr/>
+      <dgm:t>
+        <a:bodyPr/>
+        <a:lstStyle/>
+        <a:p>
+          <a:endParaRPr lang="es-ES"/>
+        </a:p>
+      </dgm:t>
     </dgm:pt>
     <dgm:pt modelId="{760313C0-717F-4AE7-A5F2-574534105C44}" type="pres">
       <dgm:prSet presAssocID="{595FCBCB-6F4C-41E0-9D57-CC8BC973C07C}" presName="hierChild3" presStyleCnt="0"/>
       <dgm:spPr/>
+      <dgm:t>
+        <a:bodyPr/>
+        <a:lstStyle/>
+        <a:p>
+          <a:endParaRPr lang="es-ES"/>
+        </a:p>
+      </dgm:t>
     </dgm:pt>
     <dgm:pt modelId="{CF7FDC77-853E-4DFC-9828-0DC60053379E}" type="pres">
       <dgm:prSet presAssocID="{55BF91F1-8371-43F3-B796-D886F4AEA607}" presName="Name19" presStyleLbl="parChTrans1D4" presStyleIdx="3" presStyleCnt="14"/>
       <dgm:spPr/>
+      <dgm:t>
+        <a:bodyPr/>
+        <a:lstStyle/>
+        <a:p>
+          <a:endParaRPr lang="es-ES"/>
+        </a:p>
+      </dgm:t>
     </dgm:pt>
     <dgm:pt modelId="{5BD994D5-C433-4FE2-AB61-4264BFEF7809}" type="pres">
       <dgm:prSet presAssocID="{7B8C88F9-23A6-428A-9D84-EE8685A0B867}" presName="Name21" presStyleCnt="0"/>
       <dgm:spPr/>
+      <dgm:t>
+        <a:bodyPr/>
+        <a:lstStyle/>
+        <a:p>
+          <a:endParaRPr lang="es-ES"/>
+        </a:p>
+      </dgm:t>
     </dgm:pt>
     <dgm:pt modelId="{7B17D095-05F0-4567-ACF5-DAE1C7F71050}" type="pres">
       <dgm:prSet presAssocID="{7B8C88F9-23A6-428A-9D84-EE8685A0B867}" presName="level2Shape" presStyleLbl="node4" presStyleIdx="3" presStyleCnt="14"/>
       <dgm:spPr/>
+      <dgm:t>
+        <a:bodyPr/>
+        <a:lstStyle/>
+        <a:p>
+          <a:endParaRPr lang="es-ES"/>
+        </a:p>
+      </dgm:t>
     </dgm:pt>
     <dgm:pt modelId="{90EFF611-D625-4166-8403-F0F91E00F887}" type="pres">
       <dgm:prSet presAssocID="{7B8C88F9-23A6-428A-9D84-EE8685A0B867}" presName="hierChild3" presStyleCnt="0"/>
       <dgm:spPr/>
+      <dgm:t>
+        <a:bodyPr/>
+        <a:lstStyle/>
+        <a:p>
+          <a:endParaRPr lang="es-ES"/>
+        </a:p>
+      </dgm:t>
     </dgm:pt>
     <dgm:pt modelId="{61106BEE-8394-41F9-A438-4FF037DCC549}" type="pres">
       <dgm:prSet presAssocID="{4CC81563-AFF2-44A9-B9B0-EF1C87661122}" presName="Name19" presStyleLbl="parChTrans1D2" presStyleIdx="1" presStyleCnt="6"/>
       <dgm:spPr/>
+      <dgm:t>
+        <a:bodyPr/>
+        <a:lstStyle/>
+        <a:p>
+          <a:endParaRPr lang="es-ES"/>
+        </a:p>
+      </dgm:t>
     </dgm:pt>
     <dgm:pt modelId="{A905BD00-D3F3-4827-A249-E4CC3BEC9E1E}" type="pres">
       <dgm:prSet presAssocID="{8FAE6191-0821-4960-BC96-F58E46C703A9}" presName="Name21" presStyleCnt="0"/>
       <dgm:spPr/>
+      <dgm:t>
+        <a:bodyPr/>
+        <a:lstStyle/>
+        <a:p>
+          <a:endParaRPr lang="es-ES"/>
+        </a:p>
+      </dgm:t>
     </dgm:pt>
     <dgm:pt modelId="{98829285-C359-4558-A8AB-ED49C5195838}" type="pres">
       <dgm:prSet presAssocID="{8FAE6191-0821-4960-BC96-F58E46C703A9}" presName="level2Shape" presStyleLbl="node2" presStyleIdx="1" presStyleCnt="6"/>
       <dgm:spPr/>
+      <dgm:t>
+        <a:bodyPr/>
+        <a:lstStyle/>
+        <a:p>
+          <a:endParaRPr lang="es-ES"/>
+        </a:p>
+      </dgm:t>
     </dgm:pt>
     <dgm:pt modelId="{C79E3FC8-6FFA-4104-9274-2CE789AF8770}" type="pres">
       <dgm:prSet presAssocID="{8FAE6191-0821-4960-BC96-F58E46C703A9}" presName="hierChild3" presStyleCnt="0"/>
       <dgm:spPr/>
+      <dgm:t>
+        <a:bodyPr/>
+        <a:lstStyle/>
+        <a:p>
+          <a:endParaRPr lang="es-ES"/>
+        </a:p>
+      </dgm:t>
     </dgm:pt>
     <dgm:pt modelId="{9B20D733-63A4-4B62-A174-9E852702C56C}" type="pres">
       <dgm:prSet presAssocID="{845F5D8C-040E-4743-ACA2-252EB4E11E64}" presName="Name19" presStyleLbl="parChTrans1D3" presStyleIdx="1" presStyleCnt="6"/>
       <dgm:spPr/>
+      <dgm:t>
+        <a:bodyPr/>
+        <a:lstStyle/>
+        <a:p>
+          <a:endParaRPr lang="es-ES"/>
+        </a:p>
+      </dgm:t>
     </dgm:pt>
     <dgm:pt modelId="{0A780892-20FA-4CAE-B5A0-9EB90BE4DDCC}" type="pres">
       <dgm:prSet presAssocID="{22D68CCB-4BEE-4732-BA18-145918E71689}" presName="Name21" presStyleCnt="0"/>
       <dgm:spPr/>
+      <dgm:t>
+        <a:bodyPr/>
+        <a:lstStyle/>
+        <a:p>
+          <a:endParaRPr lang="es-ES"/>
+        </a:p>
+      </dgm:t>
     </dgm:pt>
     <dgm:pt modelId="{66711AFB-4282-4BD5-A024-70EEE22E8ED8}" type="pres">
       <dgm:prSet presAssocID="{22D68CCB-4BEE-4732-BA18-145918E71689}" presName="level2Shape" presStyleLbl="node3" presStyleIdx="1" presStyleCnt="6"/>
       <dgm:spPr/>
+      <dgm:t>
+        <a:bodyPr/>
+        <a:lstStyle/>
+        <a:p>
+          <a:endParaRPr lang="es-ES"/>
+        </a:p>
+      </dgm:t>
     </dgm:pt>
     <dgm:pt modelId="{2C2F2558-EE81-4BDE-8A7A-443008F126E3}" type="pres">
       <dgm:prSet presAssocID="{22D68CCB-4BEE-4732-BA18-145918E71689}" presName="hierChild3" presStyleCnt="0"/>
       <dgm:spPr/>
+      <dgm:t>
+        <a:bodyPr/>
+        <a:lstStyle/>
+        <a:p>
+          <a:endParaRPr lang="es-ES"/>
+        </a:p>
+      </dgm:t>
     </dgm:pt>
     <dgm:pt modelId="{FBEC95B0-C69A-4159-A230-69B97543DC08}" type="pres">
       <dgm:prSet presAssocID="{6331599E-52B8-4A6C-B3A0-6191E729069E}" presName="Name19" presStyleLbl="parChTrans1D4" presStyleIdx="4" presStyleCnt="14"/>
       <dgm:spPr/>
+      <dgm:t>
+        <a:bodyPr/>
+        <a:lstStyle/>
+        <a:p>
+          <a:endParaRPr lang="es-ES"/>
+        </a:p>
+      </dgm:t>
     </dgm:pt>
     <dgm:pt modelId="{583EE7A7-AB15-4E84-9056-1298A137DA59}" type="pres">
       <dgm:prSet presAssocID="{638D4A18-E8B7-45E5-8EAA-4C0D29849159}" presName="Name21" presStyleCnt="0"/>
       <dgm:spPr/>
+      <dgm:t>
+        <a:bodyPr/>
+        <a:lstStyle/>
+        <a:p>
+          <a:endParaRPr lang="es-ES"/>
+        </a:p>
+      </dgm:t>
     </dgm:pt>
     <dgm:pt modelId="{F1CD7CC0-9E0D-4303-82AE-D7A2B5AF17DB}" type="pres">
       <dgm:prSet presAssocID="{638D4A18-E8B7-45E5-8EAA-4C0D29849159}" presName="level2Shape" presStyleLbl="node4" presStyleIdx="4" presStyleCnt="14"/>
       <dgm:spPr/>
+      <dgm:t>
+        <a:bodyPr/>
+        <a:lstStyle/>
+        <a:p>
+          <a:endParaRPr lang="es-ES"/>
+        </a:p>
+      </dgm:t>
     </dgm:pt>
     <dgm:pt modelId="{9D18E0B5-D1B0-4C2C-9208-AE34251A3D41}" type="pres">
       <dgm:prSet presAssocID="{638D4A18-E8B7-45E5-8EAA-4C0D29849159}" presName="hierChild3" presStyleCnt="0"/>
       <dgm:spPr/>
+      <dgm:t>
+        <a:bodyPr/>
+        <a:lstStyle/>
+        <a:p>
+          <a:endParaRPr lang="es-ES"/>
+        </a:p>
+      </dgm:t>
     </dgm:pt>
     <dgm:pt modelId="{E16ADE93-99AF-45AE-A7EE-51F95CB0B46A}" type="pres">
       <dgm:prSet presAssocID="{D4015DCB-90CE-418D-BA17-E20EB5979634}" presName="Name19" presStyleLbl="parChTrans1D4" presStyleIdx="5" presStyleCnt="14"/>
       <dgm:spPr/>
+      <dgm:t>
+        <a:bodyPr/>
+        <a:lstStyle/>
+        <a:p>
+          <a:endParaRPr lang="es-ES"/>
+        </a:p>
+      </dgm:t>
     </dgm:pt>
     <dgm:pt modelId="{F9DCA430-5528-44F3-AD22-5D1130D7C8CE}" type="pres">
       <dgm:prSet presAssocID="{D692D1F3-8B04-4096-AA22-E14E93E2AD30}" presName="Name21" presStyleCnt="0"/>
       <dgm:spPr/>
+      <dgm:t>
+        <a:bodyPr/>
+        <a:lstStyle/>
+        <a:p>
+          <a:endParaRPr lang="es-ES"/>
+        </a:p>
+      </dgm:t>
     </dgm:pt>
     <dgm:pt modelId="{DBC340A0-3818-4944-BAC4-6FC41200E407}" type="pres">
       <dgm:prSet presAssocID="{D692D1F3-8B04-4096-AA22-E14E93E2AD30}" presName="level2Shape" presStyleLbl="node4" presStyleIdx="5" presStyleCnt="14"/>
       <dgm:spPr/>
+      <dgm:t>
+        <a:bodyPr/>
+        <a:lstStyle/>
+        <a:p>
+          <a:endParaRPr lang="es-ES"/>
+        </a:p>
+      </dgm:t>
     </dgm:pt>
     <dgm:pt modelId="{869B50F0-9FD0-4765-844E-562E1EB55596}" type="pres">
       <dgm:prSet presAssocID="{D692D1F3-8B04-4096-AA22-E14E93E2AD30}" presName="hierChild3" presStyleCnt="0"/>
       <dgm:spPr/>
+      <dgm:t>
+        <a:bodyPr/>
+        <a:lstStyle/>
+        <a:p>
+          <a:endParaRPr lang="es-ES"/>
+        </a:p>
+      </dgm:t>
     </dgm:pt>
     <dgm:pt modelId="{3E27615C-4EFE-4C20-92E5-F66765CC04DB}" type="pres">
       <dgm:prSet presAssocID="{0B8E2C65-A4D7-4B41-A006-CAAA09EDACC5}" presName="Name19" presStyleLbl="parChTrans1D4" presStyleIdx="6" presStyleCnt="14"/>
       <dgm:spPr/>
+      <dgm:t>
+        <a:bodyPr/>
+        <a:lstStyle/>
+        <a:p>
+          <a:endParaRPr lang="es-ES"/>
+        </a:p>
+      </dgm:t>
     </dgm:pt>
     <dgm:pt modelId="{947C2A81-96B4-4538-A048-A7C54725EA18}" type="pres">
       <dgm:prSet presAssocID="{1CCEED45-57D7-4641-81C9-5908579CE245}" presName="Name21" presStyleCnt="0"/>
       <dgm:spPr/>
+      <dgm:t>
+        <a:bodyPr/>
+        <a:lstStyle/>
+        <a:p>
+          <a:endParaRPr lang="es-ES"/>
+        </a:p>
+      </dgm:t>
     </dgm:pt>
     <dgm:pt modelId="{51E35AD2-0735-436F-A82F-19F611F0258D}" type="pres">
       <dgm:prSet presAssocID="{1CCEED45-57D7-4641-81C9-5908579CE245}" presName="level2Shape" presStyleLbl="node4" presStyleIdx="6" presStyleCnt="14"/>
       <dgm:spPr/>
+      <dgm:t>
+        <a:bodyPr/>
+        <a:lstStyle/>
+        <a:p>
+          <a:endParaRPr lang="es-ES"/>
+        </a:p>
+      </dgm:t>
     </dgm:pt>
     <dgm:pt modelId="{F7C8D71A-AB03-4A25-9FDF-E79865D25CE8}" type="pres">
       <dgm:prSet presAssocID="{1CCEED45-57D7-4641-81C9-5908579CE245}" presName="hierChild3" presStyleCnt="0"/>
       <dgm:spPr/>
+      <dgm:t>
+        <a:bodyPr/>
+        <a:lstStyle/>
+        <a:p>
+          <a:endParaRPr lang="es-ES"/>
+        </a:p>
+      </dgm:t>
     </dgm:pt>
     <dgm:pt modelId="{02AF57A5-5631-4829-8B1F-9F87C7E5BF9A}" type="pres">
       <dgm:prSet presAssocID="{8EBD0BB1-A983-499A-AFE0-A135C6D6EAF4}" presName="Name19" presStyleLbl="parChTrans1D2" presStyleIdx="2" presStyleCnt="6"/>
       <dgm:spPr/>
+      <dgm:t>
+        <a:bodyPr/>
+        <a:lstStyle/>
+        <a:p>
+          <a:endParaRPr lang="es-ES"/>
+        </a:p>
+      </dgm:t>
     </dgm:pt>
     <dgm:pt modelId="{9E80533F-1EE1-40B2-9B7E-67577DC38AE8}" type="pres">
       <dgm:prSet presAssocID="{46EFE5C5-7E26-4632-AB0D-CFDE009726AC}" presName="Name21" presStyleCnt="0"/>
       <dgm:spPr/>
+      <dgm:t>
+        <a:bodyPr/>
+        <a:lstStyle/>
+        <a:p>
+          <a:endParaRPr lang="es-ES"/>
+        </a:p>
+      </dgm:t>
     </dgm:pt>
     <dgm:pt modelId="{5B4C9849-DEB8-40B2-959E-E2FFC9C320FA}" type="pres">
       <dgm:prSet presAssocID="{46EFE5C5-7E26-4632-AB0D-CFDE009726AC}" presName="level2Shape" presStyleLbl="node2" presStyleIdx="2" presStyleCnt="6"/>
       <dgm:spPr/>
+      <dgm:t>
+        <a:bodyPr/>
+        <a:lstStyle/>
+        <a:p>
+          <a:endParaRPr lang="es-ES"/>
+        </a:p>
+      </dgm:t>
     </dgm:pt>
     <dgm:pt modelId="{5D0B2B23-C64F-440F-84A3-01FF45CFA593}" type="pres">
       <dgm:prSet presAssocID="{46EFE5C5-7E26-4632-AB0D-CFDE009726AC}" presName="hierChild3" presStyleCnt="0"/>
       <dgm:spPr/>
+      <dgm:t>
+        <a:bodyPr/>
+        <a:lstStyle/>
+        <a:p>
+          <a:endParaRPr lang="es-ES"/>
+        </a:p>
+      </dgm:t>
     </dgm:pt>
     <dgm:pt modelId="{F75CBFB9-BF0A-44D1-A33C-B79AA986F053}" type="pres">
       <dgm:prSet presAssocID="{39E7187F-BF44-4434-ABA8-1C914D1E277A}" presName="Name19" presStyleLbl="parChTrans1D3" presStyleIdx="2" presStyleCnt="6"/>
       <dgm:spPr/>
+      <dgm:t>
+        <a:bodyPr/>
+        <a:lstStyle/>
+        <a:p>
+          <a:endParaRPr lang="es-ES"/>
+        </a:p>
+      </dgm:t>
     </dgm:pt>
     <dgm:pt modelId="{67DE66BD-20EA-42E4-BA13-B22F5E9296A9}" type="pres">
       <dgm:prSet presAssocID="{C6E69E37-3961-44EE-94E9-D23872BEE4C9}" presName="Name21" presStyleCnt="0"/>
       <dgm:spPr/>
+      <dgm:t>
+        <a:bodyPr/>
+        <a:lstStyle/>
+        <a:p>
+          <a:endParaRPr lang="es-ES"/>
+        </a:p>
+      </dgm:t>
     </dgm:pt>
     <dgm:pt modelId="{A53AEAF4-DE63-41BC-865B-CDA9095339F1}" type="pres">
       <dgm:prSet presAssocID="{C6E69E37-3961-44EE-94E9-D23872BEE4C9}" presName="level2Shape" presStyleLbl="node3" presStyleIdx="2" presStyleCnt="6"/>
       <dgm:spPr/>
+      <dgm:t>
+        <a:bodyPr/>
+        <a:lstStyle/>
+        <a:p>
+          <a:endParaRPr lang="es-ES"/>
+        </a:p>
+      </dgm:t>
     </dgm:pt>
     <dgm:pt modelId="{F44AAF35-394F-47E3-8E27-174E41BB2B6D}" type="pres">
       <dgm:prSet presAssocID="{C6E69E37-3961-44EE-94E9-D23872BEE4C9}" presName="hierChild3" presStyleCnt="0"/>
       <dgm:spPr/>
+      <dgm:t>
+        <a:bodyPr/>
+        <a:lstStyle/>
+        <a:p>
+          <a:endParaRPr lang="es-ES"/>
+        </a:p>
+      </dgm:t>
     </dgm:pt>
     <dgm:pt modelId="{CA90F6F9-60A6-482D-9CEF-AA80F0D193AE}" type="pres">
       <dgm:prSet presAssocID="{CA5091F9-074B-4255-B185-C09D0BE2BF7B}" presName="Name19" presStyleLbl="parChTrans1D4" presStyleIdx="7" presStyleCnt="14"/>
       <dgm:spPr/>
+      <dgm:t>
+        <a:bodyPr/>
+        <a:lstStyle/>
+        <a:p>
+          <a:endParaRPr lang="es-ES"/>
+        </a:p>
+      </dgm:t>
     </dgm:pt>
     <dgm:pt modelId="{5E62636B-7A4A-4996-905D-FE6B0DAA9875}" type="pres">
       <dgm:prSet presAssocID="{DEA8DC5E-722E-4FFF-BA91-EA999F6AAE91}" presName="Name21" presStyleCnt="0"/>
       <dgm:spPr/>
+      <dgm:t>
+        <a:bodyPr/>
+        <a:lstStyle/>
+        <a:p>
+          <a:endParaRPr lang="es-ES"/>
+        </a:p>
+      </dgm:t>
     </dgm:pt>
     <dgm:pt modelId="{FAE55E79-8B96-4C0A-BE86-86E1DECB95C8}" type="pres">
       <dgm:prSet presAssocID="{DEA8DC5E-722E-4FFF-BA91-EA999F6AAE91}" presName="level2Shape" presStyleLbl="node4" presStyleIdx="7" presStyleCnt="14"/>
       <dgm:spPr/>
+      <dgm:t>
+        <a:bodyPr/>
+        <a:lstStyle/>
+        <a:p>
+          <a:endParaRPr lang="es-ES"/>
+        </a:p>
+      </dgm:t>
     </dgm:pt>
     <dgm:pt modelId="{AD793D23-3C02-4A8E-A566-B2B63E9511E3}" type="pres">
       <dgm:prSet presAssocID="{DEA8DC5E-722E-4FFF-BA91-EA999F6AAE91}" presName="hierChild3" presStyleCnt="0"/>
       <dgm:spPr/>
+      <dgm:t>
+        <a:bodyPr/>
+        <a:lstStyle/>
+        <a:p>
+          <a:endParaRPr lang="es-ES"/>
+        </a:p>
+      </dgm:t>
     </dgm:pt>
     <dgm:pt modelId="{2DFB326B-B609-43F8-A763-08BEA677E07F}" type="pres">
       <dgm:prSet presAssocID="{84BE1630-6BEF-48BE-BEB4-441EA60AE7C5}" presName="Name19" presStyleLbl="parChTrans1D2" presStyleIdx="3" presStyleCnt="6"/>
       <dgm:spPr/>
+      <dgm:t>
+        <a:bodyPr/>
+        <a:lstStyle/>
+        <a:p>
+          <a:endParaRPr lang="es-ES"/>
+        </a:p>
+      </dgm:t>
     </dgm:pt>
     <dgm:pt modelId="{0E91A336-26C0-4988-8AFD-FD0ADA59622E}" type="pres">
       <dgm:prSet presAssocID="{FB132DEB-3EBB-4B7B-9E10-1EA28E437B0C}" presName="Name21" presStyleCnt="0"/>
       <dgm:spPr/>
+      <dgm:t>
+        <a:bodyPr/>
+        <a:lstStyle/>
+        <a:p>
+          <a:endParaRPr lang="es-ES"/>
+        </a:p>
+      </dgm:t>
     </dgm:pt>
     <dgm:pt modelId="{ED51B719-283F-4EED-B2CC-182439F80BA8}" type="pres">
       <dgm:prSet presAssocID="{FB132DEB-3EBB-4B7B-9E10-1EA28E437B0C}" presName="level2Shape" presStyleLbl="node2" presStyleIdx="3" presStyleCnt="6"/>
       <dgm:spPr/>
+      <dgm:t>
+        <a:bodyPr/>
+        <a:lstStyle/>
+        <a:p>
+          <a:endParaRPr lang="es-ES"/>
+        </a:p>
+      </dgm:t>
     </dgm:pt>
     <dgm:pt modelId="{E18409C6-6472-4325-82AD-0CFC42357F07}" type="pres">
       <dgm:prSet presAssocID="{FB132DEB-3EBB-4B7B-9E10-1EA28E437B0C}" presName="hierChild3" presStyleCnt="0"/>
       <dgm:spPr/>
+      <dgm:t>
+        <a:bodyPr/>
+        <a:lstStyle/>
+        <a:p>
+          <a:endParaRPr lang="es-ES"/>
+        </a:p>
+      </dgm:t>
     </dgm:pt>
     <dgm:pt modelId="{291C996E-0EB8-4C7C-A09D-BCD184B0D448}" type="pres">
       <dgm:prSet presAssocID="{ACDCB4B0-FE3A-4189-B855-4AF36F6C0D74}" presName="Name19" presStyleLbl="parChTrans1D3" presStyleIdx="3" presStyleCnt="6"/>
       <dgm:spPr/>
+      <dgm:t>
+        <a:bodyPr/>
+        <a:lstStyle/>
+        <a:p>
+          <a:endParaRPr lang="es-ES"/>
+        </a:p>
+      </dgm:t>
     </dgm:pt>
     <dgm:pt modelId="{C21A9BE0-E976-4A83-95BD-260F6B2B8B28}" type="pres">
       <dgm:prSet presAssocID="{142E7667-7801-477A-80B1-678DFCEE8B9B}" presName="Name21" presStyleCnt="0"/>
       <dgm:spPr/>
+      <dgm:t>
+        <a:bodyPr/>
+        <a:lstStyle/>
+        <a:p>
+          <a:endParaRPr lang="es-ES"/>
+        </a:p>
+      </dgm:t>
     </dgm:pt>
     <dgm:pt modelId="{FC12F369-519B-4055-B6C8-695637AC848E}" type="pres">
       <dgm:prSet presAssocID="{142E7667-7801-477A-80B1-678DFCEE8B9B}" presName="level2Shape" presStyleLbl="node3" presStyleIdx="3" presStyleCnt="6"/>
       <dgm:spPr/>
+      <dgm:t>
+        <a:bodyPr/>
+        <a:lstStyle/>
+        <a:p>
+          <a:endParaRPr lang="es-ES"/>
+        </a:p>
+      </dgm:t>
     </dgm:pt>
     <dgm:pt modelId="{B0462487-E286-448F-90A0-64B688911226}" type="pres">
       <dgm:prSet presAssocID="{142E7667-7801-477A-80B1-678DFCEE8B9B}" presName="hierChild3" presStyleCnt="0"/>
       <dgm:spPr/>
+      <dgm:t>
+        <a:bodyPr/>
+        <a:lstStyle/>
+        <a:p>
+          <a:endParaRPr lang="es-ES"/>
+        </a:p>
+      </dgm:t>
     </dgm:pt>
     <dgm:pt modelId="{D7F2430B-BCB5-408D-B434-E52E0A1944C0}" type="pres">
       <dgm:prSet presAssocID="{7A8423F9-E18F-49C7-AF47-88948CD8E18D}" presName="Name19" presStyleLbl="parChTrans1D4" presStyleIdx="8" presStyleCnt="14"/>
       <dgm:spPr/>
+      <dgm:t>
+        <a:bodyPr/>
+        <a:lstStyle/>
+        <a:p>
+          <a:endParaRPr lang="es-ES"/>
+        </a:p>
+      </dgm:t>
     </dgm:pt>
     <dgm:pt modelId="{5C8173AF-9672-4BF6-9AF5-834E599B74D0}" type="pres">
       <dgm:prSet presAssocID="{6343E979-4FE4-4A70-B59E-3E22D3659816}" presName="Name21" presStyleCnt="0"/>
       <dgm:spPr/>
+      <dgm:t>
+        <a:bodyPr/>
+        <a:lstStyle/>
+        <a:p>
+          <a:endParaRPr lang="es-ES"/>
+        </a:p>
+      </dgm:t>
     </dgm:pt>
     <dgm:pt modelId="{95C57D1B-15F4-4DDD-96A4-BFBFEA71B3BB}" type="pres">
       <dgm:prSet presAssocID="{6343E979-4FE4-4A70-B59E-3E22D3659816}" presName="level2Shape" presStyleLbl="node4" presStyleIdx="8" presStyleCnt="14"/>
       <dgm:spPr/>
+      <dgm:t>
+        <a:bodyPr/>
+        <a:lstStyle/>
+        <a:p>
+          <a:endParaRPr lang="es-ES"/>
+        </a:p>
+      </dgm:t>
     </dgm:pt>
     <dgm:pt modelId="{75A1DEC4-64BE-4286-9069-8CDFE3D2B551}" type="pres">
       <dgm:prSet presAssocID="{6343E979-4FE4-4A70-B59E-3E22D3659816}" presName="hierChild3" presStyleCnt="0"/>
       <dgm:spPr/>
+      <dgm:t>
+        <a:bodyPr/>
+        <a:lstStyle/>
+        <a:p>
+          <a:endParaRPr lang="es-ES"/>
+        </a:p>
+      </dgm:t>
     </dgm:pt>
     <dgm:pt modelId="{F3B7109E-FC5E-4032-9E48-7AE989930E7F}" type="pres">
       <dgm:prSet presAssocID="{7B0BD396-2B46-40BD-AC76-2EF21EDDDC81}" presName="Name19" presStyleLbl="parChTrans1D4" presStyleIdx="9" presStyleCnt="14"/>
       <dgm:spPr/>
+      <dgm:t>
+        <a:bodyPr/>
+        <a:lstStyle/>
+        <a:p>
+          <a:endParaRPr lang="es-ES"/>
+        </a:p>
+      </dgm:t>
     </dgm:pt>
     <dgm:pt modelId="{2B8B9E40-5DE3-4297-87BA-B7CEF8A0A728}" type="pres">
       <dgm:prSet presAssocID="{90E52BB7-1EB0-47DC-82EE-28BBD13D64E9}" presName="Name21" presStyleCnt="0"/>
       <dgm:spPr/>
+      <dgm:t>
+        <a:bodyPr/>
+        <a:lstStyle/>
+        <a:p>
+          <a:endParaRPr lang="es-ES"/>
+        </a:p>
+      </dgm:t>
     </dgm:pt>
     <dgm:pt modelId="{EF24AA40-32E7-44EE-B69D-486DD25DA9EB}" type="pres">
       <dgm:prSet presAssocID="{90E52BB7-1EB0-47DC-82EE-28BBD13D64E9}" presName="level2Shape" presStyleLbl="node4" presStyleIdx="9" presStyleCnt="14"/>
       <dgm:spPr/>
+      <dgm:t>
+        <a:bodyPr/>
+        <a:lstStyle/>
+        <a:p>
+          <a:endParaRPr lang="es-ES"/>
+        </a:p>
+      </dgm:t>
     </dgm:pt>
     <dgm:pt modelId="{2269E0C1-CD48-4A37-99AA-4353054B5DE3}" type="pres">
       <dgm:prSet presAssocID="{90E52BB7-1EB0-47DC-82EE-28BBD13D64E9}" presName="hierChild3" presStyleCnt="0"/>
       <dgm:spPr/>
+      <dgm:t>
+        <a:bodyPr/>
+        <a:lstStyle/>
+        <a:p>
+          <a:endParaRPr lang="es-ES"/>
+        </a:p>
+      </dgm:t>
     </dgm:pt>
     <dgm:pt modelId="{1B1B1F7A-7EF2-4ACB-B5C6-900D03138544}" type="pres">
       <dgm:prSet presAssocID="{602223CB-CFD7-40C2-91FA-E4E1E82D12F8}" presName="Name19" presStyleLbl="parChTrans1D4" presStyleIdx="10" presStyleCnt="14"/>
       <dgm:spPr/>
+      <dgm:t>
+        <a:bodyPr/>
+        <a:lstStyle/>
+        <a:p>
+          <a:endParaRPr lang="es-ES"/>
+        </a:p>
+      </dgm:t>
     </dgm:pt>
     <dgm:pt modelId="{0282E576-4781-48E5-98C4-B2C8833E05C7}" type="pres">
       <dgm:prSet presAssocID="{65164E71-4DD3-40F1-A30B-EC613D040542}" presName="Name21" presStyleCnt="0"/>
       <dgm:spPr/>
+      <dgm:t>
+        <a:bodyPr/>
+        <a:lstStyle/>
+        <a:p>
+          <a:endParaRPr lang="es-ES"/>
+        </a:p>
+      </dgm:t>
     </dgm:pt>
     <dgm:pt modelId="{D96C27F6-8F1F-4C78-BC8B-2BA73823F3B2}" type="pres">
       <dgm:prSet presAssocID="{65164E71-4DD3-40F1-A30B-EC613D040542}" presName="level2Shape" presStyleLbl="node4" presStyleIdx="10" presStyleCnt="14"/>
       <dgm:spPr/>
+      <dgm:t>
+        <a:bodyPr/>
+        <a:lstStyle/>
+        <a:p>
+          <a:endParaRPr lang="es-ES"/>
+        </a:p>
+      </dgm:t>
     </dgm:pt>
     <dgm:pt modelId="{FA67AF65-67DB-40B9-AC54-180B9D0EE6EC}" type="pres">
       <dgm:prSet presAssocID="{65164E71-4DD3-40F1-A30B-EC613D040542}" presName="hierChild3" presStyleCnt="0"/>
       <dgm:spPr/>
+      <dgm:t>
+        <a:bodyPr/>
+        <a:lstStyle/>
+        <a:p>
+          <a:endParaRPr lang="es-ES"/>
+        </a:p>
+      </dgm:t>
     </dgm:pt>
     <dgm:pt modelId="{F466743B-97CF-4FAA-9E07-3737C57455A5}" type="pres">
       <dgm:prSet presAssocID="{28EC855E-094C-4BED-9FB2-2C030C8FFA45}" presName="Name19" presStyleLbl="parChTrans1D2" presStyleIdx="4" presStyleCnt="6"/>
       <dgm:spPr/>
+      <dgm:t>
+        <a:bodyPr/>
+        <a:lstStyle/>
+        <a:p>
+          <a:endParaRPr lang="es-ES"/>
+        </a:p>
+      </dgm:t>
     </dgm:pt>
     <dgm:pt modelId="{910B1F4A-7546-445F-AEF0-7D9E58A38AE0}" type="pres">
       <dgm:prSet presAssocID="{6169ABB3-9EA3-4A97-9BDB-7BF1A5E8319C}" presName="Name21" presStyleCnt="0"/>
       <dgm:spPr/>
+      <dgm:t>
+        <a:bodyPr/>
+        <a:lstStyle/>
+        <a:p>
+          <a:endParaRPr lang="es-ES"/>
+        </a:p>
+      </dgm:t>
     </dgm:pt>
     <dgm:pt modelId="{A41A0699-52FD-4C1F-BA71-1940B09DFCB3}" type="pres">
       <dgm:prSet presAssocID="{6169ABB3-9EA3-4A97-9BDB-7BF1A5E8319C}" presName="level2Shape" presStyleLbl="node2" presStyleIdx="4" presStyleCnt="6"/>
       <dgm:spPr/>
+      <dgm:t>
+        <a:bodyPr/>
+        <a:lstStyle/>
+        <a:p>
+          <a:endParaRPr lang="es-ES"/>
+        </a:p>
+      </dgm:t>
     </dgm:pt>
     <dgm:pt modelId="{F2672B5B-774F-4E17-9064-11B64443A4B2}" type="pres">
       <dgm:prSet presAssocID="{6169ABB3-9EA3-4A97-9BDB-7BF1A5E8319C}" presName="hierChild3" presStyleCnt="0"/>
       <dgm:spPr/>
+      <dgm:t>
+        <a:bodyPr/>
+        <a:lstStyle/>
+        <a:p>
+          <a:endParaRPr lang="es-ES"/>
+        </a:p>
+      </dgm:t>
     </dgm:pt>
     <dgm:pt modelId="{7F4F1B5F-FC30-4418-B6B9-340A889AAB9A}" type="pres">
       <dgm:prSet presAssocID="{4672E1E4-8BCB-4F8A-9715-DD03D099E9B8}" presName="Name19" presStyleLbl="parChTrans1D3" presStyleIdx="4" presStyleCnt="6"/>
       <dgm:spPr/>
+      <dgm:t>
+        <a:bodyPr/>
+        <a:lstStyle/>
+        <a:p>
+          <a:endParaRPr lang="es-ES"/>
+        </a:p>
+      </dgm:t>
     </dgm:pt>
     <dgm:pt modelId="{B8E27EE2-3F57-4053-9C7E-C862359B5E62}" type="pres">
       <dgm:prSet presAssocID="{64108CB1-DB75-4E6C-B114-0F078EBFAA65}" presName="Name21" presStyleCnt="0"/>
       <dgm:spPr/>
+      <dgm:t>
+        <a:bodyPr/>
+        <a:lstStyle/>
+        <a:p>
+          <a:endParaRPr lang="es-ES"/>
+        </a:p>
+      </dgm:t>
     </dgm:pt>
     <dgm:pt modelId="{9E0003AA-36A8-4BDA-A4D5-AE9FD5909BC7}" type="pres">
       <dgm:prSet presAssocID="{64108CB1-DB75-4E6C-B114-0F078EBFAA65}" presName="level2Shape" presStyleLbl="node3" presStyleIdx="4" presStyleCnt="6"/>
       <dgm:spPr/>
+      <dgm:t>
+        <a:bodyPr/>
+        <a:lstStyle/>
+        <a:p>
+          <a:endParaRPr lang="es-ES"/>
+        </a:p>
+      </dgm:t>
     </dgm:pt>
     <dgm:pt modelId="{EE3406C2-0F9C-4D1C-ACA4-2C3C20DB7B05}" type="pres">
       <dgm:prSet presAssocID="{64108CB1-DB75-4E6C-B114-0F078EBFAA65}" presName="hierChild3" presStyleCnt="0"/>
       <dgm:spPr/>
+      <dgm:t>
+        <a:bodyPr/>
+        <a:lstStyle/>
+        <a:p>
+          <a:endParaRPr lang="es-ES"/>
+        </a:p>
+      </dgm:t>
     </dgm:pt>
     <dgm:pt modelId="{C7ECFBED-B4C0-49F9-8060-B5CF65818561}" type="pres">
       <dgm:prSet presAssocID="{658605B8-67B6-4965-9219-87AD07A2BD57}" presName="Name19" presStyleLbl="parChTrans1D4" presStyleIdx="11" presStyleCnt="14"/>
       <dgm:spPr/>
+      <dgm:t>
+        <a:bodyPr/>
+        <a:lstStyle/>
+        <a:p>
+          <a:endParaRPr lang="es-ES"/>
+        </a:p>
+      </dgm:t>
     </dgm:pt>
     <dgm:pt modelId="{E084BBFE-2722-4C42-92DF-4A57675786AF}" type="pres">
       <dgm:prSet presAssocID="{210E38F1-6443-4897-BC67-3DC469B10B3A}" presName="Name21" presStyleCnt="0"/>
       <dgm:spPr/>
+      <dgm:t>
+        <a:bodyPr/>
+        <a:lstStyle/>
+        <a:p>
+          <a:endParaRPr lang="es-ES"/>
+        </a:p>
+      </dgm:t>
     </dgm:pt>
     <dgm:pt modelId="{88BF71CB-FA56-4717-8190-D58921A87BD4}" type="pres">
       <dgm:prSet presAssocID="{210E38F1-6443-4897-BC67-3DC469B10B3A}" presName="level2Shape" presStyleLbl="node4" presStyleIdx="11" presStyleCnt="14"/>
       <dgm:spPr/>
+      <dgm:t>
+        <a:bodyPr/>
+        <a:lstStyle/>
+        <a:p>
+          <a:endParaRPr lang="es-ES"/>
+        </a:p>
+      </dgm:t>
     </dgm:pt>
     <dgm:pt modelId="{4FBD2F03-0729-4C7D-80BB-89C15520BE60}" type="pres">
       <dgm:prSet presAssocID="{210E38F1-6443-4897-BC67-3DC469B10B3A}" presName="hierChild3" presStyleCnt="0"/>
       <dgm:spPr/>
+      <dgm:t>
+        <a:bodyPr/>
+        <a:lstStyle/>
+        <a:p>
+          <a:endParaRPr lang="es-ES"/>
+        </a:p>
+      </dgm:t>
     </dgm:pt>
     <dgm:pt modelId="{508D3B25-CBDB-434C-AECC-728B5C07BAD5}" type="pres">
       <dgm:prSet presAssocID="{D0F8BDB2-13EF-4738-B074-310F7068418D}" presName="Name19" presStyleLbl="parChTrans1D4" presStyleIdx="12" presStyleCnt="14"/>
       <dgm:spPr/>
+      <dgm:t>
+        <a:bodyPr/>
+        <a:lstStyle/>
+        <a:p>
+          <a:endParaRPr lang="es-ES"/>
+        </a:p>
+      </dgm:t>
     </dgm:pt>
     <dgm:pt modelId="{3E540AA3-5704-4090-A67D-865DF8D30698}" type="pres">
       <dgm:prSet presAssocID="{E195E9F6-7564-48BE-A20F-8E15DF27D81A}" presName="Name21" presStyleCnt="0"/>
       <dgm:spPr/>
+      <dgm:t>
+        <a:bodyPr/>
+        <a:lstStyle/>
+        <a:p>
+          <a:endParaRPr lang="es-ES"/>
+        </a:p>
+      </dgm:t>
     </dgm:pt>
     <dgm:pt modelId="{8F73F0A0-EB89-411D-B484-5DDA096E7375}" type="pres">
       <dgm:prSet presAssocID="{E195E9F6-7564-48BE-A20F-8E15DF27D81A}" presName="level2Shape" presStyleLbl="node4" presStyleIdx="12" presStyleCnt="14"/>
       <dgm:spPr/>
+      <dgm:t>
+        <a:bodyPr/>
+        <a:lstStyle/>
+        <a:p>
+          <a:endParaRPr lang="es-ES"/>
+        </a:p>
+      </dgm:t>
     </dgm:pt>
     <dgm:pt modelId="{B5A80A12-AD68-4B8E-AA02-DAB23B0EC808}" type="pres">
       <dgm:prSet presAssocID="{E195E9F6-7564-48BE-A20F-8E15DF27D81A}" presName="hierChild3" presStyleCnt="0"/>
       <dgm:spPr/>
+      <dgm:t>
+        <a:bodyPr/>
+        <a:lstStyle/>
+        <a:p>
+          <a:endParaRPr lang="es-ES"/>
+        </a:p>
+      </dgm:t>
     </dgm:pt>
     <dgm:pt modelId="{674FAE3C-400A-42DF-AF51-5FE9A33D05FF}" type="pres">
       <dgm:prSet presAssocID="{39401BF9-8334-48FD-97B1-B5FF75DD8ED7}" presName="Name19" presStyleLbl="parChTrans1D2" presStyleIdx="5" presStyleCnt="6"/>
       <dgm:spPr/>
+      <dgm:t>
+        <a:bodyPr/>
+        <a:lstStyle/>
+        <a:p>
+          <a:endParaRPr lang="es-ES"/>
+        </a:p>
+      </dgm:t>
     </dgm:pt>
     <dgm:pt modelId="{8470595E-4388-4A58-9637-586E180AD740}" type="pres">
       <dgm:prSet presAssocID="{F27108DA-E888-48DE-8C97-7FDC95CC2EF6}" presName="Name21" presStyleCnt="0"/>
       <dgm:spPr/>
+      <dgm:t>
+        <a:bodyPr/>
+        <a:lstStyle/>
+        <a:p>
+          <a:endParaRPr lang="es-ES"/>
+        </a:p>
+      </dgm:t>
     </dgm:pt>
     <dgm:pt modelId="{06FE7757-0221-4CB4-905F-C6A4BCBA3C71}" type="pres">
       <dgm:prSet presAssocID="{F27108DA-E888-48DE-8C97-7FDC95CC2EF6}" presName="level2Shape" presStyleLbl="node2" presStyleIdx="5" presStyleCnt="6"/>
       <dgm:spPr/>
+      <dgm:t>
+        <a:bodyPr/>
+        <a:lstStyle/>
+        <a:p>
+          <a:endParaRPr lang="es-ES"/>
+        </a:p>
+      </dgm:t>
     </dgm:pt>
     <dgm:pt modelId="{5BD4478D-B641-48B8-8A2A-420109793208}" type="pres">
       <dgm:prSet presAssocID="{F27108DA-E888-48DE-8C97-7FDC95CC2EF6}" presName="hierChild3" presStyleCnt="0"/>
       <dgm:spPr/>
+      <dgm:t>
+        <a:bodyPr/>
+        <a:lstStyle/>
+        <a:p>
+          <a:endParaRPr lang="es-ES"/>
+        </a:p>
+      </dgm:t>
     </dgm:pt>
     <dgm:pt modelId="{9F6C2837-18E1-42E8-B36E-26D798F13CAA}" type="pres">
       <dgm:prSet presAssocID="{F9806694-F79F-4F0F-B80B-D8AEC14A4AE4}" presName="Name19" presStyleLbl="parChTrans1D3" presStyleIdx="5" presStyleCnt="6"/>
       <dgm:spPr/>
+      <dgm:t>
+        <a:bodyPr/>
+        <a:lstStyle/>
+        <a:p>
+          <a:endParaRPr lang="es-ES"/>
+        </a:p>
+      </dgm:t>
     </dgm:pt>
     <dgm:pt modelId="{4E141796-AC40-4B30-9C5B-C2F45C40886F}" type="pres">
       <dgm:prSet presAssocID="{910FF4E3-4B73-471E-A733-428EDE879319}" presName="Name21" presStyleCnt="0"/>
       <dgm:spPr/>
+      <dgm:t>
+        <a:bodyPr/>
+        <a:lstStyle/>
+        <a:p>
+          <a:endParaRPr lang="es-ES"/>
+        </a:p>
+      </dgm:t>
     </dgm:pt>
     <dgm:pt modelId="{7A395ACB-AFE5-47F8-A645-E93A88EBEA6B}" type="pres">
       <dgm:prSet presAssocID="{910FF4E3-4B73-471E-A733-428EDE879319}" presName="level2Shape" presStyleLbl="node3" presStyleIdx="5" presStyleCnt="6"/>
       <dgm:spPr/>
+      <dgm:t>
+        <a:bodyPr/>
+        <a:lstStyle/>
+        <a:p>
+          <a:endParaRPr lang="es-ES"/>
+        </a:p>
+      </dgm:t>
     </dgm:pt>
     <dgm:pt modelId="{8F51FB6D-419B-4757-8A2B-6084DECD1589}" type="pres">
       <dgm:prSet presAssocID="{910FF4E3-4B73-471E-A733-428EDE879319}" presName="hierChild3" presStyleCnt="0"/>
       <dgm:spPr/>
+      <dgm:t>
+        <a:bodyPr/>
+        <a:lstStyle/>
+        <a:p>
+          <a:endParaRPr lang="es-ES"/>
+        </a:p>
+      </dgm:t>
     </dgm:pt>
     <dgm:pt modelId="{2BA6003D-FD41-41E9-BCA1-01EBE4EE20D3}" type="pres">
       <dgm:prSet presAssocID="{5A1392F2-9813-4C0C-9524-55F25A946D72}" presName="Name19" presStyleLbl="parChTrans1D4" presStyleIdx="13" presStyleCnt="14"/>
       <dgm:spPr/>
+      <dgm:t>
+        <a:bodyPr/>
+        <a:lstStyle/>
+        <a:p>
+          <a:endParaRPr lang="es-ES"/>
+        </a:p>
+      </dgm:t>
     </dgm:pt>
     <dgm:pt modelId="{4985FEBC-40F4-4116-8833-83E61FD2B786}" type="pres">
       <dgm:prSet presAssocID="{2B9145D1-EB7E-4900-B323-62729B920F30}" presName="Name21" presStyleCnt="0"/>
       <dgm:spPr/>
+      <dgm:t>
+        <a:bodyPr/>
+        <a:lstStyle/>
+        <a:p>
+          <a:endParaRPr lang="es-ES"/>
+        </a:p>
+      </dgm:t>
     </dgm:pt>
     <dgm:pt modelId="{7AC4104E-E4B8-401B-8EEB-D04E808E6EE5}" type="pres">
       <dgm:prSet presAssocID="{2B9145D1-EB7E-4900-B323-62729B920F30}" presName="level2Shape" presStyleLbl="node4" presStyleIdx="13" presStyleCnt="14"/>
       <dgm:spPr/>
+      <dgm:t>
+        <a:bodyPr/>
+        <a:lstStyle/>
+        <a:p>
+          <a:endParaRPr lang="es-ES"/>
+        </a:p>
+      </dgm:t>
     </dgm:pt>
     <dgm:pt modelId="{E2C8F209-971D-404B-9F44-DC7BD439D3B3}" type="pres">
       <dgm:prSet presAssocID="{2B9145D1-EB7E-4900-B323-62729B920F30}" presName="hierChild3" presStyleCnt="0"/>
       <dgm:spPr/>
+      <dgm:t>
+        <a:bodyPr/>
+        <a:lstStyle/>
+        <a:p>
+          <a:endParaRPr lang="es-ES"/>
+        </a:p>
+      </dgm:t>
     </dgm:pt>
     <dgm:pt modelId="{9E32E7D7-3694-4D3D-93A8-B6E3BCA66E70}" type="pres">
       <dgm:prSet presAssocID="{664B246F-00B5-4610-86EB-ACE0B8B7FA38}" presName="bgShapesFlow" presStyleCnt="0"/>
       <dgm:spPr/>
+      <dgm:t>
+        <a:bodyPr/>
+        <a:lstStyle/>
+        <a:p>
+          <a:endParaRPr lang="es-ES"/>
+        </a:p>
+      </dgm:t>
     </dgm:pt>
   </dgm:ptLst>
   <dgm:cxnLst>
+    <dgm:cxn modelId="{A7B4A77F-17AC-4C8F-A17C-7ED71A64266B}" type="presOf" srcId="{51635E7D-94AB-42DB-A23F-6B9E2711ADB8}" destId="{439A7915-4019-4A23-8AAB-5EA84524E00E}" srcOrd="0" destOrd="0" presId="urn:microsoft.com/office/officeart/2005/8/layout/hierarchy6"/>
+    <dgm:cxn modelId="{8F9BFC49-62BA-4DBB-A4FA-FDF3587EA851}" srcId="{6169ABB3-9EA3-4A97-9BDB-7BF1A5E8319C}" destId="{64108CB1-DB75-4E6C-B114-0F078EBFAA65}" srcOrd="0" destOrd="0" parTransId="{4672E1E4-8BCB-4F8A-9715-DD03D099E9B8}" sibTransId="{926064D3-9C23-498F-82E9-95C446588308}"/>
+    <dgm:cxn modelId="{BB0EF5AC-564D-459C-B645-0E52862EFB04}" type="presOf" srcId="{910FF4E3-4B73-471E-A733-428EDE879319}" destId="{7A395ACB-AFE5-47F8-A645-E93A88EBEA6B}" srcOrd="0" destOrd="0" presId="urn:microsoft.com/office/officeart/2005/8/layout/hierarchy6"/>
+    <dgm:cxn modelId="{73EF6046-3531-425E-89B1-C08A2836C212}" type="presOf" srcId="{55BF91F1-8371-43F3-B796-D886F4AEA607}" destId="{CF7FDC77-853E-4DFC-9828-0DC60053379E}" srcOrd="0" destOrd="0" presId="urn:microsoft.com/office/officeart/2005/8/layout/hierarchy6"/>
+    <dgm:cxn modelId="{3678BB3C-ABCE-4036-8BF9-7D306D14FF35}" srcId="{984E7E1A-DD08-4E2E-A546-5DAB66C40362}" destId="{F27108DA-E888-48DE-8C97-7FDC95CC2EF6}" srcOrd="5" destOrd="0" parTransId="{39401BF9-8334-48FD-97B1-B5FF75DD8ED7}" sibTransId="{66761398-FF62-4B70-AD78-EE255350EFAC}"/>
+    <dgm:cxn modelId="{95A684E0-D949-4D3E-B0E7-62A76A87E434}" type="presOf" srcId="{22D68CCB-4BEE-4732-BA18-145918E71689}" destId="{66711AFB-4282-4BD5-A024-70EEE22E8ED8}" srcOrd="0" destOrd="0" presId="urn:microsoft.com/office/officeart/2005/8/layout/hierarchy6"/>
+    <dgm:cxn modelId="{0FE9AE56-8660-49F8-84CD-4AF07C5F12FB}" type="presOf" srcId="{39401BF9-8334-48FD-97B1-B5FF75DD8ED7}" destId="{674FAE3C-400A-42DF-AF51-5FE9A33D05FF}" srcOrd="0" destOrd="0" presId="urn:microsoft.com/office/officeart/2005/8/layout/hierarchy6"/>
+    <dgm:cxn modelId="{2931A296-5E67-41F4-B655-2D2D97556CF3}" type="presOf" srcId="{39E7187F-BF44-4434-ABA8-1C914D1E277A}" destId="{F75CBFB9-BF0A-44D1-A33C-B79AA986F053}" srcOrd="0" destOrd="0" presId="urn:microsoft.com/office/officeart/2005/8/layout/hierarchy6"/>
+    <dgm:cxn modelId="{01CAE140-A84C-4F7A-B2BB-802CF8CC95AC}" type="presOf" srcId="{142E7667-7801-477A-80B1-678DFCEE8B9B}" destId="{FC12F369-519B-4055-B6C8-695637AC848E}" srcOrd="0" destOrd="0" presId="urn:microsoft.com/office/officeart/2005/8/layout/hierarchy6"/>
+    <dgm:cxn modelId="{B66F8733-D3FB-45D3-9FD0-68C01E9038CC}" type="presOf" srcId="{4672E1E4-8BCB-4F8A-9715-DD03D099E9B8}" destId="{7F4F1B5F-FC30-4418-B6B9-340A889AAB9A}" srcOrd="0" destOrd="0" presId="urn:microsoft.com/office/officeart/2005/8/layout/hierarchy6"/>
+    <dgm:cxn modelId="{5B8EBB31-303D-487F-AEA4-D50AF546E6A4}" type="presOf" srcId="{6343E979-4FE4-4A70-B59E-3E22D3659816}" destId="{95C57D1B-15F4-4DDD-96A4-BFBFEA71B3BB}" srcOrd="0" destOrd="0" presId="urn:microsoft.com/office/officeart/2005/8/layout/hierarchy6"/>
+    <dgm:cxn modelId="{19267D47-12AF-407B-95D0-CE67232A70C6}" type="presOf" srcId="{664B246F-00B5-4610-86EB-ACE0B8B7FA38}" destId="{327FBF58-624F-4F1F-9921-6E06642364B9}" srcOrd="0" destOrd="0" presId="urn:microsoft.com/office/officeart/2005/8/layout/hierarchy6"/>
+    <dgm:cxn modelId="{856BF3EA-08CB-4C8D-9091-C873E64B660B}" type="presOf" srcId="{C6E69E37-3961-44EE-94E9-D23872BEE4C9}" destId="{A53AEAF4-DE63-41BC-865B-CDA9095339F1}" srcOrd="0" destOrd="0" presId="urn:microsoft.com/office/officeart/2005/8/layout/hierarchy6"/>
+    <dgm:cxn modelId="{1A0C89BF-D174-4ED0-8083-1CC9998E7155}" srcId="{8D053341-47DE-4A56-8DB5-F4344314674C}" destId="{EFFA102A-5D82-49D3-A6E7-45C00C42107B}" srcOrd="0" destOrd="0" parTransId="{DFFEDB4F-CB16-440A-AC1A-1DC7D4CDB94A}" sibTransId="{B62333E8-4DCB-4AEF-9231-01F6B6767A44}"/>
+    <dgm:cxn modelId="{F5731501-99AB-44A3-AF43-1AAFC2AEBFAF}" type="presOf" srcId="{818A50AE-2897-4A8A-A2D4-C798E3839759}" destId="{6A78302F-C42E-4BD7-B84C-CB25A3C0F412}" srcOrd="0" destOrd="0" presId="urn:microsoft.com/office/officeart/2005/8/layout/hierarchy6"/>
+    <dgm:cxn modelId="{18B771E9-B40D-4B8A-AEDA-9DA0FAD87DAE}" type="presOf" srcId="{6169ABB3-9EA3-4A97-9BDB-7BF1A5E8319C}" destId="{A41A0699-52FD-4C1F-BA71-1940B09DFCB3}" srcOrd="0" destOrd="0" presId="urn:microsoft.com/office/officeart/2005/8/layout/hierarchy6"/>
+    <dgm:cxn modelId="{19A72260-1696-4377-A1D7-7CD65B9FDE05}" type="presOf" srcId="{4CC81563-AFF2-44A9-B9B0-EF1C87661122}" destId="{61106BEE-8394-41F9-A438-4FF037DCC549}" srcOrd="0" destOrd="0" presId="urn:microsoft.com/office/officeart/2005/8/layout/hierarchy6"/>
+    <dgm:cxn modelId="{CBB959BD-F310-42E3-94D7-20241BC405C5}" type="presOf" srcId="{210E38F1-6443-4897-BC67-3DC469B10B3A}" destId="{88BF71CB-FA56-4717-8190-D58921A87BD4}" srcOrd="0" destOrd="0" presId="urn:microsoft.com/office/officeart/2005/8/layout/hierarchy6"/>
+    <dgm:cxn modelId="{264D0B35-662F-4A1C-A94E-0E07790C5719}" type="presOf" srcId="{595FCBCB-6F4C-41E0-9D57-CC8BC973C07C}" destId="{2D6C4C6A-CE06-40A6-A211-64F15A14B0FC}" srcOrd="0" destOrd="0" presId="urn:microsoft.com/office/officeart/2005/8/layout/hierarchy6"/>
+    <dgm:cxn modelId="{8A33DAC6-D9DF-4D48-B64D-808F92F2B77E}" srcId="{818A50AE-2897-4A8A-A2D4-C798E3839759}" destId="{95F92B39-5BD1-41DA-921B-40270E333897}" srcOrd="0" destOrd="0" parTransId="{78A11304-B47B-426C-80D9-23F105284D80}" sibTransId="{19CA03D8-84BD-45E9-ACB4-36731CEB3A27}"/>
+    <dgm:cxn modelId="{1DB74C26-04B0-46CF-914A-E108FAEBA0D6}" srcId="{F27108DA-E888-48DE-8C97-7FDC95CC2EF6}" destId="{910FF4E3-4B73-471E-A733-428EDE879319}" srcOrd="0" destOrd="0" parTransId="{F9806694-F79F-4F0F-B80B-D8AEC14A4AE4}" sibTransId="{1559325B-7160-4295-9AC9-2388904B54D3}"/>
+    <dgm:cxn modelId="{E9FD1272-E01D-4880-BFDE-9A1AAA5292D5}" srcId="{910FF4E3-4B73-471E-A733-428EDE879319}" destId="{2B9145D1-EB7E-4900-B323-62729B920F30}" srcOrd="0" destOrd="0" parTransId="{5A1392F2-9813-4C0C-9524-55F25A946D72}" sibTransId="{FE9D72FD-6015-4C6F-8761-506C30B7F8B6}"/>
+    <dgm:cxn modelId="{9258CF10-A21F-436C-8DD6-66D5F2257114}" srcId="{595FCBCB-6F4C-41E0-9D57-CC8BC973C07C}" destId="{7B8C88F9-23A6-428A-9D84-EE8685A0B867}" srcOrd="0" destOrd="0" parTransId="{55BF91F1-8371-43F3-B796-D886F4AEA607}" sibTransId="{AB932049-799D-400F-96A9-390092336D78}"/>
+    <dgm:cxn modelId="{CE25B188-AF7E-45A6-B483-2C1585C607A0}" srcId="{95F92B39-5BD1-41DA-921B-40270E333897}" destId="{595FCBCB-6F4C-41E0-9D57-CC8BC973C07C}" srcOrd="0" destOrd="0" parTransId="{51635E7D-94AB-42DB-A23F-6B9E2711ADB8}" sibTransId="{0B43550C-8A90-4189-9B67-1225304E0089}"/>
+    <dgm:cxn modelId="{93F3283D-FB98-4B39-8399-B657990A16F1}" type="presOf" srcId="{CA5091F9-074B-4255-B185-C09D0BE2BF7B}" destId="{CA90F6F9-60A6-482D-9CEF-AA80F0D193AE}" srcOrd="0" destOrd="0" presId="urn:microsoft.com/office/officeart/2005/8/layout/hierarchy6"/>
+    <dgm:cxn modelId="{30A55F96-8DA0-4EC1-A524-A47232E0498E}" srcId="{638D4A18-E8B7-45E5-8EAA-4C0D29849159}" destId="{D692D1F3-8B04-4096-AA22-E14E93E2AD30}" srcOrd="0" destOrd="0" parTransId="{D4015DCB-90CE-418D-BA17-E20EB5979634}" sibTransId="{9DF5544D-7133-4BEC-80D5-5F4AB2FCACF0}"/>
+    <dgm:cxn modelId="{FF2520D5-DC6D-4AA8-A9F8-CF8972E73887}" type="presOf" srcId="{984E7E1A-DD08-4E2E-A546-5DAB66C40362}" destId="{AA34BBA1-AEFC-405E-88F0-054659A90B63}" srcOrd="0" destOrd="0" presId="urn:microsoft.com/office/officeart/2005/8/layout/hierarchy6"/>
+    <dgm:cxn modelId="{466D7E0B-F240-4D21-B075-148F30221A3B}" type="presOf" srcId="{E195E9F6-7564-48BE-A20F-8E15DF27D81A}" destId="{8F73F0A0-EB89-411D-B484-5DDA096E7375}" srcOrd="0" destOrd="0" presId="urn:microsoft.com/office/officeart/2005/8/layout/hierarchy6"/>
+    <dgm:cxn modelId="{FFBE421A-96E6-4728-9F99-D28C6318BB17}" type="presOf" srcId="{602223CB-CFD7-40C2-91FA-E4E1E82D12F8}" destId="{1B1B1F7A-7EF2-4ACB-B5C6-900D03138544}" srcOrd="0" destOrd="0" presId="urn:microsoft.com/office/officeart/2005/8/layout/hierarchy6"/>
+    <dgm:cxn modelId="{4B88D7A5-3EC0-4459-AA6F-F6EF968C760A}" type="presOf" srcId="{D0F8BDB2-13EF-4738-B074-310F7068418D}" destId="{508D3B25-CBDB-434C-AECC-728B5C07BAD5}" srcOrd="0" destOrd="0" presId="urn:microsoft.com/office/officeart/2005/8/layout/hierarchy6"/>
+    <dgm:cxn modelId="{6548AE4D-94C7-44BB-95FD-5DD037D3FBD3}" type="presOf" srcId="{78A11304-B47B-426C-80D9-23F105284D80}" destId="{9B8E5F4D-3D7A-47D4-BEB1-7A4D761EC373}" srcOrd="0" destOrd="0" presId="urn:microsoft.com/office/officeart/2005/8/layout/hierarchy6"/>
+    <dgm:cxn modelId="{C779DB3F-B5DA-40B5-BD04-85BDED782DA3}" type="presOf" srcId="{84BE1630-6BEF-48BE-BEB4-441EA60AE7C5}" destId="{2DFB326B-B609-43F8-A763-08BEA677E07F}" srcOrd="0" destOrd="0" presId="urn:microsoft.com/office/officeart/2005/8/layout/hierarchy6"/>
+    <dgm:cxn modelId="{78257164-1925-4869-B44A-2163251005E0}" type="presOf" srcId="{8EBD0BB1-A983-499A-AFE0-A135C6D6EAF4}" destId="{02AF57A5-5631-4829-8B1F-9F87C7E5BF9A}" srcOrd="0" destOrd="0" presId="urn:microsoft.com/office/officeart/2005/8/layout/hierarchy6"/>
+    <dgm:cxn modelId="{1A358F98-1340-4BF0-A227-6269E1BC5FDB}" srcId="{984E7E1A-DD08-4E2E-A546-5DAB66C40362}" destId="{8FAE6191-0821-4960-BC96-F58E46C703A9}" srcOrd="1" destOrd="0" parTransId="{4CC81563-AFF2-44A9-B9B0-EF1C87661122}" sibTransId="{D7A373A9-FF3D-4DB9-BAA4-871B43426D41}"/>
+    <dgm:cxn modelId="{AEAE211C-05CA-406B-A485-10AC5B28C623}" srcId="{8FAE6191-0821-4960-BC96-F58E46C703A9}" destId="{22D68CCB-4BEE-4732-BA18-145918E71689}" srcOrd="0" destOrd="0" parTransId="{845F5D8C-040E-4743-ACA2-252EB4E11E64}" sibTransId="{96F038F0-8321-4A68-ABFB-0F5C2D7FE10A}"/>
+    <dgm:cxn modelId="{B822AFDD-53D7-4668-990A-0FC76370D21F}" srcId="{210E38F1-6443-4897-BC67-3DC469B10B3A}" destId="{E195E9F6-7564-48BE-A20F-8E15DF27D81A}" srcOrd="0" destOrd="0" parTransId="{D0F8BDB2-13EF-4738-B074-310F7068418D}" sibTransId="{4A84E83F-0A4E-451D-B074-37C705FAC49A}"/>
+    <dgm:cxn modelId="{E66A6DFA-838B-4265-BAE3-732A6B928409}" srcId="{142E7667-7801-477A-80B1-678DFCEE8B9B}" destId="{6343E979-4FE4-4A70-B59E-3E22D3659816}" srcOrd="0" destOrd="0" parTransId="{7A8423F9-E18F-49C7-AF47-88948CD8E18D}" sibTransId="{A2AAA9C3-C9BC-414E-AD60-200EF2F1EFA3}"/>
+    <dgm:cxn modelId="{5C8AD39E-048A-4F0B-A4E5-8E7E28CD4E8E}" srcId="{EFFA102A-5D82-49D3-A6E7-45C00C42107B}" destId="{818A50AE-2897-4A8A-A2D4-C798E3839759}" srcOrd="0" destOrd="0" parTransId="{6E64CD67-6FB7-4233-986F-C1A61F90D25C}" sibTransId="{C0AF5DF9-2ED6-42D3-8F8C-F06FCA8338A2}"/>
+    <dgm:cxn modelId="{44BC1EE3-FF57-452E-9F1C-1297E9ECAE80}" srcId="{984E7E1A-DD08-4E2E-A546-5DAB66C40362}" destId="{6169ABB3-9EA3-4A97-9BDB-7BF1A5E8319C}" srcOrd="4" destOrd="0" parTransId="{28EC855E-094C-4BED-9FB2-2C030C8FFA45}" sibTransId="{5DD54D20-2A68-4F1C-81FF-4637F3180AB6}"/>
+    <dgm:cxn modelId="{242DF2D3-F3A7-4348-A721-6000EAFAE055}" srcId="{984E7E1A-DD08-4E2E-A546-5DAB66C40362}" destId="{46EFE5C5-7E26-4632-AB0D-CFDE009726AC}" srcOrd="2" destOrd="0" parTransId="{8EBD0BB1-A983-499A-AFE0-A135C6D6EAF4}" sibTransId="{5914253C-0C02-433E-BBB4-A56090EFD1EA}"/>
+    <dgm:cxn modelId="{9ABDE14A-C136-42D3-8FC9-0CBFC6B20EDD}" type="presOf" srcId="{D4015DCB-90CE-418D-BA17-E20EB5979634}" destId="{E16ADE93-99AF-45AE-A7EE-51F95CB0B46A}" srcOrd="0" destOrd="0" presId="urn:microsoft.com/office/officeart/2005/8/layout/hierarchy6"/>
+    <dgm:cxn modelId="{9CD9DEDE-0ABC-4BC8-8EED-926624F8029E}" type="presOf" srcId="{F9806694-F79F-4F0F-B80B-D8AEC14A4AE4}" destId="{9F6C2837-18E1-42E8-B36E-26D798F13CAA}" srcOrd="0" destOrd="0" presId="urn:microsoft.com/office/officeart/2005/8/layout/hierarchy6"/>
+    <dgm:cxn modelId="{51C6363D-A016-436F-A5EC-4E1FD4FE7A7E}" type="presOf" srcId="{EBD4D5EB-965D-43EB-B803-B2DBA1A47692}" destId="{ECE94489-582E-4D24-A60B-70DA935857A8}" srcOrd="0" destOrd="0" presId="urn:microsoft.com/office/officeart/2005/8/layout/hierarchy6"/>
+    <dgm:cxn modelId="{8145C653-6280-4F2D-8678-3F69D5CD17DF}" type="presOf" srcId="{7B0BD396-2B46-40BD-AC76-2EF21EDDDC81}" destId="{F3B7109E-FC5E-4032-9E48-7AE989930E7F}" srcOrd="0" destOrd="0" presId="urn:microsoft.com/office/officeart/2005/8/layout/hierarchy6"/>
+    <dgm:cxn modelId="{CA998EDF-D1EC-4F21-BC02-F8E5D809124E}" srcId="{90E52BB7-1EB0-47DC-82EE-28BBD13D64E9}" destId="{65164E71-4DD3-40F1-A30B-EC613D040542}" srcOrd="0" destOrd="0" parTransId="{602223CB-CFD7-40C2-91FA-E4E1E82D12F8}" sibTransId="{21CD02D9-E652-489A-8BF4-F425E3CF6D26}"/>
+    <dgm:cxn modelId="{6308E6F4-05B7-49BF-9773-6262DF0A5586}" type="presOf" srcId="{2B9145D1-EB7E-4900-B323-62729B920F30}" destId="{7AC4104E-E4B8-401B-8EEB-D04E808E6EE5}" srcOrd="0" destOrd="0" presId="urn:microsoft.com/office/officeart/2005/8/layout/hierarchy6"/>
+    <dgm:cxn modelId="{318806E0-51BA-4146-A58B-683225FF1FD9}" type="presOf" srcId="{65164E71-4DD3-40F1-A30B-EC613D040542}" destId="{D96C27F6-8F1F-4C78-BC8B-2BA73823F3B2}" srcOrd="0" destOrd="0" presId="urn:microsoft.com/office/officeart/2005/8/layout/hierarchy6"/>
+    <dgm:cxn modelId="{6C09A7CF-ED9E-4F5C-A208-29FC73FCD37A}" srcId="{46EFE5C5-7E26-4632-AB0D-CFDE009726AC}" destId="{C6E69E37-3961-44EE-94E9-D23872BEE4C9}" srcOrd="0" destOrd="0" parTransId="{39E7187F-BF44-4434-ABA8-1C914D1E277A}" sibTransId="{DEA9B8DE-9278-41C4-8958-F47B791467F4}"/>
+    <dgm:cxn modelId="{D47CA79C-8F8E-4F6C-B4A4-DC7B0D45936D}" srcId="{22D68CCB-4BEE-4732-BA18-145918E71689}" destId="{638D4A18-E8B7-45E5-8EAA-4C0D29849159}" srcOrd="0" destOrd="0" parTransId="{6331599E-52B8-4A6C-B3A0-6191E729069E}" sibTransId="{96BDABD5-5B11-468E-B806-E97AD8AE4AFA}"/>
+    <dgm:cxn modelId="{8E0F5C75-BF33-46B4-A61F-D0B9F3D3BE7B}" type="presOf" srcId="{EFFA102A-5D82-49D3-A6E7-45C00C42107B}" destId="{BCE69E19-3950-4634-98DB-22EACA842756}" srcOrd="0" destOrd="0" presId="urn:microsoft.com/office/officeart/2005/8/layout/hierarchy6"/>
+    <dgm:cxn modelId="{D9C5D9F2-5AD0-46AC-B53A-0532970DAECF}" type="presOf" srcId="{7A8423F9-E18F-49C7-AF47-88948CD8E18D}" destId="{D7F2430B-BCB5-408D-B434-E52E0A1944C0}" srcOrd="0" destOrd="0" presId="urn:microsoft.com/office/officeart/2005/8/layout/hierarchy6"/>
+    <dgm:cxn modelId="{F1101002-5CE5-4FCB-B939-DBDC719D8088}" type="presOf" srcId="{0B8E2C65-A4D7-4B41-A006-CAAA09EDACC5}" destId="{3E27615C-4EFE-4C20-92E5-F66765CC04DB}" srcOrd="0" destOrd="0" presId="urn:microsoft.com/office/officeart/2005/8/layout/hierarchy6"/>
+    <dgm:cxn modelId="{8237BEE0-D1B1-440F-9385-3C24B42C9D37}" srcId="{D692D1F3-8B04-4096-AA22-E14E93E2AD30}" destId="{1CCEED45-57D7-4641-81C9-5908579CE245}" srcOrd="0" destOrd="0" parTransId="{0B8E2C65-A4D7-4B41-A006-CAAA09EDACC5}" sibTransId="{3565B9CB-B1EE-400D-B2B9-2B551D737D10}"/>
+    <dgm:cxn modelId="{50A123AB-70AF-42EF-B4AC-A864625C080A}" type="presOf" srcId="{6E64CD67-6FB7-4233-986F-C1A61F90D25C}" destId="{A181B12C-7C20-4BE9-8886-24DDE0080781}" srcOrd="0" destOrd="0" presId="urn:microsoft.com/office/officeart/2005/8/layout/hierarchy6"/>
+    <dgm:cxn modelId="{F62D2C8B-4463-41B4-9FA8-643CE8E3126A}" type="presOf" srcId="{F27108DA-E888-48DE-8C97-7FDC95CC2EF6}" destId="{06FE7757-0221-4CB4-905F-C6A4BCBA3C71}" srcOrd="0" destOrd="0" presId="urn:microsoft.com/office/officeart/2005/8/layout/hierarchy6"/>
+    <dgm:cxn modelId="{A82D7115-D175-4E2D-9D2A-0015285A99C9}" type="presOf" srcId="{658605B8-67B6-4965-9219-87AD07A2BD57}" destId="{C7ECFBED-B4C0-49F9-8060-B5CF65818561}" srcOrd="0" destOrd="0" presId="urn:microsoft.com/office/officeart/2005/8/layout/hierarchy6"/>
+    <dgm:cxn modelId="{6193E151-7B4B-421D-8E3E-D3E6FEF0B0BC}" srcId="{64108CB1-DB75-4E6C-B114-0F078EBFAA65}" destId="{210E38F1-6443-4897-BC67-3DC469B10B3A}" srcOrd="0" destOrd="0" parTransId="{658605B8-67B6-4965-9219-87AD07A2BD57}" sibTransId="{0132DBF9-A877-41CA-AAEC-9BACB1A6367E}"/>
+    <dgm:cxn modelId="{2384D281-B6AE-40D6-9D9D-04418BCD48A4}" type="presOf" srcId="{8D053341-47DE-4A56-8DB5-F4344314674C}" destId="{B6589975-B071-491E-8570-70970CA1F480}" srcOrd="0" destOrd="0" presId="urn:microsoft.com/office/officeart/2005/8/layout/hierarchy6"/>
+    <dgm:cxn modelId="{D0DCC87F-FDBD-4AEB-A04B-CC698B69B140}" type="presOf" srcId="{7B8C88F9-23A6-428A-9D84-EE8685A0B867}" destId="{7B17D095-05F0-4567-ACF5-DAE1C7F71050}" srcOrd="0" destOrd="0" presId="urn:microsoft.com/office/officeart/2005/8/layout/hierarchy6"/>
+    <dgm:cxn modelId="{EE720115-9484-482A-880C-C4C55B1A6361}" type="presOf" srcId="{95F92B39-5BD1-41DA-921B-40270E333897}" destId="{EA693939-0FD8-4332-A064-9C5C4989F6C3}" srcOrd="0" destOrd="0" presId="urn:microsoft.com/office/officeart/2005/8/layout/hierarchy6"/>
+    <dgm:cxn modelId="{8F478C23-D9B8-4684-87CF-064D223FC730}" type="presOf" srcId="{ACDCB4B0-FE3A-4189-B855-4AF36F6C0D74}" destId="{291C996E-0EB8-4C7C-A09D-BCD184B0D448}" srcOrd="0" destOrd="0" presId="urn:microsoft.com/office/officeart/2005/8/layout/hierarchy6"/>
+    <dgm:cxn modelId="{8BBAB2EF-486F-4C2D-8E6B-30F22B08CEDE}" srcId="{6343E979-4FE4-4A70-B59E-3E22D3659816}" destId="{90E52BB7-1EB0-47DC-82EE-28BBD13D64E9}" srcOrd="0" destOrd="0" parTransId="{7B0BD396-2B46-40BD-AC76-2EF21EDDDC81}" sibTransId="{6C2204E5-3FD4-4E2D-A0D8-AA639C5B78BB}"/>
+    <dgm:cxn modelId="{8AF7D83C-2A35-4B4E-9A89-87807C35D1FB}" srcId="{C6E69E37-3961-44EE-94E9-D23872BEE4C9}" destId="{DEA8DC5E-722E-4FFF-BA91-EA999F6AAE91}" srcOrd="0" destOrd="0" parTransId="{CA5091F9-074B-4255-B185-C09D0BE2BF7B}" sibTransId="{64D4773E-534A-4E7B-A0A1-8D87DE867EA7}"/>
+    <dgm:cxn modelId="{606288B5-F503-4B9D-A927-3107CB71235F}" type="presOf" srcId="{90E52BB7-1EB0-47DC-82EE-28BBD13D64E9}" destId="{EF24AA40-32E7-44EE-B69D-486DD25DA9EB}" srcOrd="0" destOrd="0" presId="urn:microsoft.com/office/officeart/2005/8/layout/hierarchy6"/>
+    <dgm:cxn modelId="{585D811E-D1DC-4005-A2E1-10A91687431B}" srcId="{664B246F-00B5-4610-86EB-ACE0B8B7FA38}" destId="{984E7E1A-DD08-4E2E-A546-5DAB66C40362}" srcOrd="0" destOrd="0" parTransId="{AE2E2423-B2F0-4C74-A8DB-4BBE21532EE2}" sibTransId="{54838042-35A6-423A-9D5B-CC6E4DD67A85}"/>
+    <dgm:cxn modelId="{502F4795-9AF2-4388-ABC6-BA3E03AE3ACC}" type="presOf" srcId="{64108CB1-DB75-4E6C-B114-0F078EBFAA65}" destId="{9E0003AA-36A8-4BDA-A4D5-AE9FD5909BC7}" srcOrd="0" destOrd="0" presId="urn:microsoft.com/office/officeart/2005/8/layout/hierarchy6"/>
+    <dgm:cxn modelId="{62BB2EFC-BB8A-4B92-8454-390B74124D28}" type="presOf" srcId="{D692D1F3-8B04-4096-AA22-E14E93E2AD30}" destId="{DBC340A0-3818-4944-BAC4-6FC41200E407}" srcOrd="0" destOrd="0" presId="urn:microsoft.com/office/officeart/2005/8/layout/hierarchy6"/>
+    <dgm:cxn modelId="{4900DBD3-31F0-49AE-8333-B1D734FB2364}" type="presOf" srcId="{5A1392F2-9813-4C0C-9524-55F25A946D72}" destId="{2BA6003D-FD41-41E9-BCA1-01EBE4EE20D3}" srcOrd="0" destOrd="0" presId="urn:microsoft.com/office/officeart/2005/8/layout/hierarchy6"/>
+    <dgm:cxn modelId="{2FC541EE-72D6-4594-BA4D-2E2FAF5A220F}" type="presOf" srcId="{DFFEDB4F-CB16-440A-AC1A-1DC7D4CDB94A}" destId="{CD65A56E-BEB9-4A66-90D9-A9B1CD0B97DF}" srcOrd="0" destOrd="0" presId="urn:microsoft.com/office/officeart/2005/8/layout/hierarchy6"/>
+    <dgm:cxn modelId="{315020E2-D7B1-470A-A75B-A8A3010E177D}" type="presOf" srcId="{46EFE5C5-7E26-4632-AB0D-CFDE009726AC}" destId="{5B4C9849-DEB8-40B2-959E-E2FFC9C320FA}" srcOrd="0" destOrd="0" presId="urn:microsoft.com/office/officeart/2005/8/layout/hierarchy6"/>
+    <dgm:cxn modelId="{0D9639D3-0F68-4944-810F-23C0962D110F}" type="presOf" srcId="{28EC855E-094C-4BED-9FB2-2C030C8FFA45}" destId="{F466743B-97CF-4FAA-9E07-3737C57455A5}" srcOrd="0" destOrd="0" presId="urn:microsoft.com/office/officeart/2005/8/layout/hierarchy6"/>
     <dgm:cxn modelId="{D8A9B400-7A48-4EDB-B41F-AD84DBF35F21}" type="presOf" srcId="{FB132DEB-3EBB-4B7B-9E10-1EA28E437B0C}" destId="{ED51B719-283F-4EED-B2CC-182439F80BA8}" srcOrd="0" destOrd="0" presId="urn:microsoft.com/office/officeart/2005/8/layout/hierarchy6"/>
-    <dgm:cxn modelId="{F5731501-99AB-44A3-AF43-1AAFC2AEBFAF}" type="presOf" srcId="{818A50AE-2897-4A8A-A2D4-C798E3839759}" destId="{6A78302F-C42E-4BD7-B84C-CB25A3C0F412}" srcOrd="0" destOrd="0" presId="urn:microsoft.com/office/officeart/2005/8/layout/hierarchy6"/>
-    <dgm:cxn modelId="{F1101002-5CE5-4FCB-B939-DBDC719D8088}" type="presOf" srcId="{0B8E2C65-A4D7-4B41-A006-CAAA09EDACC5}" destId="{3E27615C-4EFE-4C20-92E5-F66765CC04DB}" srcOrd="0" destOrd="0" presId="urn:microsoft.com/office/officeart/2005/8/layout/hierarchy6"/>
+    <dgm:cxn modelId="{092181AB-6C19-4EB2-9873-D2A1DC6C023B}" type="presOf" srcId="{8FAE6191-0821-4960-BC96-F58E46C703A9}" destId="{98829285-C359-4558-A8AB-ED49C5195838}" srcOrd="0" destOrd="0" presId="urn:microsoft.com/office/officeart/2005/8/layout/hierarchy6"/>
+    <dgm:cxn modelId="{4236A6F7-FF9C-4705-BCEE-4E9B1754C1A2}" type="presOf" srcId="{6331599E-52B8-4A6C-B3A0-6191E729069E}" destId="{FBEC95B0-C69A-4159-A230-69B97543DC08}" srcOrd="0" destOrd="0" presId="urn:microsoft.com/office/officeart/2005/8/layout/hierarchy6"/>
+    <dgm:cxn modelId="{B6555617-2FBB-48E7-9D92-8BC0E336D671}" type="presOf" srcId="{638D4A18-E8B7-45E5-8EAA-4C0D29849159}" destId="{F1CD7CC0-9E0D-4303-82AE-D7A2B5AF17DB}" srcOrd="0" destOrd="0" presId="urn:microsoft.com/office/officeart/2005/8/layout/hierarchy6"/>
+    <dgm:cxn modelId="{965517F4-C9E3-4AEB-9595-DB78F8BE46AA}" type="presOf" srcId="{1CCEED45-57D7-4641-81C9-5908579CE245}" destId="{51E35AD2-0735-436F-A82F-19F611F0258D}" srcOrd="0" destOrd="0" presId="urn:microsoft.com/office/officeart/2005/8/layout/hierarchy6"/>
     <dgm:cxn modelId="{13F68E04-F892-44EA-AC85-5C55BCCACE31}" type="presOf" srcId="{845F5D8C-040E-4743-ACA2-252EB4E11E64}" destId="{9B20D733-63A4-4B62-A174-9E852702C56C}" srcOrd="0" destOrd="0" presId="urn:microsoft.com/office/officeart/2005/8/layout/hierarchy6"/>
-    <dgm:cxn modelId="{466D7E0B-F240-4D21-B075-148F30221A3B}" type="presOf" srcId="{E195E9F6-7564-48BE-A20F-8E15DF27D81A}" destId="{8F73F0A0-EB89-411D-B484-5DDA096E7375}" srcOrd="0" destOrd="0" presId="urn:microsoft.com/office/officeart/2005/8/layout/hierarchy6"/>
+    <dgm:cxn modelId="{7C3DE64C-953A-4B36-89BF-C3A300F94624}" srcId="{984E7E1A-DD08-4E2E-A546-5DAB66C40362}" destId="{FB132DEB-3EBB-4B7B-9E10-1EA28E437B0C}" srcOrd="3" destOrd="0" parTransId="{84BE1630-6BEF-48BE-BEB4-441EA60AE7C5}" sibTransId="{3DA0803E-74EB-47A7-880B-91D87ACD481A}"/>
+    <dgm:cxn modelId="{8EA2144C-00D4-43CC-9DED-FF57F76C3C26}" type="presOf" srcId="{DEA8DC5E-722E-4FFF-BA91-EA999F6AAE91}" destId="{FAE55E79-8B96-4C0A-BE86-86E1DECB95C8}" srcOrd="0" destOrd="0" presId="urn:microsoft.com/office/officeart/2005/8/layout/hierarchy6"/>
     <dgm:cxn modelId="{4236410F-A92F-4C87-BF14-3DA943DADA64}" srcId="{FB132DEB-3EBB-4B7B-9E10-1EA28E437B0C}" destId="{142E7667-7801-477A-80B1-678DFCEE8B9B}" srcOrd="0" destOrd="0" parTransId="{ACDCB4B0-FE3A-4189-B855-4AF36F6C0D74}" sibTransId="{5C06A405-8210-48F4-A408-225051F39FBE}"/>
-    <dgm:cxn modelId="{9258CF10-A21F-436C-8DD6-66D5F2257114}" srcId="{595FCBCB-6F4C-41E0-9D57-CC8BC973C07C}" destId="{7B8C88F9-23A6-428A-9D84-EE8685A0B867}" srcOrd="0" destOrd="0" parTransId="{55BF91F1-8371-43F3-B796-D886F4AEA607}" sibTransId="{AB932049-799D-400F-96A9-390092336D78}"/>
-    <dgm:cxn modelId="{EE720115-9484-482A-880C-C4C55B1A6361}" type="presOf" srcId="{95F92B39-5BD1-41DA-921B-40270E333897}" destId="{EA693939-0FD8-4332-A064-9C5C4989F6C3}" srcOrd="0" destOrd="0" presId="urn:microsoft.com/office/officeart/2005/8/layout/hierarchy6"/>
-    <dgm:cxn modelId="{A82D7115-D175-4E2D-9D2A-0015285A99C9}" type="presOf" srcId="{658605B8-67B6-4965-9219-87AD07A2BD57}" destId="{C7ECFBED-B4C0-49F9-8060-B5CF65818561}" srcOrd="0" destOrd="0" presId="urn:microsoft.com/office/officeart/2005/8/layout/hierarchy6"/>
-    <dgm:cxn modelId="{B6555617-2FBB-48E7-9D92-8BC0E336D671}" type="presOf" srcId="{638D4A18-E8B7-45E5-8EAA-4C0D29849159}" destId="{F1CD7CC0-9E0D-4303-82AE-D7A2B5AF17DB}" srcOrd="0" destOrd="0" presId="urn:microsoft.com/office/officeart/2005/8/layout/hierarchy6"/>
-    <dgm:cxn modelId="{FFBE421A-96E6-4728-9F99-D28C6318BB17}" type="presOf" srcId="{602223CB-CFD7-40C2-91FA-E4E1E82D12F8}" destId="{1B1B1F7A-7EF2-4ACB-B5C6-900D03138544}" srcOrd="0" destOrd="0" presId="urn:microsoft.com/office/officeart/2005/8/layout/hierarchy6"/>
-    <dgm:cxn modelId="{AEAE211C-05CA-406B-A485-10AC5B28C623}" srcId="{8FAE6191-0821-4960-BC96-F58E46C703A9}" destId="{22D68CCB-4BEE-4732-BA18-145918E71689}" srcOrd="0" destOrd="0" parTransId="{845F5D8C-040E-4743-ACA2-252EB4E11E64}" sibTransId="{96F038F0-8321-4A68-ABFB-0F5C2D7FE10A}"/>
-    <dgm:cxn modelId="{585D811E-D1DC-4005-A2E1-10A91687431B}" srcId="{664B246F-00B5-4610-86EB-ACE0B8B7FA38}" destId="{984E7E1A-DD08-4E2E-A546-5DAB66C40362}" srcOrd="0" destOrd="0" parTransId="{AE2E2423-B2F0-4C74-A8DB-4BBE21532EE2}" sibTransId="{54838042-35A6-423A-9D5B-CC6E4DD67A85}"/>
-    <dgm:cxn modelId="{8F478C23-D9B8-4684-87CF-064D223FC730}" type="presOf" srcId="{ACDCB4B0-FE3A-4189-B855-4AF36F6C0D74}" destId="{291C996E-0EB8-4C7C-A09D-BCD184B0D448}" srcOrd="0" destOrd="0" presId="urn:microsoft.com/office/officeart/2005/8/layout/hierarchy6"/>
-    <dgm:cxn modelId="{1DB74C26-04B0-46CF-914A-E108FAEBA0D6}" srcId="{F27108DA-E888-48DE-8C97-7FDC95CC2EF6}" destId="{910FF4E3-4B73-471E-A733-428EDE879319}" srcOrd="0" destOrd="0" parTransId="{F9806694-F79F-4F0F-B80B-D8AEC14A4AE4}" sibTransId="{1559325B-7160-4295-9AC9-2388904B54D3}"/>
-    <dgm:cxn modelId="{5B8EBB31-303D-487F-AEA4-D50AF546E6A4}" type="presOf" srcId="{6343E979-4FE4-4A70-B59E-3E22D3659816}" destId="{95C57D1B-15F4-4DDD-96A4-BFBFEA71B3BB}" srcOrd="0" destOrd="0" presId="urn:microsoft.com/office/officeart/2005/8/layout/hierarchy6"/>
-    <dgm:cxn modelId="{B66F8733-D3FB-45D3-9FD0-68C01E9038CC}" type="presOf" srcId="{4672E1E4-8BCB-4F8A-9715-DD03D099E9B8}" destId="{7F4F1B5F-FC30-4418-B6B9-340A889AAB9A}" srcOrd="0" destOrd="0" presId="urn:microsoft.com/office/officeart/2005/8/layout/hierarchy6"/>
-    <dgm:cxn modelId="{264D0B35-662F-4A1C-A94E-0E07790C5719}" type="presOf" srcId="{595FCBCB-6F4C-41E0-9D57-CC8BC973C07C}" destId="{2D6C4C6A-CE06-40A6-A211-64F15A14B0FC}" srcOrd="0" destOrd="0" presId="urn:microsoft.com/office/officeart/2005/8/layout/hierarchy6"/>
-    <dgm:cxn modelId="{3678BB3C-ABCE-4036-8BF9-7D306D14FF35}" srcId="{984E7E1A-DD08-4E2E-A546-5DAB66C40362}" destId="{F27108DA-E888-48DE-8C97-7FDC95CC2EF6}" srcOrd="5" destOrd="0" parTransId="{39401BF9-8334-48FD-97B1-B5FF75DD8ED7}" sibTransId="{66761398-FF62-4B70-AD78-EE255350EFAC}"/>
-    <dgm:cxn modelId="{8AF7D83C-2A35-4B4E-9A89-87807C35D1FB}" srcId="{C6E69E37-3961-44EE-94E9-D23872BEE4C9}" destId="{DEA8DC5E-722E-4FFF-BA91-EA999F6AAE91}" srcOrd="0" destOrd="0" parTransId="{CA5091F9-074B-4255-B185-C09D0BE2BF7B}" sibTransId="{64D4773E-534A-4E7B-A0A1-8D87DE867EA7}"/>
-    <dgm:cxn modelId="{93F3283D-FB98-4B39-8399-B657990A16F1}" type="presOf" srcId="{CA5091F9-074B-4255-B185-C09D0BE2BF7B}" destId="{CA90F6F9-60A6-482D-9CEF-AA80F0D193AE}" srcOrd="0" destOrd="0" presId="urn:microsoft.com/office/officeart/2005/8/layout/hierarchy6"/>
-    <dgm:cxn modelId="{51C6363D-A016-436F-A5EC-4E1FD4FE7A7E}" type="presOf" srcId="{EBD4D5EB-965D-43EB-B803-B2DBA1A47692}" destId="{ECE94489-582E-4D24-A60B-70DA935857A8}" srcOrd="0" destOrd="0" presId="urn:microsoft.com/office/officeart/2005/8/layout/hierarchy6"/>
-    <dgm:cxn modelId="{C779DB3F-B5DA-40B5-BD04-85BDED782DA3}" type="presOf" srcId="{84BE1630-6BEF-48BE-BEB4-441EA60AE7C5}" destId="{2DFB326B-B609-43F8-A763-08BEA677E07F}" srcOrd="0" destOrd="0" presId="urn:microsoft.com/office/officeart/2005/8/layout/hierarchy6"/>
-    <dgm:cxn modelId="{01CAE140-A84C-4F7A-B2BB-802CF8CC95AC}" type="presOf" srcId="{142E7667-7801-477A-80B1-678DFCEE8B9B}" destId="{FC12F369-519B-4055-B6C8-695637AC848E}" srcOrd="0" destOrd="0" presId="urn:microsoft.com/office/officeart/2005/8/layout/hierarchy6"/>
-    <dgm:cxn modelId="{19A72260-1696-4377-A1D7-7CD65B9FDE05}" type="presOf" srcId="{4CC81563-AFF2-44A9-B9B0-EF1C87661122}" destId="{61106BEE-8394-41F9-A438-4FF037DCC549}" srcOrd="0" destOrd="0" presId="urn:microsoft.com/office/officeart/2005/8/layout/hierarchy6"/>
-    <dgm:cxn modelId="{78257164-1925-4869-B44A-2163251005E0}" type="presOf" srcId="{8EBD0BB1-A983-499A-AFE0-A135C6D6EAF4}" destId="{02AF57A5-5631-4829-8B1F-9F87C7E5BF9A}" srcOrd="0" destOrd="0" presId="urn:microsoft.com/office/officeart/2005/8/layout/hierarchy6"/>
-    <dgm:cxn modelId="{73EF6046-3531-425E-89B1-C08A2836C212}" type="presOf" srcId="{55BF91F1-8371-43F3-B796-D886F4AEA607}" destId="{CF7FDC77-853E-4DFC-9828-0DC60053379E}" srcOrd="0" destOrd="0" presId="urn:microsoft.com/office/officeart/2005/8/layout/hierarchy6"/>
-    <dgm:cxn modelId="{19267D47-12AF-407B-95D0-CE67232A70C6}" type="presOf" srcId="{664B246F-00B5-4610-86EB-ACE0B8B7FA38}" destId="{327FBF58-624F-4F1F-9921-6E06642364B9}" srcOrd="0" destOrd="0" presId="urn:microsoft.com/office/officeart/2005/8/layout/hierarchy6"/>
-    <dgm:cxn modelId="{8F9BFC49-62BA-4DBB-A4FA-FDF3587EA851}" srcId="{6169ABB3-9EA3-4A97-9BDB-7BF1A5E8319C}" destId="{64108CB1-DB75-4E6C-B114-0F078EBFAA65}" srcOrd="0" destOrd="0" parTransId="{4672E1E4-8BCB-4F8A-9715-DD03D099E9B8}" sibTransId="{926064D3-9C23-498F-82E9-95C446588308}"/>
-    <dgm:cxn modelId="{9ABDE14A-C136-42D3-8FC9-0CBFC6B20EDD}" type="presOf" srcId="{D4015DCB-90CE-418D-BA17-E20EB5979634}" destId="{E16ADE93-99AF-45AE-A7EE-51F95CB0B46A}" srcOrd="0" destOrd="0" presId="urn:microsoft.com/office/officeart/2005/8/layout/hierarchy6"/>
-    <dgm:cxn modelId="{8EA2144C-00D4-43CC-9DED-FF57F76C3C26}" type="presOf" srcId="{DEA8DC5E-722E-4FFF-BA91-EA999F6AAE91}" destId="{FAE55E79-8B96-4C0A-BE86-86E1DECB95C8}" srcOrd="0" destOrd="0" presId="urn:microsoft.com/office/officeart/2005/8/layout/hierarchy6"/>
-    <dgm:cxn modelId="{7C3DE64C-953A-4B36-89BF-C3A300F94624}" srcId="{984E7E1A-DD08-4E2E-A546-5DAB66C40362}" destId="{FB132DEB-3EBB-4B7B-9E10-1EA28E437B0C}" srcOrd="3" destOrd="0" parTransId="{84BE1630-6BEF-48BE-BEB4-441EA60AE7C5}" sibTransId="{3DA0803E-74EB-47A7-880B-91D87ACD481A}"/>
-    <dgm:cxn modelId="{6548AE4D-94C7-44BB-95FD-5DD037D3FBD3}" type="presOf" srcId="{78A11304-B47B-426C-80D9-23F105284D80}" destId="{9B8E5F4D-3D7A-47D4-BEB1-7A4D761EC373}" srcOrd="0" destOrd="0" presId="urn:microsoft.com/office/officeart/2005/8/layout/hierarchy6"/>
-    <dgm:cxn modelId="{6193E151-7B4B-421D-8E3E-D3E6FEF0B0BC}" srcId="{64108CB1-DB75-4E6C-B114-0F078EBFAA65}" destId="{210E38F1-6443-4897-BC67-3DC469B10B3A}" srcOrd="0" destOrd="0" parTransId="{658605B8-67B6-4965-9219-87AD07A2BD57}" sibTransId="{0132DBF9-A877-41CA-AAEC-9BACB1A6367E}"/>
-    <dgm:cxn modelId="{E9FD1272-E01D-4880-BFDE-9A1AAA5292D5}" srcId="{910FF4E3-4B73-471E-A733-428EDE879319}" destId="{2B9145D1-EB7E-4900-B323-62729B920F30}" srcOrd="0" destOrd="0" parTransId="{5A1392F2-9813-4C0C-9524-55F25A946D72}" sibTransId="{FE9D72FD-6015-4C6F-8761-506C30B7F8B6}"/>
-    <dgm:cxn modelId="{8145C653-6280-4F2D-8678-3F69D5CD17DF}" type="presOf" srcId="{7B0BD396-2B46-40BD-AC76-2EF21EDDDC81}" destId="{F3B7109E-FC5E-4032-9E48-7AE989930E7F}" srcOrd="0" destOrd="0" presId="urn:microsoft.com/office/officeart/2005/8/layout/hierarchy6"/>
-    <dgm:cxn modelId="{8E0F5C75-BF33-46B4-A61F-D0B9F3D3BE7B}" type="presOf" srcId="{EFFA102A-5D82-49D3-A6E7-45C00C42107B}" destId="{BCE69E19-3950-4634-98DB-22EACA842756}" srcOrd="0" destOrd="0" presId="urn:microsoft.com/office/officeart/2005/8/layout/hierarchy6"/>
-    <dgm:cxn modelId="{0FE9AE56-8660-49F8-84CD-4AF07C5F12FB}" type="presOf" srcId="{39401BF9-8334-48FD-97B1-B5FF75DD8ED7}" destId="{674FAE3C-400A-42DF-AF51-5FE9A33D05FF}" srcOrd="0" destOrd="0" presId="urn:microsoft.com/office/officeart/2005/8/layout/hierarchy6"/>
-    <dgm:cxn modelId="{A7B4A77F-17AC-4C8F-A17C-7ED71A64266B}" type="presOf" srcId="{51635E7D-94AB-42DB-A23F-6B9E2711ADB8}" destId="{439A7915-4019-4A23-8AAB-5EA84524E00E}" srcOrd="0" destOrd="0" presId="urn:microsoft.com/office/officeart/2005/8/layout/hierarchy6"/>
-    <dgm:cxn modelId="{D0DCC87F-FDBD-4AEB-A04B-CC698B69B140}" type="presOf" srcId="{7B8C88F9-23A6-428A-9D84-EE8685A0B867}" destId="{7B17D095-05F0-4567-ACF5-DAE1C7F71050}" srcOrd="0" destOrd="0" presId="urn:microsoft.com/office/officeart/2005/8/layout/hierarchy6"/>
-    <dgm:cxn modelId="{2384D281-B6AE-40D6-9D9D-04418BCD48A4}" type="presOf" srcId="{8D053341-47DE-4A56-8DB5-F4344314674C}" destId="{B6589975-B071-491E-8570-70970CA1F480}" srcOrd="0" destOrd="0" presId="urn:microsoft.com/office/officeart/2005/8/layout/hierarchy6"/>
-    <dgm:cxn modelId="{CE25B188-AF7E-45A6-B483-2C1585C607A0}" srcId="{95F92B39-5BD1-41DA-921B-40270E333897}" destId="{595FCBCB-6F4C-41E0-9D57-CC8BC973C07C}" srcOrd="0" destOrd="0" parTransId="{51635E7D-94AB-42DB-A23F-6B9E2711ADB8}" sibTransId="{0B43550C-8A90-4189-9B67-1225304E0089}"/>
-    <dgm:cxn modelId="{F62D2C8B-4463-41B4-9FA8-643CE8E3126A}" type="presOf" srcId="{F27108DA-E888-48DE-8C97-7FDC95CC2EF6}" destId="{06FE7757-0221-4CB4-905F-C6A4BCBA3C71}" srcOrd="0" destOrd="0" presId="urn:microsoft.com/office/officeart/2005/8/layout/hierarchy6"/>
-    <dgm:cxn modelId="{502F4795-9AF2-4388-ABC6-BA3E03AE3ACC}" type="presOf" srcId="{64108CB1-DB75-4E6C-B114-0F078EBFAA65}" destId="{9E0003AA-36A8-4BDA-A4D5-AE9FD5909BC7}" srcOrd="0" destOrd="0" presId="urn:microsoft.com/office/officeart/2005/8/layout/hierarchy6"/>
-    <dgm:cxn modelId="{30A55F96-8DA0-4EC1-A524-A47232E0498E}" srcId="{638D4A18-E8B7-45E5-8EAA-4C0D29849159}" destId="{D692D1F3-8B04-4096-AA22-E14E93E2AD30}" srcOrd="0" destOrd="0" parTransId="{D4015DCB-90CE-418D-BA17-E20EB5979634}" sibTransId="{9DF5544D-7133-4BEC-80D5-5F4AB2FCACF0}"/>
-    <dgm:cxn modelId="{2931A296-5E67-41F4-B655-2D2D97556CF3}" type="presOf" srcId="{39E7187F-BF44-4434-ABA8-1C914D1E277A}" destId="{F75CBFB9-BF0A-44D1-A33C-B79AA986F053}" srcOrd="0" destOrd="0" presId="urn:microsoft.com/office/officeart/2005/8/layout/hierarchy6"/>
-    <dgm:cxn modelId="{1A358F98-1340-4BF0-A227-6269E1BC5FDB}" srcId="{984E7E1A-DD08-4E2E-A546-5DAB66C40362}" destId="{8FAE6191-0821-4960-BC96-F58E46C703A9}" srcOrd="1" destOrd="0" parTransId="{4CC81563-AFF2-44A9-B9B0-EF1C87661122}" sibTransId="{D7A373A9-FF3D-4DB9-BAA4-871B43426D41}"/>
-    <dgm:cxn modelId="{D47CA79C-8F8E-4F6C-B4A4-DC7B0D45936D}" srcId="{22D68CCB-4BEE-4732-BA18-145918E71689}" destId="{638D4A18-E8B7-45E5-8EAA-4C0D29849159}" srcOrd="0" destOrd="0" parTransId="{6331599E-52B8-4A6C-B3A0-6191E729069E}" sibTransId="{96BDABD5-5B11-468E-B806-E97AD8AE4AFA}"/>
-    <dgm:cxn modelId="{5C8AD39E-048A-4F0B-A4E5-8E7E28CD4E8E}" srcId="{EFFA102A-5D82-49D3-A6E7-45C00C42107B}" destId="{818A50AE-2897-4A8A-A2D4-C798E3839759}" srcOrd="0" destOrd="0" parTransId="{6E64CD67-6FB7-4233-986F-C1A61F90D25C}" sibTransId="{C0AF5DF9-2ED6-42D3-8F8C-F06FCA8338A2}"/>
-    <dgm:cxn modelId="{4B88D7A5-3EC0-4459-AA6F-F6EF968C760A}" type="presOf" srcId="{D0F8BDB2-13EF-4738-B074-310F7068418D}" destId="{508D3B25-CBDB-434C-AECC-728B5C07BAD5}" srcOrd="0" destOrd="0" presId="urn:microsoft.com/office/officeart/2005/8/layout/hierarchy6"/>
-    <dgm:cxn modelId="{50A123AB-70AF-42EF-B4AC-A864625C080A}" type="presOf" srcId="{6E64CD67-6FB7-4233-986F-C1A61F90D25C}" destId="{A181B12C-7C20-4BE9-8886-24DDE0080781}" srcOrd="0" destOrd="0" presId="urn:microsoft.com/office/officeart/2005/8/layout/hierarchy6"/>
-    <dgm:cxn modelId="{092181AB-6C19-4EB2-9873-D2A1DC6C023B}" type="presOf" srcId="{8FAE6191-0821-4960-BC96-F58E46C703A9}" destId="{98829285-C359-4558-A8AB-ED49C5195838}" srcOrd="0" destOrd="0" presId="urn:microsoft.com/office/officeart/2005/8/layout/hierarchy6"/>
-    <dgm:cxn modelId="{BB0EF5AC-564D-459C-B645-0E52862EFB04}" type="presOf" srcId="{910FF4E3-4B73-471E-A733-428EDE879319}" destId="{7A395ACB-AFE5-47F8-A645-E93A88EBEA6B}" srcOrd="0" destOrd="0" presId="urn:microsoft.com/office/officeart/2005/8/layout/hierarchy6"/>
-    <dgm:cxn modelId="{606288B5-F503-4B9D-A927-3107CB71235F}" type="presOf" srcId="{90E52BB7-1EB0-47DC-82EE-28BBD13D64E9}" destId="{EF24AA40-32E7-44EE-B69D-486DD25DA9EB}" srcOrd="0" destOrd="0" presId="urn:microsoft.com/office/officeart/2005/8/layout/hierarchy6"/>
-    <dgm:cxn modelId="{CBB959BD-F310-42E3-94D7-20241BC405C5}" type="presOf" srcId="{210E38F1-6443-4897-BC67-3DC469B10B3A}" destId="{88BF71CB-FA56-4717-8190-D58921A87BD4}" srcOrd="0" destOrd="0" presId="urn:microsoft.com/office/officeart/2005/8/layout/hierarchy6"/>
-    <dgm:cxn modelId="{1A0C89BF-D174-4ED0-8083-1CC9998E7155}" srcId="{8D053341-47DE-4A56-8DB5-F4344314674C}" destId="{EFFA102A-5D82-49D3-A6E7-45C00C42107B}" srcOrd="0" destOrd="0" parTransId="{DFFEDB4F-CB16-440A-AC1A-1DC7D4CDB94A}" sibTransId="{B62333E8-4DCB-4AEF-9231-01F6B6767A44}"/>
     <dgm:cxn modelId="{A1A42AC5-B3CA-474B-A03B-83A5BC59A4EF}" srcId="{984E7E1A-DD08-4E2E-A546-5DAB66C40362}" destId="{8D053341-47DE-4A56-8DB5-F4344314674C}" srcOrd="0" destOrd="0" parTransId="{EBD4D5EB-965D-43EB-B803-B2DBA1A47692}" sibTransId="{176D6055-7813-445A-AD4E-B8512697E12E}"/>
-    <dgm:cxn modelId="{8A33DAC6-D9DF-4D48-B64D-808F92F2B77E}" srcId="{818A50AE-2897-4A8A-A2D4-C798E3839759}" destId="{95F92B39-5BD1-41DA-921B-40270E333897}" srcOrd="0" destOrd="0" parTransId="{78A11304-B47B-426C-80D9-23F105284D80}" sibTransId="{19CA03D8-84BD-45E9-ACB4-36731CEB3A27}"/>
-    <dgm:cxn modelId="{6C09A7CF-ED9E-4F5C-A208-29FC73FCD37A}" srcId="{46EFE5C5-7E26-4632-AB0D-CFDE009726AC}" destId="{C6E69E37-3961-44EE-94E9-D23872BEE4C9}" srcOrd="0" destOrd="0" parTransId="{39E7187F-BF44-4434-ABA8-1C914D1E277A}" sibTransId="{DEA9B8DE-9278-41C4-8958-F47B791467F4}"/>
-    <dgm:cxn modelId="{0D9639D3-0F68-4944-810F-23C0962D110F}" type="presOf" srcId="{28EC855E-094C-4BED-9FB2-2C030C8FFA45}" destId="{F466743B-97CF-4FAA-9E07-3737C57455A5}" srcOrd="0" destOrd="0" presId="urn:microsoft.com/office/officeart/2005/8/layout/hierarchy6"/>
-    <dgm:cxn modelId="{4900DBD3-31F0-49AE-8333-B1D734FB2364}" type="presOf" srcId="{5A1392F2-9813-4C0C-9524-55F25A946D72}" destId="{2BA6003D-FD41-41E9-BCA1-01EBE4EE20D3}" srcOrd="0" destOrd="0" presId="urn:microsoft.com/office/officeart/2005/8/layout/hierarchy6"/>
-    <dgm:cxn modelId="{242DF2D3-F3A7-4348-A721-6000EAFAE055}" srcId="{984E7E1A-DD08-4E2E-A546-5DAB66C40362}" destId="{46EFE5C5-7E26-4632-AB0D-CFDE009726AC}" srcOrd="2" destOrd="0" parTransId="{8EBD0BB1-A983-499A-AFE0-A135C6D6EAF4}" sibTransId="{5914253C-0C02-433E-BBB4-A56090EFD1EA}"/>
-    <dgm:cxn modelId="{FF2520D5-DC6D-4AA8-A9F8-CF8972E73887}" type="presOf" srcId="{984E7E1A-DD08-4E2E-A546-5DAB66C40362}" destId="{AA34BBA1-AEFC-405E-88F0-054659A90B63}" srcOrd="0" destOrd="0" presId="urn:microsoft.com/office/officeart/2005/8/layout/hierarchy6"/>
-    <dgm:cxn modelId="{B822AFDD-53D7-4668-990A-0FC76370D21F}" srcId="{210E38F1-6443-4897-BC67-3DC469B10B3A}" destId="{E195E9F6-7564-48BE-A20F-8E15DF27D81A}" srcOrd="0" destOrd="0" parTransId="{D0F8BDB2-13EF-4738-B074-310F7068418D}" sibTransId="{4A84E83F-0A4E-451D-B074-37C705FAC49A}"/>
-    <dgm:cxn modelId="{9CD9DEDE-0ABC-4BC8-8EED-926624F8029E}" type="presOf" srcId="{F9806694-F79F-4F0F-B80B-D8AEC14A4AE4}" destId="{9F6C2837-18E1-42E8-B36E-26D798F13CAA}" srcOrd="0" destOrd="0" presId="urn:microsoft.com/office/officeart/2005/8/layout/hierarchy6"/>
-    <dgm:cxn modelId="{CA998EDF-D1EC-4F21-BC02-F8E5D809124E}" srcId="{90E52BB7-1EB0-47DC-82EE-28BBD13D64E9}" destId="{65164E71-4DD3-40F1-A30B-EC613D040542}" srcOrd="0" destOrd="0" parTransId="{602223CB-CFD7-40C2-91FA-E4E1E82D12F8}" sibTransId="{21CD02D9-E652-489A-8BF4-F425E3CF6D26}"/>
-    <dgm:cxn modelId="{318806E0-51BA-4146-A58B-683225FF1FD9}" type="presOf" srcId="{65164E71-4DD3-40F1-A30B-EC613D040542}" destId="{D96C27F6-8F1F-4C78-BC8B-2BA73823F3B2}" srcOrd="0" destOrd="0" presId="urn:microsoft.com/office/officeart/2005/8/layout/hierarchy6"/>
-    <dgm:cxn modelId="{95A684E0-D949-4D3E-B0E7-62A76A87E434}" type="presOf" srcId="{22D68CCB-4BEE-4732-BA18-145918E71689}" destId="{66711AFB-4282-4BD5-A024-70EEE22E8ED8}" srcOrd="0" destOrd="0" presId="urn:microsoft.com/office/officeart/2005/8/layout/hierarchy6"/>
-    <dgm:cxn modelId="{8237BEE0-D1B1-440F-9385-3C24B42C9D37}" srcId="{D692D1F3-8B04-4096-AA22-E14E93E2AD30}" destId="{1CCEED45-57D7-4641-81C9-5908579CE245}" srcOrd="0" destOrd="0" parTransId="{0B8E2C65-A4D7-4B41-A006-CAAA09EDACC5}" sibTransId="{3565B9CB-B1EE-400D-B2B9-2B551D737D10}"/>
-    <dgm:cxn modelId="{315020E2-D7B1-470A-A75B-A8A3010E177D}" type="presOf" srcId="{46EFE5C5-7E26-4632-AB0D-CFDE009726AC}" destId="{5B4C9849-DEB8-40B2-959E-E2FFC9C320FA}" srcOrd="0" destOrd="0" presId="urn:microsoft.com/office/officeart/2005/8/layout/hierarchy6"/>
-    <dgm:cxn modelId="{44BC1EE3-FF57-452E-9F1C-1297E9ECAE80}" srcId="{984E7E1A-DD08-4E2E-A546-5DAB66C40362}" destId="{6169ABB3-9EA3-4A97-9BDB-7BF1A5E8319C}" srcOrd="4" destOrd="0" parTransId="{28EC855E-094C-4BED-9FB2-2C030C8FFA45}" sibTransId="{5DD54D20-2A68-4F1C-81FF-4637F3180AB6}"/>
-    <dgm:cxn modelId="{18B771E9-B40D-4B8A-AEDA-9DA0FAD87DAE}" type="presOf" srcId="{6169ABB3-9EA3-4A97-9BDB-7BF1A5E8319C}" destId="{A41A0699-52FD-4C1F-BA71-1940B09DFCB3}" srcOrd="0" destOrd="0" presId="urn:microsoft.com/office/officeart/2005/8/layout/hierarchy6"/>
-    <dgm:cxn modelId="{856BF3EA-08CB-4C8D-9091-C873E64B660B}" type="presOf" srcId="{C6E69E37-3961-44EE-94E9-D23872BEE4C9}" destId="{A53AEAF4-DE63-41BC-865B-CDA9095339F1}" srcOrd="0" destOrd="0" presId="urn:microsoft.com/office/officeart/2005/8/layout/hierarchy6"/>
-    <dgm:cxn modelId="{2FC541EE-72D6-4594-BA4D-2E2FAF5A220F}" type="presOf" srcId="{DFFEDB4F-CB16-440A-AC1A-1DC7D4CDB94A}" destId="{CD65A56E-BEB9-4A66-90D9-A9B1CD0B97DF}" srcOrd="0" destOrd="0" presId="urn:microsoft.com/office/officeart/2005/8/layout/hierarchy6"/>
-    <dgm:cxn modelId="{8BBAB2EF-486F-4C2D-8E6B-30F22B08CEDE}" srcId="{6343E979-4FE4-4A70-B59E-3E22D3659816}" destId="{90E52BB7-1EB0-47DC-82EE-28BBD13D64E9}" srcOrd="0" destOrd="0" parTransId="{7B0BD396-2B46-40BD-AC76-2EF21EDDDC81}" sibTransId="{6C2204E5-3FD4-4E2D-A0D8-AA639C5B78BB}"/>
-    <dgm:cxn modelId="{D9C5D9F2-5AD0-46AC-B53A-0532970DAECF}" type="presOf" srcId="{7A8423F9-E18F-49C7-AF47-88948CD8E18D}" destId="{D7F2430B-BCB5-408D-B434-E52E0A1944C0}" srcOrd="0" destOrd="0" presId="urn:microsoft.com/office/officeart/2005/8/layout/hierarchy6"/>
-    <dgm:cxn modelId="{965517F4-C9E3-4AEB-9595-DB78F8BE46AA}" type="presOf" srcId="{1CCEED45-57D7-4641-81C9-5908579CE245}" destId="{51E35AD2-0735-436F-A82F-19F611F0258D}" srcOrd="0" destOrd="0" presId="urn:microsoft.com/office/officeart/2005/8/layout/hierarchy6"/>
-    <dgm:cxn modelId="{6308E6F4-05B7-49BF-9773-6262DF0A5586}" type="presOf" srcId="{2B9145D1-EB7E-4900-B323-62729B920F30}" destId="{7AC4104E-E4B8-401B-8EEB-D04E808E6EE5}" srcOrd="0" destOrd="0" presId="urn:microsoft.com/office/officeart/2005/8/layout/hierarchy6"/>
-    <dgm:cxn modelId="{4236A6F7-FF9C-4705-BCEE-4E9B1754C1A2}" type="presOf" srcId="{6331599E-52B8-4A6C-B3A0-6191E729069E}" destId="{FBEC95B0-C69A-4159-A230-69B97543DC08}" srcOrd="0" destOrd="0" presId="urn:microsoft.com/office/officeart/2005/8/layout/hierarchy6"/>
-    <dgm:cxn modelId="{E66A6DFA-838B-4265-BAE3-732A6B928409}" srcId="{142E7667-7801-477A-80B1-678DFCEE8B9B}" destId="{6343E979-4FE4-4A70-B59E-3E22D3659816}" srcOrd="0" destOrd="0" parTransId="{7A8423F9-E18F-49C7-AF47-88948CD8E18D}" sibTransId="{A2AAA9C3-C9BC-414E-AD60-200EF2F1EFA3}"/>
-    <dgm:cxn modelId="{62BB2EFC-BB8A-4B92-8454-390B74124D28}" type="presOf" srcId="{D692D1F3-8B04-4096-AA22-E14E93E2AD30}" destId="{DBC340A0-3818-4944-BAC4-6FC41200E407}" srcOrd="0" destOrd="0" presId="urn:microsoft.com/office/officeart/2005/8/layout/hierarchy6"/>
     <dgm:cxn modelId="{FE7B2495-E11B-4F2A-A472-9C4679DD959E}" type="presParOf" srcId="{327FBF58-624F-4F1F-9921-6E06642364B9}" destId="{F042D168-04ED-406A-BCDD-96683E332C13}" srcOrd="0" destOrd="0" presId="urn:microsoft.com/office/officeart/2005/8/layout/hierarchy6"/>
     <dgm:cxn modelId="{F78C82B2-410C-4859-BFB9-C14C59C714CE}" type="presParOf" srcId="{F042D168-04ED-406A-BCDD-96683E332C13}" destId="{7FFCBE30-6850-4976-A6ED-5C6F49188539}" srcOrd="0" destOrd="0" presId="urn:microsoft.com/office/officeart/2005/8/layout/hierarchy6"/>
     <dgm:cxn modelId="{9D50259A-7E3A-4076-BFD8-E98B3AC83138}" type="presParOf" srcId="{7FFCBE30-6850-4976-A6ED-5C6F49188539}" destId="{E2405E1B-AD31-4EB2-A052-20046520C88A}" srcOrd="0" destOrd="0" presId="urn:microsoft.com/office/officeart/2005/8/layout/hierarchy6"/>
@@ -3291,28 +3518,18 @@
           </a:schemeClr>
         </a:solidFill>
         <a:ln w="19050" cap="flat" cmpd="sng" algn="ctr">
-          <a:noFill/>
+          <a:solidFill>
+            <a:schemeClr val="lt1">
+              <a:hueOff val="0"/>
+              <a:satOff val="0"/>
+              <a:lumOff val="0"/>
+              <a:alphaOff val="0"/>
+            </a:schemeClr>
+          </a:solidFill>
           <a:prstDash val="solid"/>
           <a:miter lim="800000"/>
         </a:ln>
-        <a:effectLst>
-          <a:outerShdw blurRad="149987" dist="250190" dir="8460000" algn="ctr" rotWithShape="0">
-            <a:srgbClr val="000000">
-              <a:alpha val="28000"/>
-            </a:srgbClr>
-          </a:outerShdw>
-        </a:effectLst>
-        <a:scene3d>
-          <a:camera prst="orthographicFront">
-            <a:rot lat="0" lon="0" rev="0"/>
-          </a:camera>
-          <a:lightRig rig="contrasting" dir="t">
-            <a:rot lat="0" lon="0" rev="1500000"/>
-          </a:lightRig>
-        </a:scene3d>
-        <a:sp3d prstMaterial="metal">
-          <a:bevelT w="88900" h="88900"/>
-        </a:sp3d>
+        <a:effectLst/>
       </dsp:spPr>
       <dsp:style>
         <a:lnRef idx="3">
@@ -3334,7 +3551,7 @@
         </a:bodyPr>
         <a:lstStyle/>
         <a:p>
-          <a:pPr marL="0" lvl="0" indent="0" algn="ctr" defTabSz="444500">
+          <a:pPr lvl="0" algn="ctr" defTabSz="444500">
             <a:lnSpc>
               <a:spcPct val="90000"/>
             </a:lnSpc>
@@ -3344,15 +3561,14 @@
             <a:spcAft>
               <a:spcPct val="35000"/>
             </a:spcAft>
-            <a:buNone/>
           </a:pPr>
           <a:r>
             <a:rPr lang="es-ES_tradnl" sz="1000" kern="1200" dirty="0"/>
             <a:t>Proyecto </a:t>
           </a:r>
           <a:r>
-            <a:rPr lang="es-ES_tradnl" sz="1000" kern="1200" dirty="0" err="1"/>
-            <a:t>MeCuidas</a:t>
+            <a:rPr lang="es-ES_tradnl" sz="1000" kern="1200" dirty="0" err="1" smtClean="0"/>
+            <a:t>MeCuida</a:t>
           </a:r>
           <a:endParaRPr lang="es-ES" sz="1000" kern="1200" dirty="0"/>
         </a:p>
@@ -3449,28 +3665,18 @@
           </a:schemeClr>
         </a:solidFill>
         <a:ln w="19050" cap="flat" cmpd="sng" algn="ctr">
-          <a:noFill/>
+          <a:solidFill>
+            <a:schemeClr val="lt1">
+              <a:hueOff val="0"/>
+              <a:satOff val="0"/>
+              <a:lumOff val="0"/>
+              <a:alphaOff val="0"/>
+            </a:schemeClr>
+          </a:solidFill>
           <a:prstDash val="solid"/>
           <a:miter lim="800000"/>
         </a:ln>
-        <a:effectLst>
-          <a:outerShdw blurRad="149987" dist="250190" dir="8460000" algn="ctr" rotWithShape="0">
-            <a:srgbClr val="000000">
-              <a:alpha val="28000"/>
-            </a:srgbClr>
-          </a:outerShdw>
-        </a:effectLst>
-        <a:scene3d>
-          <a:camera prst="orthographicFront">
-            <a:rot lat="0" lon="0" rev="0"/>
-          </a:camera>
-          <a:lightRig rig="contrasting" dir="t">
-            <a:rot lat="0" lon="0" rev="1500000"/>
-          </a:lightRig>
-        </a:scene3d>
-        <a:sp3d prstMaterial="metal">
-          <a:bevelT w="88900" h="88900"/>
-        </a:sp3d>
+        <a:effectLst/>
       </dsp:spPr>
       <dsp:style>
         <a:lnRef idx="3">
@@ -3492,7 +3698,7 @@
         </a:bodyPr>
         <a:lstStyle/>
         <a:p>
-          <a:pPr marL="0" lvl="0" indent="0" algn="ctr" defTabSz="444500">
+          <a:pPr lvl="0" algn="ctr" defTabSz="444500">
             <a:lnSpc>
               <a:spcPct val="90000"/>
             </a:lnSpc>
@@ -3502,11 +3708,10 @@
             <a:spcAft>
               <a:spcPct val="35000"/>
             </a:spcAft>
-            <a:buNone/>
           </a:pPr>
           <a:r>
-            <a:rPr lang="es-ES_tradnl" sz="1000" kern="1200" dirty="0"/>
-            <a:t>Análisis</a:t>
+            <a:rPr lang="es-ES_tradnl" sz="1000" kern="1200" dirty="0" smtClean="0"/>
+            <a:t>1. Análisis</a:t>
           </a:r>
           <a:endParaRPr lang="es-ES" sz="1000" kern="1200" dirty="0"/>
         </a:p>
@@ -3597,28 +3802,18 @@
           </a:schemeClr>
         </a:solidFill>
         <a:ln w="19050" cap="flat" cmpd="sng" algn="ctr">
-          <a:noFill/>
+          <a:solidFill>
+            <a:schemeClr val="lt1">
+              <a:hueOff val="0"/>
+              <a:satOff val="0"/>
+              <a:lumOff val="0"/>
+              <a:alphaOff val="0"/>
+            </a:schemeClr>
+          </a:solidFill>
           <a:prstDash val="solid"/>
           <a:miter lim="800000"/>
         </a:ln>
-        <a:effectLst>
-          <a:outerShdw blurRad="149987" dist="250190" dir="8460000" algn="ctr" rotWithShape="0">
-            <a:srgbClr val="000000">
-              <a:alpha val="28000"/>
-            </a:srgbClr>
-          </a:outerShdw>
-        </a:effectLst>
-        <a:scene3d>
-          <a:camera prst="orthographicFront">
-            <a:rot lat="0" lon="0" rev="0"/>
-          </a:camera>
-          <a:lightRig rig="contrasting" dir="t">
-            <a:rot lat="0" lon="0" rev="1500000"/>
-          </a:lightRig>
-        </a:scene3d>
-        <a:sp3d prstMaterial="metal">
-          <a:bevelT w="88900" h="88900"/>
-        </a:sp3d>
+        <a:effectLst/>
       </dsp:spPr>
       <dsp:style>
         <a:lnRef idx="3">
@@ -3640,7 +3835,7 @@
         </a:bodyPr>
         <a:lstStyle/>
         <a:p>
-          <a:pPr marL="0" lvl="0" indent="0" algn="ctr" defTabSz="444500">
+          <a:pPr lvl="0" algn="ctr" defTabSz="444500">
             <a:lnSpc>
               <a:spcPct val="90000"/>
             </a:lnSpc>
@@ -3650,11 +3845,10 @@
             <a:spcAft>
               <a:spcPct val="35000"/>
             </a:spcAft>
-            <a:buNone/>
           </a:pPr>
           <a:r>
-            <a:rPr lang="es-ES_tradnl" sz="1000" kern="1200" dirty="0"/>
-            <a:t>Requerimientos</a:t>
+            <a:rPr lang="es-ES_tradnl" sz="1000" kern="1200" dirty="0" smtClean="0"/>
+            <a:t>1.1. Requerimientos</a:t>
           </a:r>
           <a:endParaRPr lang="es-ES" sz="1000" kern="1200" dirty="0"/>
         </a:p>
@@ -3745,28 +3939,18 @@
           </a:schemeClr>
         </a:solidFill>
         <a:ln w="19050" cap="flat" cmpd="sng" algn="ctr">
-          <a:noFill/>
+          <a:solidFill>
+            <a:schemeClr val="lt1">
+              <a:hueOff val="0"/>
+              <a:satOff val="0"/>
+              <a:lumOff val="0"/>
+              <a:alphaOff val="0"/>
+            </a:schemeClr>
+          </a:solidFill>
           <a:prstDash val="solid"/>
           <a:miter lim="800000"/>
         </a:ln>
-        <a:effectLst>
-          <a:outerShdw blurRad="149987" dist="250190" dir="8460000" algn="ctr" rotWithShape="0">
-            <a:srgbClr val="000000">
-              <a:alpha val="28000"/>
-            </a:srgbClr>
-          </a:outerShdw>
-        </a:effectLst>
-        <a:scene3d>
-          <a:camera prst="orthographicFront">
-            <a:rot lat="0" lon="0" rev="0"/>
-          </a:camera>
-          <a:lightRig rig="contrasting" dir="t">
-            <a:rot lat="0" lon="0" rev="1500000"/>
-          </a:lightRig>
-        </a:scene3d>
-        <a:sp3d prstMaterial="metal">
-          <a:bevelT w="88900" h="88900"/>
-        </a:sp3d>
+        <a:effectLst/>
       </dsp:spPr>
       <dsp:style>
         <a:lnRef idx="3">
@@ -3788,7 +3972,7 @@
         </a:bodyPr>
         <a:lstStyle/>
         <a:p>
-          <a:pPr marL="0" lvl="0" indent="0" algn="ctr" defTabSz="444500">
+          <a:pPr lvl="0" algn="ctr" defTabSz="444500">
             <a:lnSpc>
               <a:spcPct val="90000"/>
             </a:lnSpc>
@@ -3798,11 +3982,10 @@
             <a:spcAft>
               <a:spcPct val="35000"/>
             </a:spcAft>
-            <a:buNone/>
           </a:pPr>
           <a:r>
-            <a:rPr lang="es-ES_tradnl" sz="1000" kern="1200" dirty="0"/>
-            <a:t>Riesgos</a:t>
+            <a:rPr lang="es-ES_tradnl" sz="1000" kern="1200" dirty="0" smtClean="0"/>
+            <a:t>1.2. Riesgos</a:t>
           </a:r>
           <a:endParaRPr lang="es-ES" sz="1000" kern="1200" dirty="0"/>
         </a:p>
@@ -3893,28 +4076,18 @@
           </a:schemeClr>
         </a:solidFill>
         <a:ln w="19050" cap="flat" cmpd="sng" algn="ctr">
-          <a:noFill/>
+          <a:solidFill>
+            <a:schemeClr val="lt1">
+              <a:hueOff val="0"/>
+              <a:satOff val="0"/>
+              <a:lumOff val="0"/>
+              <a:alphaOff val="0"/>
+            </a:schemeClr>
+          </a:solidFill>
           <a:prstDash val="solid"/>
           <a:miter lim="800000"/>
         </a:ln>
-        <a:effectLst>
-          <a:outerShdw blurRad="149987" dist="250190" dir="8460000" algn="ctr" rotWithShape="0">
-            <a:srgbClr val="000000">
-              <a:alpha val="28000"/>
-            </a:srgbClr>
-          </a:outerShdw>
-        </a:effectLst>
-        <a:scene3d>
-          <a:camera prst="orthographicFront">
-            <a:rot lat="0" lon="0" rev="0"/>
-          </a:camera>
-          <a:lightRig rig="contrasting" dir="t">
-            <a:rot lat="0" lon="0" rev="1500000"/>
-          </a:lightRig>
-        </a:scene3d>
-        <a:sp3d prstMaterial="metal">
-          <a:bevelT w="88900" h="88900"/>
-        </a:sp3d>
+        <a:effectLst/>
       </dsp:spPr>
       <dsp:style>
         <a:lnRef idx="3">
@@ -3936,7 +4109,7 @@
         </a:bodyPr>
         <a:lstStyle/>
         <a:p>
-          <a:pPr marL="0" lvl="0" indent="0" algn="ctr" defTabSz="444500">
+          <a:pPr lvl="0" algn="ctr" defTabSz="444500">
             <a:lnSpc>
               <a:spcPct val="90000"/>
             </a:lnSpc>
@@ -3946,11 +4119,10 @@
             <a:spcAft>
               <a:spcPct val="35000"/>
             </a:spcAft>
-            <a:buNone/>
           </a:pPr>
           <a:r>
-            <a:rPr lang="es-ES_tradnl" sz="1000" kern="1200" dirty="0"/>
-            <a:t>Contexto</a:t>
+            <a:rPr lang="es-ES_tradnl" sz="1000" kern="1200" dirty="0" smtClean="0"/>
+            <a:t>1.3. Contexto</a:t>
           </a:r>
           <a:endParaRPr lang="es-ES" sz="1000" kern="1200" dirty="0"/>
         </a:p>
@@ -4041,28 +4213,18 @@
           </a:schemeClr>
         </a:solidFill>
         <a:ln w="19050" cap="flat" cmpd="sng" algn="ctr">
-          <a:noFill/>
+          <a:solidFill>
+            <a:schemeClr val="lt1">
+              <a:hueOff val="0"/>
+              <a:satOff val="0"/>
+              <a:lumOff val="0"/>
+              <a:alphaOff val="0"/>
+            </a:schemeClr>
+          </a:solidFill>
           <a:prstDash val="solid"/>
           <a:miter lim="800000"/>
         </a:ln>
-        <a:effectLst>
-          <a:outerShdw blurRad="149987" dist="250190" dir="8460000" algn="ctr" rotWithShape="0">
-            <a:srgbClr val="000000">
-              <a:alpha val="28000"/>
-            </a:srgbClr>
-          </a:outerShdw>
-        </a:effectLst>
-        <a:scene3d>
-          <a:camera prst="orthographicFront">
-            <a:rot lat="0" lon="0" rev="0"/>
-          </a:camera>
-          <a:lightRig rig="contrasting" dir="t">
-            <a:rot lat="0" lon="0" rev="1500000"/>
-          </a:lightRig>
-        </a:scene3d>
-        <a:sp3d prstMaterial="metal">
-          <a:bevelT w="88900" h="88900"/>
-        </a:sp3d>
+        <a:effectLst/>
       </dsp:spPr>
       <dsp:style>
         <a:lnRef idx="3">
@@ -4084,7 +4246,7 @@
         </a:bodyPr>
         <a:lstStyle/>
         <a:p>
-          <a:pPr marL="0" lvl="0" indent="0" algn="ctr" defTabSz="444500">
+          <a:pPr lvl="0" algn="ctr" defTabSz="444500">
             <a:lnSpc>
               <a:spcPct val="90000"/>
             </a:lnSpc>
@@ -4094,11 +4256,14 @@
             <a:spcAft>
               <a:spcPct val="35000"/>
             </a:spcAft>
-            <a:buNone/>
           </a:pPr>
           <a:r>
+            <a:rPr lang="es-ES_tradnl" sz="1000" kern="1200" dirty="0" smtClean="0"/>
+            <a:t>1.4. Documentación </a:t>
+          </a:r>
+          <a:r>
             <a:rPr lang="es-ES_tradnl" sz="1000" kern="1200" dirty="0"/>
-            <a:t>Documentación Inicial</a:t>
+            <a:t>Inicial</a:t>
           </a:r>
           <a:endParaRPr lang="es-ES" sz="1000" kern="1200" dirty="0"/>
         </a:p>
@@ -4189,28 +4354,18 @@
           </a:schemeClr>
         </a:solidFill>
         <a:ln w="19050" cap="flat" cmpd="sng" algn="ctr">
-          <a:noFill/>
+          <a:solidFill>
+            <a:schemeClr val="lt1">
+              <a:hueOff val="0"/>
+              <a:satOff val="0"/>
+              <a:lumOff val="0"/>
+              <a:alphaOff val="0"/>
+            </a:schemeClr>
+          </a:solidFill>
           <a:prstDash val="solid"/>
           <a:miter lim="800000"/>
         </a:ln>
-        <a:effectLst>
-          <a:outerShdw blurRad="149987" dist="250190" dir="8460000" algn="ctr" rotWithShape="0">
-            <a:srgbClr val="000000">
-              <a:alpha val="28000"/>
-            </a:srgbClr>
-          </a:outerShdw>
-        </a:effectLst>
-        <a:scene3d>
-          <a:camera prst="orthographicFront">
-            <a:rot lat="0" lon="0" rev="0"/>
-          </a:camera>
-          <a:lightRig rig="contrasting" dir="t">
-            <a:rot lat="0" lon="0" rev="1500000"/>
-          </a:lightRig>
-        </a:scene3d>
-        <a:sp3d prstMaterial="metal">
-          <a:bevelT w="88900" h="88900"/>
-        </a:sp3d>
+        <a:effectLst/>
       </dsp:spPr>
       <dsp:style>
         <a:lnRef idx="3">
@@ -4232,7 +4387,7 @@
         </a:bodyPr>
         <a:lstStyle/>
         <a:p>
-          <a:pPr marL="0" lvl="0" indent="0" algn="ctr" defTabSz="444500">
+          <a:pPr lvl="0" algn="ctr" defTabSz="444500">
             <a:lnSpc>
               <a:spcPct val="90000"/>
             </a:lnSpc>
@@ -4242,11 +4397,14 @@
             <a:spcAft>
               <a:spcPct val="35000"/>
             </a:spcAft>
-            <a:buNone/>
           </a:pPr>
           <a:r>
+            <a:rPr lang="es-ES_tradnl" sz="1000" kern="1200" dirty="0" smtClean="0"/>
+            <a:t>1.5. Identificación </a:t>
+          </a:r>
+          <a:r>
             <a:rPr lang="es-ES_tradnl" sz="1000" kern="1200" dirty="0"/>
-            <a:t>Identificación de interesados</a:t>
+            <a:t>de interesados</a:t>
           </a:r>
           <a:endParaRPr lang="es-ES" sz="1000" kern="1200" dirty="0"/>
         </a:p>
@@ -4343,28 +4501,18 @@
           </a:schemeClr>
         </a:solidFill>
         <a:ln w="19050" cap="flat" cmpd="sng" algn="ctr">
-          <a:noFill/>
+          <a:solidFill>
+            <a:schemeClr val="lt1">
+              <a:hueOff val="0"/>
+              <a:satOff val="0"/>
+              <a:lumOff val="0"/>
+              <a:alphaOff val="0"/>
+            </a:schemeClr>
+          </a:solidFill>
           <a:prstDash val="solid"/>
           <a:miter lim="800000"/>
         </a:ln>
-        <a:effectLst>
-          <a:outerShdw blurRad="149987" dist="250190" dir="8460000" algn="ctr" rotWithShape="0">
-            <a:srgbClr val="000000">
-              <a:alpha val="28000"/>
-            </a:srgbClr>
-          </a:outerShdw>
-        </a:effectLst>
-        <a:scene3d>
-          <a:camera prst="orthographicFront">
-            <a:rot lat="0" lon="0" rev="0"/>
-          </a:camera>
-          <a:lightRig rig="contrasting" dir="t">
-            <a:rot lat="0" lon="0" rev="1500000"/>
-          </a:lightRig>
-        </a:scene3d>
-        <a:sp3d prstMaterial="metal">
-          <a:bevelT w="88900" h="88900"/>
-        </a:sp3d>
+        <a:effectLst/>
       </dsp:spPr>
       <dsp:style>
         <a:lnRef idx="3">
@@ -4386,7 +4534,7 @@
         </a:bodyPr>
         <a:lstStyle/>
         <a:p>
-          <a:pPr marL="0" lvl="0" indent="0" algn="ctr" defTabSz="444500">
+          <a:pPr lvl="0" algn="ctr" defTabSz="444500">
             <a:lnSpc>
               <a:spcPct val="90000"/>
             </a:lnSpc>
@@ -4396,11 +4544,10 @@
             <a:spcAft>
               <a:spcPct val="35000"/>
             </a:spcAft>
-            <a:buNone/>
           </a:pPr>
           <a:r>
-            <a:rPr lang="es-ES_tradnl" sz="1000" kern="1200" dirty="0"/>
-            <a:t>Planificación</a:t>
+            <a:rPr lang="es-ES_tradnl" sz="1000" kern="1200" dirty="0" smtClean="0"/>
+            <a:t>2. Planificación</a:t>
           </a:r>
           <a:endParaRPr lang="es-ES" sz="1000" kern="1200" dirty="0"/>
         </a:p>
@@ -4491,28 +4638,18 @@
           </a:schemeClr>
         </a:solidFill>
         <a:ln w="19050" cap="flat" cmpd="sng" algn="ctr">
-          <a:noFill/>
+          <a:solidFill>
+            <a:schemeClr val="lt1">
+              <a:hueOff val="0"/>
+              <a:satOff val="0"/>
+              <a:lumOff val="0"/>
+              <a:alphaOff val="0"/>
+            </a:schemeClr>
+          </a:solidFill>
           <a:prstDash val="solid"/>
           <a:miter lim="800000"/>
         </a:ln>
-        <a:effectLst>
-          <a:outerShdw blurRad="149987" dist="250190" dir="8460000" algn="ctr" rotWithShape="0">
-            <a:srgbClr val="000000">
-              <a:alpha val="28000"/>
-            </a:srgbClr>
-          </a:outerShdw>
-        </a:effectLst>
-        <a:scene3d>
-          <a:camera prst="orthographicFront">
-            <a:rot lat="0" lon="0" rev="0"/>
-          </a:camera>
-          <a:lightRig rig="contrasting" dir="t">
-            <a:rot lat="0" lon="0" rev="1500000"/>
-          </a:lightRig>
-        </a:scene3d>
-        <a:sp3d prstMaterial="metal">
-          <a:bevelT w="88900" h="88900"/>
-        </a:sp3d>
+        <a:effectLst/>
       </dsp:spPr>
       <dsp:style>
         <a:lnRef idx="3">
@@ -4534,7 +4671,7 @@
         </a:bodyPr>
         <a:lstStyle/>
         <a:p>
-          <a:pPr marL="0" lvl="0" indent="0" algn="ctr" defTabSz="444500">
+          <a:pPr lvl="0" algn="ctr" defTabSz="444500">
             <a:lnSpc>
               <a:spcPct val="90000"/>
             </a:lnSpc>
@@ -4544,11 +4681,10 @@
             <a:spcAft>
               <a:spcPct val="35000"/>
             </a:spcAft>
-            <a:buNone/>
           </a:pPr>
           <a:r>
-            <a:rPr lang="es-ES_tradnl" sz="1000" kern="1200" dirty="0"/>
-            <a:t>Acuerdos</a:t>
+            <a:rPr lang="es-ES_tradnl" sz="1000" kern="1200" dirty="0" smtClean="0"/>
+            <a:t>2.1. Acuerdos</a:t>
           </a:r>
           <a:endParaRPr lang="es-ES" sz="1000" kern="1200" dirty="0"/>
         </a:p>
@@ -4639,28 +4775,18 @@
           </a:schemeClr>
         </a:solidFill>
         <a:ln w="19050" cap="flat" cmpd="sng" algn="ctr">
-          <a:noFill/>
+          <a:solidFill>
+            <a:schemeClr val="lt1">
+              <a:hueOff val="0"/>
+              <a:satOff val="0"/>
+              <a:lumOff val="0"/>
+              <a:alphaOff val="0"/>
+            </a:schemeClr>
+          </a:solidFill>
           <a:prstDash val="solid"/>
           <a:miter lim="800000"/>
         </a:ln>
-        <a:effectLst>
-          <a:outerShdw blurRad="149987" dist="250190" dir="8460000" algn="ctr" rotWithShape="0">
-            <a:srgbClr val="000000">
-              <a:alpha val="28000"/>
-            </a:srgbClr>
-          </a:outerShdw>
-        </a:effectLst>
-        <a:scene3d>
-          <a:camera prst="orthographicFront">
-            <a:rot lat="0" lon="0" rev="0"/>
-          </a:camera>
-          <a:lightRig rig="contrasting" dir="t">
-            <a:rot lat="0" lon="0" rev="1500000"/>
-          </a:lightRig>
-        </a:scene3d>
-        <a:sp3d prstMaterial="metal">
-          <a:bevelT w="88900" h="88900"/>
-        </a:sp3d>
+        <a:effectLst/>
       </dsp:spPr>
       <dsp:style>
         <a:lnRef idx="3">
@@ -4682,7 +4808,7 @@
         </a:bodyPr>
         <a:lstStyle/>
         <a:p>
-          <a:pPr marL="0" lvl="0" indent="0" algn="ctr" defTabSz="444500">
+          <a:pPr lvl="0" algn="ctr" defTabSz="444500">
             <a:lnSpc>
               <a:spcPct val="90000"/>
             </a:lnSpc>
@@ -4692,11 +4818,10 @@
             <a:spcAft>
               <a:spcPct val="35000"/>
             </a:spcAft>
-            <a:buNone/>
           </a:pPr>
           <a:r>
-            <a:rPr lang="es-ES_tradnl" sz="1000" kern="1200" dirty="0"/>
-            <a:t>Reuniones</a:t>
+            <a:rPr lang="es-ES_tradnl" sz="1000" kern="1200" dirty="0" smtClean="0"/>
+            <a:t>2.2. Reuniones</a:t>
           </a:r>
           <a:endParaRPr lang="es-ES" sz="1000" kern="1200" dirty="0"/>
         </a:p>
@@ -4787,28 +4912,18 @@
           </a:schemeClr>
         </a:solidFill>
         <a:ln w="19050" cap="flat" cmpd="sng" algn="ctr">
-          <a:noFill/>
+          <a:solidFill>
+            <a:schemeClr val="lt1">
+              <a:hueOff val="0"/>
+              <a:satOff val="0"/>
+              <a:lumOff val="0"/>
+              <a:alphaOff val="0"/>
+            </a:schemeClr>
+          </a:solidFill>
           <a:prstDash val="solid"/>
           <a:miter lim="800000"/>
         </a:ln>
-        <a:effectLst>
-          <a:outerShdw blurRad="149987" dist="250190" dir="8460000" algn="ctr" rotWithShape="0">
-            <a:srgbClr val="000000">
-              <a:alpha val="28000"/>
-            </a:srgbClr>
-          </a:outerShdw>
-        </a:effectLst>
-        <a:scene3d>
-          <a:camera prst="orthographicFront">
-            <a:rot lat="0" lon="0" rev="0"/>
-          </a:camera>
-          <a:lightRig rig="contrasting" dir="t">
-            <a:rot lat="0" lon="0" rev="1500000"/>
-          </a:lightRig>
-        </a:scene3d>
-        <a:sp3d prstMaterial="metal">
-          <a:bevelT w="88900" h="88900"/>
-        </a:sp3d>
+        <a:effectLst/>
       </dsp:spPr>
       <dsp:style>
         <a:lnRef idx="3">
@@ -4830,7 +4945,7 @@
         </a:bodyPr>
         <a:lstStyle/>
         <a:p>
-          <a:pPr marL="0" lvl="0" indent="0" algn="ctr" defTabSz="444500">
+          <a:pPr lvl="0" algn="ctr" defTabSz="444500">
             <a:lnSpc>
               <a:spcPct val="90000"/>
             </a:lnSpc>
@@ -4840,11 +4955,14 @@
             <a:spcAft>
               <a:spcPct val="35000"/>
             </a:spcAft>
-            <a:buNone/>
           </a:pPr>
           <a:r>
+            <a:rPr lang="es-ES_tradnl" sz="1000" kern="1200" dirty="0" smtClean="0"/>
+            <a:t>2.3. Calidad </a:t>
+          </a:r>
+          <a:r>
             <a:rPr lang="es-ES_tradnl" sz="1000" kern="1200" dirty="0"/>
-            <a:t>Calidad y Validación</a:t>
+            <a:t>y Validación</a:t>
           </a:r>
           <a:endParaRPr lang="es-ES" sz="1000" kern="1200" dirty="0"/>
         </a:p>
@@ -4935,28 +5053,18 @@
           </a:schemeClr>
         </a:solidFill>
         <a:ln w="19050" cap="flat" cmpd="sng" algn="ctr">
-          <a:noFill/>
+          <a:solidFill>
+            <a:schemeClr val="lt1">
+              <a:hueOff val="0"/>
+              <a:satOff val="0"/>
+              <a:lumOff val="0"/>
+              <a:alphaOff val="0"/>
+            </a:schemeClr>
+          </a:solidFill>
           <a:prstDash val="solid"/>
           <a:miter lim="800000"/>
         </a:ln>
-        <a:effectLst>
-          <a:outerShdw blurRad="149987" dist="250190" dir="8460000" algn="ctr" rotWithShape="0">
-            <a:srgbClr val="000000">
-              <a:alpha val="28000"/>
-            </a:srgbClr>
-          </a:outerShdw>
-        </a:effectLst>
-        <a:scene3d>
-          <a:camera prst="orthographicFront">
-            <a:rot lat="0" lon="0" rev="0"/>
-          </a:camera>
-          <a:lightRig rig="contrasting" dir="t">
-            <a:rot lat="0" lon="0" rev="1500000"/>
-          </a:lightRig>
-        </a:scene3d>
-        <a:sp3d prstMaterial="metal">
-          <a:bevelT w="88900" h="88900"/>
-        </a:sp3d>
+        <a:effectLst/>
       </dsp:spPr>
       <dsp:style>
         <a:lnRef idx="3">
@@ -4978,7 +5086,7 @@
         </a:bodyPr>
         <a:lstStyle/>
         <a:p>
-          <a:pPr marL="0" lvl="0" indent="0" algn="ctr" defTabSz="444500">
+          <a:pPr lvl="0" algn="ctr" defTabSz="444500">
             <a:lnSpc>
               <a:spcPct val="90000"/>
             </a:lnSpc>
@@ -4988,11 +5096,10 @@
             <a:spcAft>
               <a:spcPct val="35000"/>
             </a:spcAft>
-            <a:buNone/>
           </a:pPr>
           <a:r>
-            <a:rPr lang="es-ES_tradnl" sz="1000" kern="1200" dirty="0"/>
-            <a:t>Cronograma</a:t>
+            <a:rPr lang="es-ES_tradnl" sz="1000" kern="1200" dirty="0" smtClean="0"/>
+            <a:t>2.4. Cronograma</a:t>
           </a:r>
           <a:endParaRPr lang="es-ES" sz="1000" kern="1200" dirty="0"/>
         </a:p>
@@ -5089,28 +5196,18 @@
           </a:schemeClr>
         </a:solidFill>
         <a:ln w="19050" cap="flat" cmpd="sng" algn="ctr">
-          <a:noFill/>
+          <a:solidFill>
+            <a:schemeClr val="lt1">
+              <a:hueOff val="0"/>
+              <a:satOff val="0"/>
+              <a:lumOff val="0"/>
+              <a:alphaOff val="0"/>
+            </a:schemeClr>
+          </a:solidFill>
           <a:prstDash val="solid"/>
           <a:miter lim="800000"/>
         </a:ln>
-        <a:effectLst>
-          <a:outerShdw blurRad="149987" dist="250190" dir="8460000" algn="ctr" rotWithShape="0">
-            <a:srgbClr val="000000">
-              <a:alpha val="28000"/>
-            </a:srgbClr>
-          </a:outerShdw>
-        </a:effectLst>
-        <a:scene3d>
-          <a:camera prst="orthographicFront">
-            <a:rot lat="0" lon="0" rev="0"/>
-          </a:camera>
-          <a:lightRig rig="contrasting" dir="t">
-            <a:rot lat="0" lon="0" rev="1500000"/>
-          </a:lightRig>
-        </a:scene3d>
-        <a:sp3d prstMaterial="metal">
-          <a:bevelT w="88900" h="88900"/>
-        </a:sp3d>
+        <a:effectLst/>
       </dsp:spPr>
       <dsp:style>
         <a:lnRef idx="3">
@@ -5132,7 +5229,7 @@
         </a:bodyPr>
         <a:lstStyle/>
         <a:p>
-          <a:pPr marL="0" lvl="0" indent="0" algn="ctr" defTabSz="444500">
+          <a:pPr lvl="0" algn="ctr" defTabSz="444500">
             <a:lnSpc>
               <a:spcPct val="90000"/>
             </a:lnSpc>
@@ -5142,11 +5239,10 @@
             <a:spcAft>
               <a:spcPct val="35000"/>
             </a:spcAft>
-            <a:buNone/>
           </a:pPr>
           <a:r>
-            <a:rPr lang="es-ES_tradnl" sz="1000" kern="1200" dirty="0"/>
-            <a:t>Desarrollo</a:t>
+            <a:rPr lang="es-ES_tradnl" sz="1000" kern="1200" dirty="0" smtClean="0"/>
+            <a:t>3. Desarrollo</a:t>
           </a:r>
           <a:endParaRPr lang="es-ES" sz="1000" kern="1200" dirty="0"/>
         </a:p>
@@ -5237,28 +5333,18 @@
           </a:schemeClr>
         </a:solidFill>
         <a:ln w="19050" cap="flat" cmpd="sng" algn="ctr">
-          <a:noFill/>
+          <a:solidFill>
+            <a:schemeClr val="lt1">
+              <a:hueOff val="0"/>
+              <a:satOff val="0"/>
+              <a:lumOff val="0"/>
+              <a:alphaOff val="0"/>
+            </a:schemeClr>
+          </a:solidFill>
           <a:prstDash val="solid"/>
           <a:miter lim="800000"/>
         </a:ln>
-        <a:effectLst>
-          <a:outerShdw blurRad="149987" dist="250190" dir="8460000" algn="ctr" rotWithShape="0">
-            <a:srgbClr val="000000">
-              <a:alpha val="28000"/>
-            </a:srgbClr>
-          </a:outerShdw>
-        </a:effectLst>
-        <a:scene3d>
-          <a:camera prst="orthographicFront">
-            <a:rot lat="0" lon="0" rev="0"/>
-          </a:camera>
-          <a:lightRig rig="contrasting" dir="t">
-            <a:rot lat="0" lon="0" rev="1500000"/>
-          </a:lightRig>
-        </a:scene3d>
-        <a:sp3d prstMaterial="metal">
-          <a:bevelT w="88900" h="88900"/>
-        </a:sp3d>
+        <a:effectLst/>
       </dsp:spPr>
       <dsp:style>
         <a:lnRef idx="3">
@@ -5280,7 +5366,7 @@
         </a:bodyPr>
         <a:lstStyle/>
         <a:p>
-          <a:pPr marL="0" lvl="0" indent="0" algn="ctr" defTabSz="444500">
+          <a:pPr lvl="0" algn="ctr" defTabSz="444500">
             <a:lnSpc>
               <a:spcPct val="90000"/>
             </a:lnSpc>
@@ -5290,11 +5376,14 @@
             <a:spcAft>
               <a:spcPct val="35000"/>
             </a:spcAft>
-            <a:buNone/>
           </a:pPr>
           <a:r>
+            <a:rPr lang="es-ES_tradnl" sz="1000" kern="1200" dirty="0" smtClean="0"/>
+            <a:t>3.1. Control </a:t>
+          </a:r>
+          <a:r>
             <a:rPr lang="es-ES_tradnl" sz="1000" kern="1200" dirty="0"/>
-            <a:t>Control de procesos</a:t>
+            <a:t>de procesos</a:t>
           </a:r>
           <a:endParaRPr lang="es-ES" sz="1000" kern="1200" dirty="0"/>
         </a:p>
@@ -5385,28 +5474,18 @@
           </a:schemeClr>
         </a:solidFill>
         <a:ln w="19050" cap="flat" cmpd="sng" algn="ctr">
-          <a:noFill/>
+          <a:solidFill>
+            <a:schemeClr val="lt1">
+              <a:hueOff val="0"/>
+              <a:satOff val="0"/>
+              <a:lumOff val="0"/>
+              <a:alphaOff val="0"/>
+            </a:schemeClr>
+          </a:solidFill>
           <a:prstDash val="solid"/>
           <a:miter lim="800000"/>
         </a:ln>
-        <a:effectLst>
-          <a:outerShdw blurRad="149987" dist="250190" dir="8460000" algn="ctr" rotWithShape="0">
-            <a:srgbClr val="000000">
-              <a:alpha val="28000"/>
-            </a:srgbClr>
-          </a:outerShdw>
-        </a:effectLst>
-        <a:scene3d>
-          <a:camera prst="orthographicFront">
-            <a:rot lat="0" lon="0" rev="0"/>
-          </a:camera>
-          <a:lightRig rig="contrasting" dir="t">
-            <a:rot lat="0" lon="0" rev="1500000"/>
-          </a:lightRig>
-        </a:scene3d>
-        <a:sp3d prstMaterial="metal">
-          <a:bevelT w="88900" h="88900"/>
-        </a:sp3d>
+        <a:effectLst/>
       </dsp:spPr>
       <dsp:style>
         <a:lnRef idx="3">
@@ -5428,7 +5507,7 @@
         </a:bodyPr>
         <a:lstStyle/>
         <a:p>
-          <a:pPr marL="0" lvl="0" indent="0" algn="ctr" defTabSz="444500">
+          <a:pPr lvl="0" algn="ctr" defTabSz="444500">
             <a:lnSpc>
               <a:spcPct val="90000"/>
             </a:lnSpc>
@@ -5438,11 +5517,14 @@
             <a:spcAft>
               <a:spcPct val="35000"/>
             </a:spcAft>
-            <a:buNone/>
           </a:pPr>
           <a:r>
+            <a:rPr lang="es-ES_tradnl" sz="1000" kern="1200" dirty="0" smtClean="0"/>
+            <a:t>3.2. Gestión </a:t>
+          </a:r>
+          <a:r>
             <a:rPr lang="es-ES_tradnl" sz="1000" kern="1200" dirty="0"/>
-            <a:t>Gestión de compras</a:t>
+            <a:t>de compras</a:t>
           </a:r>
           <a:endParaRPr lang="es-ES" sz="1000" kern="1200" dirty="0"/>
         </a:p>
@@ -5539,28 +5621,18 @@
           </a:schemeClr>
         </a:solidFill>
         <a:ln w="19050" cap="flat" cmpd="sng" algn="ctr">
-          <a:noFill/>
+          <a:solidFill>
+            <a:schemeClr val="lt1">
+              <a:hueOff val="0"/>
+              <a:satOff val="0"/>
+              <a:lumOff val="0"/>
+              <a:alphaOff val="0"/>
+            </a:schemeClr>
+          </a:solidFill>
           <a:prstDash val="solid"/>
           <a:miter lim="800000"/>
         </a:ln>
-        <a:effectLst>
-          <a:outerShdw blurRad="149987" dist="250190" dir="8460000" algn="ctr" rotWithShape="0">
-            <a:srgbClr val="000000">
-              <a:alpha val="28000"/>
-            </a:srgbClr>
-          </a:outerShdw>
-        </a:effectLst>
-        <a:scene3d>
-          <a:camera prst="orthographicFront">
-            <a:rot lat="0" lon="0" rev="0"/>
-          </a:camera>
-          <a:lightRig rig="contrasting" dir="t">
-            <a:rot lat="0" lon="0" rev="1500000"/>
-          </a:lightRig>
-        </a:scene3d>
-        <a:sp3d prstMaterial="metal">
-          <a:bevelT w="88900" h="88900"/>
-        </a:sp3d>
+        <a:effectLst/>
       </dsp:spPr>
       <dsp:style>
         <a:lnRef idx="3">
@@ -5582,7 +5654,7 @@
         </a:bodyPr>
         <a:lstStyle/>
         <a:p>
-          <a:pPr marL="0" lvl="0" indent="0" algn="ctr" defTabSz="444500">
+          <a:pPr lvl="0" algn="ctr" defTabSz="444500">
             <a:lnSpc>
               <a:spcPct val="90000"/>
             </a:lnSpc>
@@ -5592,11 +5664,10 @@
             <a:spcAft>
               <a:spcPct val="35000"/>
             </a:spcAft>
-            <a:buNone/>
           </a:pPr>
           <a:r>
-            <a:rPr lang="es-ES_tradnl" sz="1000" kern="1200" dirty="0"/>
-            <a:t>Formación</a:t>
+            <a:rPr lang="es-ES_tradnl" sz="1000" kern="1200" dirty="0" smtClean="0"/>
+            <a:t>4. Formación</a:t>
           </a:r>
           <a:endParaRPr lang="es-ES" sz="1000" kern="1200" dirty="0"/>
         </a:p>
@@ -5687,28 +5758,18 @@
           </a:schemeClr>
         </a:solidFill>
         <a:ln w="19050" cap="flat" cmpd="sng" algn="ctr">
-          <a:noFill/>
+          <a:solidFill>
+            <a:schemeClr val="lt1">
+              <a:hueOff val="0"/>
+              <a:satOff val="0"/>
+              <a:lumOff val="0"/>
+              <a:alphaOff val="0"/>
+            </a:schemeClr>
+          </a:solidFill>
           <a:prstDash val="solid"/>
           <a:miter lim="800000"/>
         </a:ln>
-        <a:effectLst>
-          <a:outerShdw blurRad="149987" dist="250190" dir="8460000" algn="ctr" rotWithShape="0">
-            <a:srgbClr val="000000">
-              <a:alpha val="28000"/>
-            </a:srgbClr>
-          </a:outerShdw>
-        </a:effectLst>
-        <a:scene3d>
-          <a:camera prst="orthographicFront">
-            <a:rot lat="0" lon="0" rev="0"/>
-          </a:camera>
-          <a:lightRig rig="contrasting" dir="t">
-            <a:rot lat="0" lon="0" rev="1500000"/>
-          </a:lightRig>
-        </a:scene3d>
-        <a:sp3d prstMaterial="metal">
-          <a:bevelT w="88900" h="88900"/>
-        </a:sp3d>
+        <a:effectLst/>
       </dsp:spPr>
       <dsp:style>
         <a:lnRef idx="3">
@@ -5730,7 +5791,7 @@
         </a:bodyPr>
         <a:lstStyle/>
         <a:p>
-          <a:pPr marL="0" lvl="0" indent="0" algn="ctr" defTabSz="444500">
+          <a:pPr lvl="0" algn="ctr" defTabSz="444500">
             <a:lnSpc>
               <a:spcPct val="90000"/>
             </a:lnSpc>
@@ -5740,11 +5801,10 @@
             <a:spcAft>
               <a:spcPct val="35000"/>
             </a:spcAft>
-            <a:buNone/>
           </a:pPr>
           <a:r>
-            <a:rPr lang="es-ES_tradnl" sz="1000" kern="1200" dirty="0"/>
-            <a:t>Cursos</a:t>
+            <a:rPr lang="es-ES_tradnl" sz="1000" kern="1200" dirty="0" smtClean="0"/>
+            <a:t>4.1. Cursos</a:t>
           </a:r>
           <a:endParaRPr lang="es-ES" sz="1000" kern="1200" dirty="0"/>
         </a:p>
@@ -5835,28 +5895,18 @@
           </a:schemeClr>
         </a:solidFill>
         <a:ln w="19050" cap="flat" cmpd="sng" algn="ctr">
-          <a:noFill/>
+          <a:solidFill>
+            <a:schemeClr val="lt1">
+              <a:hueOff val="0"/>
+              <a:satOff val="0"/>
+              <a:lumOff val="0"/>
+              <a:alphaOff val="0"/>
+            </a:schemeClr>
+          </a:solidFill>
           <a:prstDash val="solid"/>
           <a:miter lim="800000"/>
         </a:ln>
-        <a:effectLst>
-          <a:outerShdw blurRad="149987" dist="250190" dir="8460000" algn="ctr" rotWithShape="0">
-            <a:srgbClr val="000000">
-              <a:alpha val="28000"/>
-            </a:srgbClr>
-          </a:outerShdw>
-        </a:effectLst>
-        <a:scene3d>
-          <a:camera prst="orthographicFront">
-            <a:rot lat="0" lon="0" rev="0"/>
-          </a:camera>
-          <a:lightRig rig="contrasting" dir="t">
-            <a:rot lat="0" lon="0" rev="1500000"/>
-          </a:lightRig>
-        </a:scene3d>
-        <a:sp3d prstMaterial="metal">
-          <a:bevelT w="88900" h="88900"/>
-        </a:sp3d>
+        <a:effectLst/>
       </dsp:spPr>
       <dsp:style>
         <a:lnRef idx="3">
@@ -5878,7 +5928,7 @@
         </a:bodyPr>
         <a:lstStyle/>
         <a:p>
-          <a:pPr marL="0" lvl="0" indent="0" algn="ctr" defTabSz="444500">
+          <a:pPr lvl="0" algn="ctr" defTabSz="444500">
             <a:lnSpc>
               <a:spcPct val="90000"/>
             </a:lnSpc>
@@ -5888,11 +5938,10 @@
             <a:spcAft>
               <a:spcPct val="35000"/>
             </a:spcAft>
-            <a:buNone/>
           </a:pPr>
           <a:r>
-            <a:rPr lang="es-ES_tradnl" sz="1000" kern="1200" dirty="0"/>
-            <a:t>Personal</a:t>
+            <a:rPr lang="es-ES_tradnl" sz="1000" kern="1200" dirty="0" smtClean="0"/>
+            <a:t>4.2. Personal</a:t>
           </a:r>
           <a:endParaRPr lang="es-ES" sz="1000" kern="1200" dirty="0"/>
         </a:p>
@@ -5983,28 +6032,18 @@
           </a:schemeClr>
         </a:solidFill>
         <a:ln w="19050" cap="flat" cmpd="sng" algn="ctr">
-          <a:noFill/>
+          <a:solidFill>
+            <a:schemeClr val="lt1">
+              <a:hueOff val="0"/>
+              <a:satOff val="0"/>
+              <a:lumOff val="0"/>
+              <a:alphaOff val="0"/>
+            </a:schemeClr>
+          </a:solidFill>
           <a:prstDash val="solid"/>
           <a:miter lim="800000"/>
         </a:ln>
-        <a:effectLst>
-          <a:outerShdw blurRad="149987" dist="250190" dir="8460000" algn="ctr" rotWithShape="0">
-            <a:srgbClr val="000000">
-              <a:alpha val="28000"/>
-            </a:srgbClr>
-          </a:outerShdw>
-        </a:effectLst>
-        <a:scene3d>
-          <a:camera prst="orthographicFront">
-            <a:rot lat="0" lon="0" rev="0"/>
-          </a:camera>
-          <a:lightRig rig="contrasting" dir="t">
-            <a:rot lat="0" lon="0" rev="1500000"/>
-          </a:lightRig>
-        </a:scene3d>
-        <a:sp3d prstMaterial="metal">
-          <a:bevelT w="88900" h="88900"/>
-        </a:sp3d>
+        <a:effectLst/>
       </dsp:spPr>
       <dsp:style>
         <a:lnRef idx="3">
@@ -6026,7 +6065,7 @@
         </a:bodyPr>
         <a:lstStyle/>
         <a:p>
-          <a:pPr marL="0" lvl="0" indent="0" algn="ctr" defTabSz="444500">
+          <a:pPr lvl="0" algn="ctr" defTabSz="444500">
             <a:lnSpc>
               <a:spcPct val="90000"/>
             </a:lnSpc>
@@ -6036,11 +6075,10 @@
             <a:spcAft>
               <a:spcPct val="35000"/>
             </a:spcAft>
-            <a:buNone/>
           </a:pPr>
           <a:r>
-            <a:rPr lang="es-ES_tradnl" sz="1000" kern="1200" dirty="0"/>
-            <a:t>Certificación</a:t>
+            <a:rPr lang="es-ES_tradnl" sz="1000" kern="1200" dirty="0" smtClean="0"/>
+            <a:t>4.3 Certificación</a:t>
           </a:r>
           <a:endParaRPr lang="es-ES" sz="1000" kern="1200" dirty="0"/>
         </a:p>
@@ -6131,28 +6169,18 @@
           </a:schemeClr>
         </a:solidFill>
         <a:ln w="19050" cap="flat" cmpd="sng" algn="ctr">
-          <a:noFill/>
+          <a:solidFill>
+            <a:schemeClr val="lt1">
+              <a:hueOff val="0"/>
+              <a:satOff val="0"/>
+              <a:lumOff val="0"/>
+              <a:alphaOff val="0"/>
+            </a:schemeClr>
+          </a:solidFill>
           <a:prstDash val="solid"/>
           <a:miter lim="800000"/>
         </a:ln>
-        <a:effectLst>
-          <a:outerShdw blurRad="149987" dist="250190" dir="8460000" algn="ctr" rotWithShape="0">
-            <a:srgbClr val="000000">
-              <a:alpha val="28000"/>
-            </a:srgbClr>
-          </a:outerShdw>
-        </a:effectLst>
-        <a:scene3d>
-          <a:camera prst="orthographicFront">
-            <a:rot lat="0" lon="0" rev="0"/>
-          </a:camera>
-          <a:lightRig rig="contrasting" dir="t">
-            <a:rot lat="0" lon="0" rev="1500000"/>
-          </a:lightRig>
-        </a:scene3d>
-        <a:sp3d prstMaterial="metal">
-          <a:bevelT w="88900" h="88900"/>
-        </a:sp3d>
+        <a:effectLst/>
       </dsp:spPr>
       <dsp:style>
         <a:lnRef idx="3">
@@ -6174,7 +6202,7 @@
         </a:bodyPr>
         <a:lstStyle/>
         <a:p>
-          <a:pPr marL="0" lvl="0" indent="0" algn="ctr" defTabSz="444500">
+          <a:pPr lvl="0" algn="ctr" defTabSz="444500">
             <a:lnSpc>
               <a:spcPct val="90000"/>
             </a:lnSpc>
@@ -6184,11 +6212,14 @@
             <a:spcAft>
               <a:spcPct val="35000"/>
             </a:spcAft>
-            <a:buNone/>
           </a:pPr>
           <a:r>
+            <a:rPr lang="es-ES_tradnl" sz="1000" kern="1200" dirty="0" smtClean="0"/>
+            <a:t>4.4 Documentación </a:t>
+          </a:r>
+          <a:r>
             <a:rPr lang="es-ES_tradnl" sz="1000" kern="1200" dirty="0"/>
-            <a:t>Documentación de formación</a:t>
+            <a:t>de formación</a:t>
           </a:r>
           <a:endParaRPr lang="es-ES" sz="1000" kern="1200" dirty="0"/>
         </a:p>
@@ -6285,28 +6316,18 @@
           </a:schemeClr>
         </a:solidFill>
         <a:ln w="19050" cap="flat" cmpd="sng" algn="ctr">
-          <a:noFill/>
+          <a:solidFill>
+            <a:schemeClr val="lt1">
+              <a:hueOff val="0"/>
+              <a:satOff val="0"/>
+              <a:lumOff val="0"/>
+              <a:alphaOff val="0"/>
+            </a:schemeClr>
+          </a:solidFill>
           <a:prstDash val="solid"/>
           <a:miter lim="800000"/>
         </a:ln>
-        <a:effectLst>
-          <a:outerShdw blurRad="149987" dist="250190" dir="8460000" algn="ctr" rotWithShape="0">
-            <a:srgbClr val="000000">
-              <a:alpha val="28000"/>
-            </a:srgbClr>
-          </a:outerShdw>
-        </a:effectLst>
-        <a:scene3d>
-          <a:camera prst="orthographicFront">
-            <a:rot lat="0" lon="0" rev="0"/>
-          </a:camera>
-          <a:lightRig rig="contrasting" dir="t">
-            <a:rot lat="0" lon="0" rev="1500000"/>
-          </a:lightRig>
-        </a:scene3d>
-        <a:sp3d prstMaterial="metal">
-          <a:bevelT w="88900" h="88900"/>
-        </a:sp3d>
+        <a:effectLst/>
       </dsp:spPr>
       <dsp:style>
         <a:lnRef idx="3">
@@ -6328,7 +6349,7 @@
         </a:bodyPr>
         <a:lstStyle/>
         <a:p>
-          <a:pPr marL="0" lvl="0" indent="0" algn="ctr" defTabSz="444500">
+          <a:pPr lvl="0" algn="ctr" defTabSz="444500">
             <a:lnSpc>
               <a:spcPct val="90000"/>
             </a:lnSpc>
@@ -6338,11 +6359,14 @@
             <a:spcAft>
               <a:spcPct val="35000"/>
             </a:spcAft>
-            <a:buNone/>
           </a:pPr>
           <a:r>
+            <a:rPr lang="es-ES_tradnl" sz="1000" kern="1200" dirty="0" smtClean="0"/>
+            <a:t>5. Integración </a:t>
+          </a:r>
+          <a:r>
             <a:rPr lang="es-ES_tradnl" sz="1000" kern="1200" dirty="0"/>
-            <a:t>Integración y pruebas</a:t>
+            <a:t>y pruebas</a:t>
           </a:r>
           <a:endParaRPr lang="es-ES" sz="1000" kern="1200" dirty="0"/>
         </a:p>
@@ -6433,28 +6457,18 @@
           </a:schemeClr>
         </a:solidFill>
         <a:ln w="19050" cap="flat" cmpd="sng" algn="ctr">
-          <a:noFill/>
+          <a:solidFill>
+            <a:schemeClr val="lt1">
+              <a:hueOff val="0"/>
+              <a:satOff val="0"/>
+              <a:lumOff val="0"/>
+              <a:alphaOff val="0"/>
+            </a:schemeClr>
+          </a:solidFill>
           <a:prstDash val="solid"/>
           <a:miter lim="800000"/>
         </a:ln>
-        <a:effectLst>
-          <a:outerShdw blurRad="149987" dist="250190" dir="8460000" algn="ctr" rotWithShape="0">
-            <a:srgbClr val="000000">
-              <a:alpha val="28000"/>
-            </a:srgbClr>
-          </a:outerShdw>
-        </a:effectLst>
-        <a:scene3d>
-          <a:camera prst="orthographicFront">
-            <a:rot lat="0" lon="0" rev="0"/>
-          </a:camera>
-          <a:lightRig rig="contrasting" dir="t">
-            <a:rot lat="0" lon="0" rev="1500000"/>
-          </a:lightRig>
-        </a:scene3d>
-        <a:sp3d prstMaterial="metal">
-          <a:bevelT w="88900" h="88900"/>
-        </a:sp3d>
+        <a:effectLst/>
       </dsp:spPr>
       <dsp:style>
         <a:lnRef idx="3">
@@ -6476,7 +6490,7 @@
         </a:bodyPr>
         <a:lstStyle/>
         <a:p>
-          <a:pPr marL="0" lvl="0" indent="0" algn="ctr" defTabSz="444500">
+          <a:pPr lvl="0" algn="ctr" defTabSz="444500">
             <a:lnSpc>
               <a:spcPct val="90000"/>
             </a:lnSpc>
@@ -6486,11 +6500,14 @@
             <a:spcAft>
               <a:spcPct val="35000"/>
             </a:spcAft>
-            <a:buNone/>
           </a:pPr>
           <a:r>
+            <a:rPr lang="es-ES_tradnl" sz="1000" kern="1200" dirty="0" smtClean="0"/>
+            <a:t>5.1. Integración </a:t>
+          </a:r>
+          <a:r>
             <a:rPr lang="es-ES_tradnl" sz="1000" kern="1200" dirty="0"/>
-            <a:t>Integración en muestra</a:t>
+            <a:t>en muestra</a:t>
           </a:r>
           <a:endParaRPr lang="es-ES" sz="1000" kern="1200" dirty="0"/>
         </a:p>
@@ -6581,28 +6598,18 @@
           </a:schemeClr>
         </a:solidFill>
         <a:ln w="19050" cap="flat" cmpd="sng" algn="ctr">
-          <a:noFill/>
+          <a:solidFill>
+            <a:schemeClr val="lt1">
+              <a:hueOff val="0"/>
+              <a:satOff val="0"/>
+              <a:lumOff val="0"/>
+              <a:alphaOff val="0"/>
+            </a:schemeClr>
+          </a:solidFill>
           <a:prstDash val="solid"/>
           <a:miter lim="800000"/>
         </a:ln>
-        <a:effectLst>
-          <a:outerShdw blurRad="149987" dist="250190" dir="8460000" algn="ctr" rotWithShape="0">
-            <a:srgbClr val="000000">
-              <a:alpha val="28000"/>
-            </a:srgbClr>
-          </a:outerShdw>
-        </a:effectLst>
-        <a:scene3d>
-          <a:camera prst="orthographicFront">
-            <a:rot lat="0" lon="0" rev="0"/>
-          </a:camera>
-          <a:lightRig rig="contrasting" dir="t">
-            <a:rot lat="0" lon="0" rev="1500000"/>
-          </a:lightRig>
-        </a:scene3d>
-        <a:sp3d prstMaterial="metal">
-          <a:bevelT w="88900" h="88900"/>
-        </a:sp3d>
+        <a:effectLst/>
       </dsp:spPr>
       <dsp:style>
         <a:lnRef idx="3">
@@ -6624,7 +6631,7 @@
         </a:bodyPr>
         <a:lstStyle/>
         <a:p>
-          <a:pPr marL="0" lvl="0" indent="0" algn="ctr" defTabSz="444500">
+          <a:pPr lvl="0" algn="ctr" defTabSz="444500">
             <a:lnSpc>
               <a:spcPct val="90000"/>
             </a:lnSpc>
@@ -6634,11 +6641,14 @@
             <a:spcAft>
               <a:spcPct val="35000"/>
             </a:spcAft>
-            <a:buNone/>
           </a:pPr>
           <a:r>
+            <a:rPr lang="es-ES_tradnl" sz="1000" kern="1200" dirty="0" smtClean="0"/>
+            <a:t>5.2. Obtención </a:t>
+          </a:r>
+          <a:r>
             <a:rPr lang="es-ES_tradnl" sz="1000" kern="1200" dirty="0"/>
-            <a:t>Obtención de resultados</a:t>
+            <a:t>de resultados</a:t>
           </a:r>
           <a:endParaRPr lang="es-ES" sz="1000" kern="1200" dirty="0"/>
         </a:p>
@@ -6729,28 +6739,18 @@
           </a:schemeClr>
         </a:solidFill>
         <a:ln w="19050" cap="flat" cmpd="sng" algn="ctr">
-          <a:noFill/>
+          <a:solidFill>
+            <a:schemeClr val="lt1">
+              <a:hueOff val="0"/>
+              <a:satOff val="0"/>
+              <a:lumOff val="0"/>
+              <a:alphaOff val="0"/>
+            </a:schemeClr>
+          </a:solidFill>
           <a:prstDash val="solid"/>
           <a:miter lim="800000"/>
         </a:ln>
-        <a:effectLst>
-          <a:outerShdw blurRad="149987" dist="250190" dir="8460000" algn="ctr" rotWithShape="0">
-            <a:srgbClr val="000000">
-              <a:alpha val="28000"/>
-            </a:srgbClr>
-          </a:outerShdw>
-        </a:effectLst>
-        <a:scene3d>
-          <a:camera prst="orthographicFront">
-            <a:rot lat="0" lon="0" rev="0"/>
-          </a:camera>
-          <a:lightRig rig="contrasting" dir="t">
-            <a:rot lat="0" lon="0" rev="1500000"/>
-          </a:lightRig>
-        </a:scene3d>
-        <a:sp3d prstMaterial="metal">
-          <a:bevelT w="88900" h="88900"/>
-        </a:sp3d>
+        <a:effectLst/>
       </dsp:spPr>
       <dsp:style>
         <a:lnRef idx="3">
@@ -6772,7 +6772,7 @@
         </a:bodyPr>
         <a:lstStyle/>
         <a:p>
-          <a:pPr marL="0" lvl="0" indent="0" algn="ctr" defTabSz="444500">
+          <a:pPr lvl="0" algn="ctr" defTabSz="444500">
             <a:lnSpc>
               <a:spcPct val="90000"/>
             </a:lnSpc>
@@ -6782,11 +6782,14 @@
             <a:spcAft>
               <a:spcPct val="35000"/>
             </a:spcAft>
-            <a:buNone/>
           </a:pPr>
           <a:r>
+            <a:rPr lang="es-ES_tradnl" sz="1000" kern="1200" dirty="0" smtClean="0"/>
+            <a:t>5.3. Validación </a:t>
+          </a:r>
+          <a:r>
             <a:rPr lang="es-ES_tradnl" sz="1000" kern="1200" dirty="0"/>
-            <a:t>Validación de resultados</a:t>
+            <a:t>de resultados</a:t>
           </a:r>
           <a:endParaRPr lang="es-ES" sz="1000" kern="1200" dirty="0"/>
         </a:p>
@@ -6883,28 +6886,18 @@
           </a:schemeClr>
         </a:solidFill>
         <a:ln w="19050" cap="flat" cmpd="sng" algn="ctr">
-          <a:noFill/>
+          <a:solidFill>
+            <a:schemeClr val="lt1">
+              <a:hueOff val="0"/>
+              <a:satOff val="0"/>
+              <a:lumOff val="0"/>
+              <a:alphaOff val="0"/>
+            </a:schemeClr>
+          </a:solidFill>
           <a:prstDash val="solid"/>
           <a:miter lim="800000"/>
         </a:ln>
-        <a:effectLst>
-          <a:outerShdw blurRad="149987" dist="250190" dir="8460000" algn="ctr" rotWithShape="0">
-            <a:srgbClr val="000000">
-              <a:alpha val="28000"/>
-            </a:srgbClr>
-          </a:outerShdw>
-        </a:effectLst>
-        <a:scene3d>
-          <a:camera prst="orthographicFront">
-            <a:rot lat="0" lon="0" rev="0"/>
-          </a:camera>
-          <a:lightRig rig="contrasting" dir="t">
-            <a:rot lat="0" lon="0" rev="1500000"/>
-          </a:lightRig>
-        </a:scene3d>
-        <a:sp3d prstMaterial="metal">
-          <a:bevelT w="88900" h="88900"/>
-        </a:sp3d>
+        <a:effectLst/>
       </dsp:spPr>
       <dsp:style>
         <a:lnRef idx="3">
@@ -6926,7 +6919,7 @@
         </a:bodyPr>
         <a:lstStyle/>
         <a:p>
-          <a:pPr marL="0" lvl="0" indent="0" algn="ctr" defTabSz="444500">
+          <a:pPr lvl="0" algn="ctr" defTabSz="444500">
             <a:lnSpc>
               <a:spcPct val="90000"/>
             </a:lnSpc>
@@ -6936,11 +6929,10 @@
             <a:spcAft>
               <a:spcPct val="35000"/>
             </a:spcAft>
-            <a:buNone/>
           </a:pPr>
           <a:r>
-            <a:rPr lang="es-ES_tradnl" sz="1000" kern="1200" dirty="0"/>
-            <a:t>Cierre</a:t>
+            <a:rPr lang="es-ES_tradnl" sz="1000" kern="1200" dirty="0" smtClean="0"/>
+            <a:t>6. Cierre</a:t>
           </a:r>
           <a:endParaRPr lang="es-ES" sz="1000" kern="1200" dirty="0"/>
         </a:p>
@@ -7031,28 +7023,18 @@
           </a:schemeClr>
         </a:solidFill>
         <a:ln w="19050" cap="flat" cmpd="sng" algn="ctr">
-          <a:noFill/>
+          <a:solidFill>
+            <a:schemeClr val="lt1">
+              <a:hueOff val="0"/>
+              <a:satOff val="0"/>
+              <a:lumOff val="0"/>
+              <a:alphaOff val="0"/>
+            </a:schemeClr>
+          </a:solidFill>
           <a:prstDash val="solid"/>
           <a:miter lim="800000"/>
         </a:ln>
-        <a:effectLst>
-          <a:outerShdw blurRad="149987" dist="250190" dir="8460000" algn="ctr" rotWithShape="0">
-            <a:srgbClr val="000000">
-              <a:alpha val="28000"/>
-            </a:srgbClr>
-          </a:outerShdw>
-        </a:effectLst>
-        <a:scene3d>
-          <a:camera prst="orthographicFront">
-            <a:rot lat="0" lon="0" rev="0"/>
-          </a:camera>
-          <a:lightRig rig="contrasting" dir="t">
-            <a:rot lat="0" lon="0" rev="1500000"/>
-          </a:lightRig>
-        </a:scene3d>
-        <a:sp3d prstMaterial="metal">
-          <a:bevelT w="88900" h="88900"/>
-        </a:sp3d>
+        <a:effectLst/>
       </dsp:spPr>
       <dsp:style>
         <a:lnRef idx="3">
@@ -7074,7 +7056,7 @@
         </a:bodyPr>
         <a:lstStyle/>
         <a:p>
-          <a:pPr marL="0" lvl="0" indent="0" algn="ctr" defTabSz="444500">
+          <a:pPr lvl="0" algn="ctr" defTabSz="444500">
             <a:lnSpc>
               <a:spcPct val="90000"/>
             </a:lnSpc>
@@ -7084,11 +7066,14 @@
             <a:spcAft>
               <a:spcPct val="35000"/>
             </a:spcAft>
-            <a:buNone/>
           </a:pPr>
           <a:r>
+            <a:rPr lang="es-ES_tradnl" sz="1000" kern="1200" dirty="0" smtClean="0"/>
+            <a:t>6.1. Implementación </a:t>
+          </a:r>
+          <a:r>
             <a:rPr lang="es-ES_tradnl" sz="1000" kern="1200" dirty="0"/>
-            <a:t>Implementación final</a:t>
+            <a:t>final</a:t>
           </a:r>
           <a:endParaRPr lang="es-ES" sz="1000" kern="1200" dirty="0"/>
         </a:p>
@@ -7179,28 +7164,18 @@
           </a:schemeClr>
         </a:solidFill>
         <a:ln w="19050" cap="flat" cmpd="sng" algn="ctr">
-          <a:noFill/>
+          <a:solidFill>
+            <a:schemeClr val="lt1">
+              <a:hueOff val="0"/>
+              <a:satOff val="0"/>
+              <a:lumOff val="0"/>
+              <a:alphaOff val="0"/>
+            </a:schemeClr>
+          </a:solidFill>
           <a:prstDash val="solid"/>
           <a:miter lim="800000"/>
         </a:ln>
-        <a:effectLst>
-          <a:outerShdw blurRad="149987" dist="250190" dir="8460000" algn="ctr" rotWithShape="0">
-            <a:srgbClr val="000000">
-              <a:alpha val="28000"/>
-            </a:srgbClr>
-          </a:outerShdw>
-        </a:effectLst>
-        <a:scene3d>
-          <a:camera prst="orthographicFront">
-            <a:rot lat="0" lon="0" rev="0"/>
-          </a:camera>
-          <a:lightRig rig="contrasting" dir="t">
-            <a:rot lat="0" lon="0" rev="1500000"/>
-          </a:lightRig>
-        </a:scene3d>
-        <a:sp3d prstMaterial="metal">
-          <a:bevelT w="88900" h="88900"/>
-        </a:sp3d>
+        <a:effectLst/>
       </dsp:spPr>
       <dsp:style>
         <a:lnRef idx="3">
@@ -7222,7 +7197,7 @@
         </a:bodyPr>
         <a:lstStyle/>
         <a:p>
-          <a:pPr marL="0" lvl="0" indent="0" algn="ctr" defTabSz="444500">
+          <a:pPr lvl="0" algn="ctr" defTabSz="444500">
             <a:lnSpc>
               <a:spcPct val="90000"/>
             </a:lnSpc>
@@ -7232,11 +7207,10 @@
             <a:spcAft>
               <a:spcPct val="35000"/>
             </a:spcAft>
-            <a:buNone/>
           </a:pPr>
           <a:r>
-            <a:rPr lang="es-ES_tradnl" sz="1000" kern="1200" dirty="0"/>
-            <a:t>Documentación</a:t>
+            <a:rPr lang="es-ES_tradnl" sz="1000" kern="1200" dirty="0" smtClean="0"/>
+            <a:t>6.2. Documentación</a:t>
           </a:r>
           <a:endParaRPr lang="es-ES" sz="1000" kern="1200" dirty="0"/>
         </a:p>
@@ -8817,7 +8791,7 @@
           <p:cNvPr id="2" name="Título 1">
             <a:extLst>
               <a:ext uri="{FF2B5EF4-FFF2-40B4-BE49-F238E27FC236}">
-                <a16:creationId xmlns:a16="http://schemas.microsoft.com/office/drawing/2014/main" id="{CC903C0D-C389-4CAF-8D6C-740B4B690444}"/>
+                <a16:creationId xmlns:a16="http://schemas.microsoft.com/office/drawing/2014/main" xmlns="" id="{CC903C0D-C389-4CAF-8D6C-740B4B690444}"/>
               </a:ext>
             </a:extLst>
           </p:cNvPr>
@@ -8854,7 +8828,7 @@
           <p:cNvPr id="3" name="Subtítulo 2">
             <a:extLst>
               <a:ext uri="{FF2B5EF4-FFF2-40B4-BE49-F238E27FC236}">
-                <a16:creationId xmlns:a16="http://schemas.microsoft.com/office/drawing/2014/main" id="{826867FC-1C2E-4B2F-81AC-FB481A5265C0}"/>
+                <a16:creationId xmlns:a16="http://schemas.microsoft.com/office/drawing/2014/main" xmlns="" id="{826867FC-1C2E-4B2F-81AC-FB481A5265C0}"/>
               </a:ext>
             </a:extLst>
           </p:cNvPr>
@@ -8924,7 +8898,7 @@
           <p:cNvPr id="4" name="Marcador de fecha 3">
             <a:extLst>
               <a:ext uri="{FF2B5EF4-FFF2-40B4-BE49-F238E27FC236}">
-                <a16:creationId xmlns:a16="http://schemas.microsoft.com/office/drawing/2014/main" id="{BA977B47-0DAF-43C4-9D11-5FF99BB5089A}"/>
+                <a16:creationId xmlns:a16="http://schemas.microsoft.com/office/drawing/2014/main" xmlns="" id="{BA977B47-0DAF-43C4-9D11-5FF99BB5089A}"/>
               </a:ext>
             </a:extLst>
           </p:cNvPr>
@@ -8942,7 +8916,7 @@
           <a:p>
             <a:fld id="{0D884D29-9179-45AE-BA9A-C08EE7A5CD94}" type="datetimeFigureOut">
               <a:rPr lang="es-ES" smtClean="0"/>
-              <a:t>30/10/2018</a:t>
+              <a:t>02/11/2018</a:t>
             </a:fld>
             <a:endParaRPr lang="es-ES"/>
           </a:p>
@@ -8953,7 +8927,7 @@
           <p:cNvPr id="5" name="Marcador de pie de página 4">
             <a:extLst>
               <a:ext uri="{FF2B5EF4-FFF2-40B4-BE49-F238E27FC236}">
-                <a16:creationId xmlns:a16="http://schemas.microsoft.com/office/drawing/2014/main" id="{EA220040-DBB0-4C2C-8C14-F9BA45D6AD2B}"/>
+                <a16:creationId xmlns:a16="http://schemas.microsoft.com/office/drawing/2014/main" xmlns="" id="{EA220040-DBB0-4C2C-8C14-F9BA45D6AD2B}"/>
               </a:ext>
             </a:extLst>
           </p:cNvPr>
@@ -8978,7 +8952,7 @@
           <p:cNvPr id="6" name="Marcador de número de diapositiva 5">
             <a:extLst>
               <a:ext uri="{FF2B5EF4-FFF2-40B4-BE49-F238E27FC236}">
-                <a16:creationId xmlns:a16="http://schemas.microsoft.com/office/drawing/2014/main" id="{5E514D59-71F6-4875-A32F-67C3B08CAC97}"/>
+                <a16:creationId xmlns:a16="http://schemas.microsoft.com/office/drawing/2014/main" xmlns="" id="{5E514D59-71F6-4875-A32F-67C3B08CAC97}"/>
               </a:ext>
             </a:extLst>
           </p:cNvPr>
@@ -8996,7 +8970,7 @@
           <a:p>
             <a:fld id="{A48DEAC8-0F5D-4654-993D-4CF0837E1519}" type="slidenum">
               <a:rPr lang="es-ES" smtClean="0"/>
-              <a:t>‹#›</a:t>
+              <a:t>‹Nº›</a:t>
             </a:fld>
             <a:endParaRPr lang="es-ES"/>
           </a:p>
@@ -9037,7 +9011,7 @@
           <p:cNvPr id="2" name="Título 1">
             <a:extLst>
               <a:ext uri="{FF2B5EF4-FFF2-40B4-BE49-F238E27FC236}">
-                <a16:creationId xmlns:a16="http://schemas.microsoft.com/office/drawing/2014/main" id="{26C90FDC-A903-4FE4-8815-A92CAC4F18B3}"/>
+                <a16:creationId xmlns:a16="http://schemas.microsoft.com/office/drawing/2014/main" xmlns="" id="{26C90FDC-A903-4FE4-8815-A92CAC4F18B3}"/>
               </a:ext>
             </a:extLst>
           </p:cNvPr>
@@ -9065,7 +9039,7 @@
           <p:cNvPr id="3" name="Marcador de texto vertical 2">
             <a:extLst>
               <a:ext uri="{FF2B5EF4-FFF2-40B4-BE49-F238E27FC236}">
-                <a16:creationId xmlns:a16="http://schemas.microsoft.com/office/drawing/2014/main" id="{C02BDA30-090B-49B8-AFB1-8728F7A71163}"/>
+                <a16:creationId xmlns:a16="http://schemas.microsoft.com/office/drawing/2014/main" xmlns="" id="{C02BDA30-090B-49B8-AFB1-8728F7A71163}"/>
               </a:ext>
             </a:extLst>
           </p:cNvPr>
@@ -9122,7 +9096,7 @@
           <p:cNvPr id="4" name="Marcador de fecha 3">
             <a:extLst>
               <a:ext uri="{FF2B5EF4-FFF2-40B4-BE49-F238E27FC236}">
-                <a16:creationId xmlns:a16="http://schemas.microsoft.com/office/drawing/2014/main" id="{A03215F3-26DE-4583-9AE8-7914222C26DF}"/>
+                <a16:creationId xmlns:a16="http://schemas.microsoft.com/office/drawing/2014/main" xmlns="" id="{A03215F3-26DE-4583-9AE8-7914222C26DF}"/>
               </a:ext>
             </a:extLst>
           </p:cNvPr>
@@ -9140,7 +9114,7 @@
           <a:p>
             <a:fld id="{0D884D29-9179-45AE-BA9A-C08EE7A5CD94}" type="datetimeFigureOut">
               <a:rPr lang="es-ES" smtClean="0"/>
-              <a:t>30/10/2018</a:t>
+              <a:t>02/11/2018</a:t>
             </a:fld>
             <a:endParaRPr lang="es-ES"/>
           </a:p>
@@ -9151,7 +9125,7 @@
           <p:cNvPr id="5" name="Marcador de pie de página 4">
             <a:extLst>
               <a:ext uri="{FF2B5EF4-FFF2-40B4-BE49-F238E27FC236}">
-                <a16:creationId xmlns:a16="http://schemas.microsoft.com/office/drawing/2014/main" id="{6494EA0F-E1ED-4BEF-8094-1DB1B705D163}"/>
+                <a16:creationId xmlns:a16="http://schemas.microsoft.com/office/drawing/2014/main" xmlns="" id="{6494EA0F-E1ED-4BEF-8094-1DB1B705D163}"/>
               </a:ext>
             </a:extLst>
           </p:cNvPr>
@@ -9176,7 +9150,7 @@
           <p:cNvPr id="6" name="Marcador de número de diapositiva 5">
             <a:extLst>
               <a:ext uri="{FF2B5EF4-FFF2-40B4-BE49-F238E27FC236}">
-                <a16:creationId xmlns:a16="http://schemas.microsoft.com/office/drawing/2014/main" id="{E5D9AA95-17BB-4206-AEEA-4462DF56A770}"/>
+                <a16:creationId xmlns:a16="http://schemas.microsoft.com/office/drawing/2014/main" xmlns="" id="{E5D9AA95-17BB-4206-AEEA-4462DF56A770}"/>
               </a:ext>
             </a:extLst>
           </p:cNvPr>
@@ -9194,7 +9168,7 @@
           <a:p>
             <a:fld id="{A48DEAC8-0F5D-4654-993D-4CF0837E1519}" type="slidenum">
               <a:rPr lang="es-ES" smtClean="0"/>
-              <a:t>‹#›</a:t>
+              <a:t>‹Nº›</a:t>
             </a:fld>
             <a:endParaRPr lang="es-ES"/>
           </a:p>
@@ -9235,7 +9209,7 @@
           <p:cNvPr id="2" name="Título vertical 1">
             <a:extLst>
               <a:ext uri="{FF2B5EF4-FFF2-40B4-BE49-F238E27FC236}">
-                <a16:creationId xmlns:a16="http://schemas.microsoft.com/office/drawing/2014/main" id="{4BF0D357-4686-437C-A151-EFB9FCEACCF5}"/>
+                <a16:creationId xmlns:a16="http://schemas.microsoft.com/office/drawing/2014/main" xmlns="" id="{4BF0D357-4686-437C-A151-EFB9FCEACCF5}"/>
               </a:ext>
             </a:extLst>
           </p:cNvPr>
@@ -9268,7 +9242,7 @@
           <p:cNvPr id="3" name="Marcador de texto vertical 2">
             <a:extLst>
               <a:ext uri="{FF2B5EF4-FFF2-40B4-BE49-F238E27FC236}">
-                <a16:creationId xmlns:a16="http://schemas.microsoft.com/office/drawing/2014/main" id="{2C4456FB-D69B-4B03-806D-5920D225E1C1}"/>
+                <a16:creationId xmlns:a16="http://schemas.microsoft.com/office/drawing/2014/main" xmlns="" id="{2C4456FB-D69B-4B03-806D-5920D225E1C1}"/>
               </a:ext>
             </a:extLst>
           </p:cNvPr>
@@ -9330,7 +9304,7 @@
           <p:cNvPr id="4" name="Marcador de fecha 3">
             <a:extLst>
               <a:ext uri="{FF2B5EF4-FFF2-40B4-BE49-F238E27FC236}">
-                <a16:creationId xmlns:a16="http://schemas.microsoft.com/office/drawing/2014/main" id="{66D53F48-255D-4D56-A07D-F2AE5EE7B8B4}"/>
+                <a16:creationId xmlns:a16="http://schemas.microsoft.com/office/drawing/2014/main" xmlns="" id="{66D53F48-255D-4D56-A07D-F2AE5EE7B8B4}"/>
               </a:ext>
             </a:extLst>
           </p:cNvPr>
@@ -9348,7 +9322,7 @@
           <a:p>
             <a:fld id="{0D884D29-9179-45AE-BA9A-C08EE7A5CD94}" type="datetimeFigureOut">
               <a:rPr lang="es-ES" smtClean="0"/>
-              <a:t>30/10/2018</a:t>
+              <a:t>02/11/2018</a:t>
             </a:fld>
             <a:endParaRPr lang="es-ES"/>
           </a:p>
@@ -9359,7 +9333,7 @@
           <p:cNvPr id="5" name="Marcador de pie de página 4">
             <a:extLst>
               <a:ext uri="{FF2B5EF4-FFF2-40B4-BE49-F238E27FC236}">
-                <a16:creationId xmlns:a16="http://schemas.microsoft.com/office/drawing/2014/main" id="{C165EFB3-BC81-4081-BEDA-35A6C289EA91}"/>
+                <a16:creationId xmlns:a16="http://schemas.microsoft.com/office/drawing/2014/main" xmlns="" id="{C165EFB3-BC81-4081-BEDA-35A6C289EA91}"/>
               </a:ext>
             </a:extLst>
           </p:cNvPr>
@@ -9384,7 +9358,7 @@
           <p:cNvPr id="6" name="Marcador de número de diapositiva 5">
             <a:extLst>
               <a:ext uri="{FF2B5EF4-FFF2-40B4-BE49-F238E27FC236}">
-                <a16:creationId xmlns:a16="http://schemas.microsoft.com/office/drawing/2014/main" id="{D7B8C533-FD4A-4DF1-8647-4678AE0B62D5}"/>
+                <a16:creationId xmlns:a16="http://schemas.microsoft.com/office/drawing/2014/main" xmlns="" id="{D7B8C533-FD4A-4DF1-8647-4678AE0B62D5}"/>
               </a:ext>
             </a:extLst>
           </p:cNvPr>
@@ -9402,7 +9376,7 @@
           <a:p>
             <a:fld id="{A48DEAC8-0F5D-4654-993D-4CF0837E1519}" type="slidenum">
               <a:rPr lang="es-ES" smtClean="0"/>
-              <a:t>‹#›</a:t>
+              <a:t>‹Nº›</a:t>
             </a:fld>
             <a:endParaRPr lang="es-ES"/>
           </a:p>
@@ -9443,7 +9417,7 @@
           <p:cNvPr id="2" name="Título 1">
             <a:extLst>
               <a:ext uri="{FF2B5EF4-FFF2-40B4-BE49-F238E27FC236}">
-                <a16:creationId xmlns:a16="http://schemas.microsoft.com/office/drawing/2014/main" id="{3C8F8F0B-17A3-436F-A3DD-B6945F8F1E41}"/>
+                <a16:creationId xmlns:a16="http://schemas.microsoft.com/office/drawing/2014/main" xmlns="" id="{3C8F8F0B-17A3-436F-A3DD-B6945F8F1E41}"/>
               </a:ext>
             </a:extLst>
           </p:cNvPr>
@@ -9471,7 +9445,7 @@
           <p:cNvPr id="3" name="Marcador de contenido 2">
             <a:extLst>
               <a:ext uri="{FF2B5EF4-FFF2-40B4-BE49-F238E27FC236}">
-                <a16:creationId xmlns:a16="http://schemas.microsoft.com/office/drawing/2014/main" id="{5CA0BB83-3A1C-4D4D-9009-3860620D70B3}"/>
+                <a16:creationId xmlns:a16="http://schemas.microsoft.com/office/drawing/2014/main" xmlns="" id="{5CA0BB83-3A1C-4D4D-9009-3860620D70B3}"/>
               </a:ext>
             </a:extLst>
           </p:cNvPr>
@@ -9528,7 +9502,7 @@
           <p:cNvPr id="4" name="Marcador de fecha 3">
             <a:extLst>
               <a:ext uri="{FF2B5EF4-FFF2-40B4-BE49-F238E27FC236}">
-                <a16:creationId xmlns:a16="http://schemas.microsoft.com/office/drawing/2014/main" id="{88F256EA-479A-45E6-A89A-5FC7A53BF9CA}"/>
+                <a16:creationId xmlns:a16="http://schemas.microsoft.com/office/drawing/2014/main" xmlns="" id="{88F256EA-479A-45E6-A89A-5FC7A53BF9CA}"/>
               </a:ext>
             </a:extLst>
           </p:cNvPr>
@@ -9546,7 +9520,7 @@
           <a:p>
             <a:fld id="{0D884D29-9179-45AE-BA9A-C08EE7A5CD94}" type="datetimeFigureOut">
               <a:rPr lang="es-ES" smtClean="0"/>
-              <a:t>30/10/2018</a:t>
+              <a:t>02/11/2018</a:t>
             </a:fld>
             <a:endParaRPr lang="es-ES"/>
           </a:p>
@@ -9557,7 +9531,7 @@
           <p:cNvPr id="5" name="Marcador de pie de página 4">
             <a:extLst>
               <a:ext uri="{FF2B5EF4-FFF2-40B4-BE49-F238E27FC236}">
-                <a16:creationId xmlns:a16="http://schemas.microsoft.com/office/drawing/2014/main" id="{B1ABC90E-5774-4D1F-93BD-4B6D5363C808}"/>
+                <a16:creationId xmlns:a16="http://schemas.microsoft.com/office/drawing/2014/main" xmlns="" id="{B1ABC90E-5774-4D1F-93BD-4B6D5363C808}"/>
               </a:ext>
             </a:extLst>
           </p:cNvPr>
@@ -9582,7 +9556,7 @@
           <p:cNvPr id="6" name="Marcador de número de diapositiva 5">
             <a:extLst>
               <a:ext uri="{FF2B5EF4-FFF2-40B4-BE49-F238E27FC236}">
-                <a16:creationId xmlns:a16="http://schemas.microsoft.com/office/drawing/2014/main" id="{FDBC6D73-E390-4BDD-9C3F-4930E2E625FC}"/>
+                <a16:creationId xmlns:a16="http://schemas.microsoft.com/office/drawing/2014/main" xmlns="" id="{FDBC6D73-E390-4BDD-9C3F-4930E2E625FC}"/>
               </a:ext>
             </a:extLst>
           </p:cNvPr>
@@ -9600,7 +9574,7 @@
           <a:p>
             <a:fld id="{A48DEAC8-0F5D-4654-993D-4CF0837E1519}" type="slidenum">
               <a:rPr lang="es-ES" smtClean="0"/>
-              <a:t>‹#›</a:t>
+              <a:t>‹Nº›</a:t>
             </a:fld>
             <a:endParaRPr lang="es-ES"/>
           </a:p>
@@ -9641,7 +9615,7 @@
           <p:cNvPr id="2" name="Título 1">
             <a:extLst>
               <a:ext uri="{FF2B5EF4-FFF2-40B4-BE49-F238E27FC236}">
-                <a16:creationId xmlns:a16="http://schemas.microsoft.com/office/drawing/2014/main" id="{BB64AE3D-0606-4D5D-B820-8BCC2A0EFBDA}"/>
+                <a16:creationId xmlns:a16="http://schemas.microsoft.com/office/drawing/2014/main" xmlns="" id="{BB64AE3D-0606-4D5D-B820-8BCC2A0EFBDA}"/>
               </a:ext>
             </a:extLst>
           </p:cNvPr>
@@ -9678,7 +9652,7 @@
           <p:cNvPr id="3" name="Marcador de texto 2">
             <a:extLst>
               <a:ext uri="{FF2B5EF4-FFF2-40B4-BE49-F238E27FC236}">
-                <a16:creationId xmlns:a16="http://schemas.microsoft.com/office/drawing/2014/main" id="{C59538C8-7634-4B88-AA87-3D1EDDCC5885}"/>
+                <a16:creationId xmlns:a16="http://schemas.microsoft.com/office/drawing/2014/main" xmlns="" id="{C59538C8-7634-4B88-AA87-3D1EDDCC5885}"/>
               </a:ext>
             </a:extLst>
           </p:cNvPr>
@@ -9803,7 +9777,7 @@
           <p:cNvPr id="4" name="Marcador de fecha 3">
             <a:extLst>
               <a:ext uri="{FF2B5EF4-FFF2-40B4-BE49-F238E27FC236}">
-                <a16:creationId xmlns:a16="http://schemas.microsoft.com/office/drawing/2014/main" id="{0BCE1EA7-3513-4776-9CB7-B7560A25717C}"/>
+                <a16:creationId xmlns:a16="http://schemas.microsoft.com/office/drawing/2014/main" xmlns="" id="{0BCE1EA7-3513-4776-9CB7-B7560A25717C}"/>
               </a:ext>
             </a:extLst>
           </p:cNvPr>
@@ -9821,7 +9795,7 @@
           <a:p>
             <a:fld id="{0D884D29-9179-45AE-BA9A-C08EE7A5CD94}" type="datetimeFigureOut">
               <a:rPr lang="es-ES" smtClean="0"/>
-              <a:t>30/10/2018</a:t>
+              <a:t>02/11/2018</a:t>
             </a:fld>
             <a:endParaRPr lang="es-ES"/>
           </a:p>
@@ -9832,7 +9806,7 @@
           <p:cNvPr id="5" name="Marcador de pie de página 4">
             <a:extLst>
               <a:ext uri="{FF2B5EF4-FFF2-40B4-BE49-F238E27FC236}">
-                <a16:creationId xmlns:a16="http://schemas.microsoft.com/office/drawing/2014/main" id="{B118C7D0-4FBC-4EB4-A61D-695A230EED1B}"/>
+                <a16:creationId xmlns:a16="http://schemas.microsoft.com/office/drawing/2014/main" xmlns="" id="{B118C7D0-4FBC-4EB4-A61D-695A230EED1B}"/>
               </a:ext>
             </a:extLst>
           </p:cNvPr>
@@ -9857,7 +9831,7 @@
           <p:cNvPr id="6" name="Marcador de número de diapositiva 5">
             <a:extLst>
               <a:ext uri="{FF2B5EF4-FFF2-40B4-BE49-F238E27FC236}">
-                <a16:creationId xmlns:a16="http://schemas.microsoft.com/office/drawing/2014/main" id="{6DB65F46-BE78-488D-8DBE-6138DD92EA30}"/>
+                <a16:creationId xmlns:a16="http://schemas.microsoft.com/office/drawing/2014/main" xmlns="" id="{6DB65F46-BE78-488D-8DBE-6138DD92EA30}"/>
               </a:ext>
             </a:extLst>
           </p:cNvPr>
@@ -9875,7 +9849,7 @@
           <a:p>
             <a:fld id="{A48DEAC8-0F5D-4654-993D-4CF0837E1519}" type="slidenum">
               <a:rPr lang="es-ES" smtClean="0"/>
-              <a:t>‹#›</a:t>
+              <a:t>‹Nº›</a:t>
             </a:fld>
             <a:endParaRPr lang="es-ES"/>
           </a:p>
@@ -9916,7 +9890,7 @@
           <p:cNvPr id="2" name="Título 1">
             <a:extLst>
               <a:ext uri="{FF2B5EF4-FFF2-40B4-BE49-F238E27FC236}">
-                <a16:creationId xmlns:a16="http://schemas.microsoft.com/office/drawing/2014/main" id="{6D226921-87AE-4456-936D-C6FF4E3FF969}"/>
+                <a16:creationId xmlns:a16="http://schemas.microsoft.com/office/drawing/2014/main" xmlns="" id="{6D226921-87AE-4456-936D-C6FF4E3FF969}"/>
               </a:ext>
             </a:extLst>
           </p:cNvPr>
@@ -9944,7 +9918,7 @@
           <p:cNvPr id="3" name="Marcador de contenido 2">
             <a:extLst>
               <a:ext uri="{FF2B5EF4-FFF2-40B4-BE49-F238E27FC236}">
-                <a16:creationId xmlns:a16="http://schemas.microsoft.com/office/drawing/2014/main" id="{E0DC5C4F-E599-4B53-91E6-D4ABDB60B18E}"/>
+                <a16:creationId xmlns:a16="http://schemas.microsoft.com/office/drawing/2014/main" xmlns="" id="{E0DC5C4F-E599-4B53-91E6-D4ABDB60B18E}"/>
               </a:ext>
             </a:extLst>
           </p:cNvPr>
@@ -10006,7 +9980,7 @@
           <p:cNvPr id="4" name="Marcador de contenido 3">
             <a:extLst>
               <a:ext uri="{FF2B5EF4-FFF2-40B4-BE49-F238E27FC236}">
-                <a16:creationId xmlns:a16="http://schemas.microsoft.com/office/drawing/2014/main" id="{C729836B-2455-4F77-B8FC-D19E1788544E}"/>
+                <a16:creationId xmlns:a16="http://schemas.microsoft.com/office/drawing/2014/main" xmlns="" id="{C729836B-2455-4F77-B8FC-D19E1788544E}"/>
               </a:ext>
             </a:extLst>
           </p:cNvPr>
@@ -10068,7 +10042,7 @@
           <p:cNvPr id="5" name="Marcador de fecha 4">
             <a:extLst>
               <a:ext uri="{FF2B5EF4-FFF2-40B4-BE49-F238E27FC236}">
-                <a16:creationId xmlns:a16="http://schemas.microsoft.com/office/drawing/2014/main" id="{5592F784-D080-47C7-A721-9C080B1B209D}"/>
+                <a16:creationId xmlns:a16="http://schemas.microsoft.com/office/drawing/2014/main" xmlns="" id="{5592F784-D080-47C7-A721-9C080B1B209D}"/>
               </a:ext>
             </a:extLst>
           </p:cNvPr>
@@ -10086,7 +10060,7 @@
           <a:p>
             <a:fld id="{0D884D29-9179-45AE-BA9A-C08EE7A5CD94}" type="datetimeFigureOut">
               <a:rPr lang="es-ES" smtClean="0"/>
-              <a:t>30/10/2018</a:t>
+              <a:t>02/11/2018</a:t>
             </a:fld>
             <a:endParaRPr lang="es-ES"/>
           </a:p>
@@ -10097,7 +10071,7 @@
           <p:cNvPr id="6" name="Marcador de pie de página 5">
             <a:extLst>
               <a:ext uri="{FF2B5EF4-FFF2-40B4-BE49-F238E27FC236}">
-                <a16:creationId xmlns:a16="http://schemas.microsoft.com/office/drawing/2014/main" id="{23A0360C-FABB-4C35-98EC-4456F26734F7}"/>
+                <a16:creationId xmlns:a16="http://schemas.microsoft.com/office/drawing/2014/main" xmlns="" id="{23A0360C-FABB-4C35-98EC-4456F26734F7}"/>
               </a:ext>
             </a:extLst>
           </p:cNvPr>
@@ -10122,7 +10096,7 @@
           <p:cNvPr id="7" name="Marcador de número de diapositiva 6">
             <a:extLst>
               <a:ext uri="{FF2B5EF4-FFF2-40B4-BE49-F238E27FC236}">
-                <a16:creationId xmlns:a16="http://schemas.microsoft.com/office/drawing/2014/main" id="{E369A50B-7D3C-488B-B3C1-EC3CA604FBB0}"/>
+                <a16:creationId xmlns:a16="http://schemas.microsoft.com/office/drawing/2014/main" xmlns="" id="{E369A50B-7D3C-488B-B3C1-EC3CA604FBB0}"/>
               </a:ext>
             </a:extLst>
           </p:cNvPr>
@@ -10140,7 +10114,7 @@
           <a:p>
             <a:fld id="{A48DEAC8-0F5D-4654-993D-4CF0837E1519}" type="slidenum">
               <a:rPr lang="es-ES" smtClean="0"/>
-              <a:t>‹#›</a:t>
+              <a:t>‹Nº›</a:t>
             </a:fld>
             <a:endParaRPr lang="es-ES"/>
           </a:p>
@@ -10181,7 +10155,7 @@
           <p:cNvPr id="2" name="Título 1">
             <a:extLst>
               <a:ext uri="{FF2B5EF4-FFF2-40B4-BE49-F238E27FC236}">
-                <a16:creationId xmlns:a16="http://schemas.microsoft.com/office/drawing/2014/main" id="{D41A082A-75B0-4D49-946E-03995A6FC3A0}"/>
+                <a16:creationId xmlns:a16="http://schemas.microsoft.com/office/drawing/2014/main" xmlns="" id="{D41A082A-75B0-4D49-946E-03995A6FC3A0}"/>
               </a:ext>
             </a:extLst>
           </p:cNvPr>
@@ -10214,7 +10188,7 @@
           <p:cNvPr id="3" name="Marcador de texto 2">
             <a:extLst>
               <a:ext uri="{FF2B5EF4-FFF2-40B4-BE49-F238E27FC236}">
-                <a16:creationId xmlns:a16="http://schemas.microsoft.com/office/drawing/2014/main" id="{2950FEC8-E4B1-46CF-AF4F-7EB4774789C2}"/>
+                <a16:creationId xmlns:a16="http://schemas.microsoft.com/office/drawing/2014/main" xmlns="" id="{2950FEC8-E4B1-46CF-AF4F-7EB4774789C2}"/>
               </a:ext>
             </a:extLst>
           </p:cNvPr>
@@ -10285,7 +10259,7 @@
           <p:cNvPr id="4" name="Marcador de contenido 3">
             <a:extLst>
               <a:ext uri="{FF2B5EF4-FFF2-40B4-BE49-F238E27FC236}">
-                <a16:creationId xmlns:a16="http://schemas.microsoft.com/office/drawing/2014/main" id="{966FD734-BCB5-4962-8329-FE935471B33C}"/>
+                <a16:creationId xmlns:a16="http://schemas.microsoft.com/office/drawing/2014/main" xmlns="" id="{966FD734-BCB5-4962-8329-FE935471B33C}"/>
               </a:ext>
             </a:extLst>
           </p:cNvPr>
@@ -10347,7 +10321,7 @@
           <p:cNvPr id="5" name="Marcador de texto 4">
             <a:extLst>
               <a:ext uri="{FF2B5EF4-FFF2-40B4-BE49-F238E27FC236}">
-                <a16:creationId xmlns:a16="http://schemas.microsoft.com/office/drawing/2014/main" id="{CA520570-8F88-4256-9ECE-89ED8A4EBFBF}"/>
+                <a16:creationId xmlns:a16="http://schemas.microsoft.com/office/drawing/2014/main" xmlns="" id="{CA520570-8F88-4256-9ECE-89ED8A4EBFBF}"/>
               </a:ext>
             </a:extLst>
           </p:cNvPr>
@@ -10418,7 +10392,7 @@
           <p:cNvPr id="6" name="Marcador de contenido 5">
             <a:extLst>
               <a:ext uri="{FF2B5EF4-FFF2-40B4-BE49-F238E27FC236}">
-                <a16:creationId xmlns:a16="http://schemas.microsoft.com/office/drawing/2014/main" id="{0A82C2F7-68FB-4152-9A83-B51AC6B87A8F}"/>
+                <a16:creationId xmlns:a16="http://schemas.microsoft.com/office/drawing/2014/main" xmlns="" id="{0A82C2F7-68FB-4152-9A83-B51AC6B87A8F}"/>
               </a:ext>
             </a:extLst>
           </p:cNvPr>
@@ -10480,7 +10454,7 @@
           <p:cNvPr id="7" name="Marcador de fecha 6">
             <a:extLst>
               <a:ext uri="{FF2B5EF4-FFF2-40B4-BE49-F238E27FC236}">
-                <a16:creationId xmlns:a16="http://schemas.microsoft.com/office/drawing/2014/main" id="{EB19EA14-2CEA-40AA-BB48-08A7C6991128}"/>
+                <a16:creationId xmlns:a16="http://schemas.microsoft.com/office/drawing/2014/main" xmlns="" id="{EB19EA14-2CEA-40AA-BB48-08A7C6991128}"/>
               </a:ext>
             </a:extLst>
           </p:cNvPr>
@@ -10498,7 +10472,7 @@
           <a:p>
             <a:fld id="{0D884D29-9179-45AE-BA9A-C08EE7A5CD94}" type="datetimeFigureOut">
               <a:rPr lang="es-ES" smtClean="0"/>
-              <a:t>30/10/2018</a:t>
+              <a:t>02/11/2018</a:t>
             </a:fld>
             <a:endParaRPr lang="es-ES"/>
           </a:p>
@@ -10509,7 +10483,7 @@
           <p:cNvPr id="8" name="Marcador de pie de página 7">
             <a:extLst>
               <a:ext uri="{FF2B5EF4-FFF2-40B4-BE49-F238E27FC236}">
-                <a16:creationId xmlns:a16="http://schemas.microsoft.com/office/drawing/2014/main" id="{FC9DB421-F4FC-465B-AB5C-AF9C6EFCE2F1}"/>
+                <a16:creationId xmlns:a16="http://schemas.microsoft.com/office/drawing/2014/main" xmlns="" id="{FC9DB421-F4FC-465B-AB5C-AF9C6EFCE2F1}"/>
               </a:ext>
             </a:extLst>
           </p:cNvPr>
@@ -10534,7 +10508,7 @@
           <p:cNvPr id="9" name="Marcador de número de diapositiva 8">
             <a:extLst>
               <a:ext uri="{FF2B5EF4-FFF2-40B4-BE49-F238E27FC236}">
-                <a16:creationId xmlns:a16="http://schemas.microsoft.com/office/drawing/2014/main" id="{D76C2C0E-75E0-42CD-B825-621281622AAB}"/>
+                <a16:creationId xmlns:a16="http://schemas.microsoft.com/office/drawing/2014/main" xmlns="" id="{D76C2C0E-75E0-42CD-B825-621281622AAB}"/>
               </a:ext>
             </a:extLst>
           </p:cNvPr>
@@ -10552,7 +10526,7 @@
           <a:p>
             <a:fld id="{A48DEAC8-0F5D-4654-993D-4CF0837E1519}" type="slidenum">
               <a:rPr lang="es-ES" smtClean="0"/>
-              <a:t>‹#›</a:t>
+              <a:t>‹Nº›</a:t>
             </a:fld>
             <a:endParaRPr lang="es-ES"/>
           </a:p>
@@ -10593,7 +10567,7 @@
           <p:cNvPr id="2" name="Título 1">
             <a:extLst>
               <a:ext uri="{FF2B5EF4-FFF2-40B4-BE49-F238E27FC236}">
-                <a16:creationId xmlns:a16="http://schemas.microsoft.com/office/drawing/2014/main" id="{F29CE5C4-8B84-4BC9-A047-A2A20FD54EA1}"/>
+                <a16:creationId xmlns:a16="http://schemas.microsoft.com/office/drawing/2014/main" xmlns="" id="{F29CE5C4-8B84-4BC9-A047-A2A20FD54EA1}"/>
               </a:ext>
             </a:extLst>
           </p:cNvPr>
@@ -10621,7 +10595,7 @@
           <p:cNvPr id="3" name="Marcador de fecha 2">
             <a:extLst>
               <a:ext uri="{FF2B5EF4-FFF2-40B4-BE49-F238E27FC236}">
-                <a16:creationId xmlns:a16="http://schemas.microsoft.com/office/drawing/2014/main" id="{2D47C7FB-5D06-49FC-B7EC-98F2EC9F05F7}"/>
+                <a16:creationId xmlns:a16="http://schemas.microsoft.com/office/drawing/2014/main" xmlns="" id="{2D47C7FB-5D06-49FC-B7EC-98F2EC9F05F7}"/>
               </a:ext>
             </a:extLst>
           </p:cNvPr>
@@ -10639,7 +10613,7 @@
           <a:p>
             <a:fld id="{0D884D29-9179-45AE-BA9A-C08EE7A5CD94}" type="datetimeFigureOut">
               <a:rPr lang="es-ES" smtClean="0"/>
-              <a:t>30/10/2018</a:t>
+              <a:t>02/11/2018</a:t>
             </a:fld>
             <a:endParaRPr lang="es-ES"/>
           </a:p>
@@ -10650,7 +10624,7 @@
           <p:cNvPr id="4" name="Marcador de pie de página 3">
             <a:extLst>
               <a:ext uri="{FF2B5EF4-FFF2-40B4-BE49-F238E27FC236}">
-                <a16:creationId xmlns:a16="http://schemas.microsoft.com/office/drawing/2014/main" id="{DFC766A9-2F1E-42ED-BA9C-49A9F34BA968}"/>
+                <a16:creationId xmlns:a16="http://schemas.microsoft.com/office/drawing/2014/main" xmlns="" id="{DFC766A9-2F1E-42ED-BA9C-49A9F34BA968}"/>
               </a:ext>
             </a:extLst>
           </p:cNvPr>
@@ -10675,7 +10649,7 @@
           <p:cNvPr id="5" name="Marcador de número de diapositiva 4">
             <a:extLst>
               <a:ext uri="{FF2B5EF4-FFF2-40B4-BE49-F238E27FC236}">
-                <a16:creationId xmlns:a16="http://schemas.microsoft.com/office/drawing/2014/main" id="{C20D952D-424A-490C-A10D-2D34A58F1B5F}"/>
+                <a16:creationId xmlns:a16="http://schemas.microsoft.com/office/drawing/2014/main" xmlns="" id="{C20D952D-424A-490C-A10D-2D34A58F1B5F}"/>
               </a:ext>
             </a:extLst>
           </p:cNvPr>
@@ -10693,7 +10667,7 @@
           <a:p>
             <a:fld id="{A48DEAC8-0F5D-4654-993D-4CF0837E1519}" type="slidenum">
               <a:rPr lang="es-ES" smtClean="0"/>
-              <a:t>‹#›</a:t>
+              <a:t>‹Nº›</a:t>
             </a:fld>
             <a:endParaRPr lang="es-ES"/>
           </a:p>
@@ -10734,7 +10708,7 @@
           <p:cNvPr id="2" name="Marcador de fecha 1">
             <a:extLst>
               <a:ext uri="{FF2B5EF4-FFF2-40B4-BE49-F238E27FC236}">
-                <a16:creationId xmlns:a16="http://schemas.microsoft.com/office/drawing/2014/main" id="{0FDA2A59-670B-40C2-86F8-8CB1F3091B6B}"/>
+                <a16:creationId xmlns:a16="http://schemas.microsoft.com/office/drawing/2014/main" xmlns="" id="{0FDA2A59-670B-40C2-86F8-8CB1F3091B6B}"/>
               </a:ext>
             </a:extLst>
           </p:cNvPr>
@@ -10752,7 +10726,7 @@
           <a:p>
             <a:fld id="{0D884D29-9179-45AE-BA9A-C08EE7A5CD94}" type="datetimeFigureOut">
               <a:rPr lang="es-ES" smtClean="0"/>
-              <a:t>30/10/2018</a:t>
+              <a:t>02/11/2018</a:t>
             </a:fld>
             <a:endParaRPr lang="es-ES"/>
           </a:p>
@@ -10763,7 +10737,7 @@
           <p:cNvPr id="3" name="Marcador de pie de página 2">
             <a:extLst>
               <a:ext uri="{FF2B5EF4-FFF2-40B4-BE49-F238E27FC236}">
-                <a16:creationId xmlns:a16="http://schemas.microsoft.com/office/drawing/2014/main" id="{91109880-1334-4488-AF7F-5687C6F70181}"/>
+                <a16:creationId xmlns:a16="http://schemas.microsoft.com/office/drawing/2014/main" xmlns="" id="{91109880-1334-4488-AF7F-5687C6F70181}"/>
               </a:ext>
             </a:extLst>
           </p:cNvPr>
@@ -10788,7 +10762,7 @@
           <p:cNvPr id="4" name="Marcador de número de diapositiva 3">
             <a:extLst>
               <a:ext uri="{FF2B5EF4-FFF2-40B4-BE49-F238E27FC236}">
-                <a16:creationId xmlns:a16="http://schemas.microsoft.com/office/drawing/2014/main" id="{B17DBF9F-77AA-4FF4-8177-8A6E61BAE1F9}"/>
+                <a16:creationId xmlns:a16="http://schemas.microsoft.com/office/drawing/2014/main" xmlns="" id="{B17DBF9F-77AA-4FF4-8177-8A6E61BAE1F9}"/>
               </a:ext>
             </a:extLst>
           </p:cNvPr>
@@ -10806,7 +10780,7 @@
           <a:p>
             <a:fld id="{A48DEAC8-0F5D-4654-993D-4CF0837E1519}" type="slidenum">
               <a:rPr lang="es-ES" smtClean="0"/>
-              <a:t>‹#›</a:t>
+              <a:t>‹Nº›</a:t>
             </a:fld>
             <a:endParaRPr lang="es-ES"/>
           </a:p>
@@ -10847,7 +10821,7 @@
           <p:cNvPr id="2" name="Título 1">
             <a:extLst>
               <a:ext uri="{FF2B5EF4-FFF2-40B4-BE49-F238E27FC236}">
-                <a16:creationId xmlns:a16="http://schemas.microsoft.com/office/drawing/2014/main" id="{37CB04E0-E288-43DE-A477-FF0A9A303D38}"/>
+                <a16:creationId xmlns:a16="http://schemas.microsoft.com/office/drawing/2014/main" xmlns="" id="{37CB04E0-E288-43DE-A477-FF0A9A303D38}"/>
               </a:ext>
             </a:extLst>
           </p:cNvPr>
@@ -10884,7 +10858,7 @@
           <p:cNvPr id="3" name="Marcador de contenido 2">
             <a:extLst>
               <a:ext uri="{FF2B5EF4-FFF2-40B4-BE49-F238E27FC236}">
-                <a16:creationId xmlns:a16="http://schemas.microsoft.com/office/drawing/2014/main" id="{AF9C1D2C-50AC-45AC-B443-3222085947C9}"/>
+                <a16:creationId xmlns:a16="http://schemas.microsoft.com/office/drawing/2014/main" xmlns="" id="{AF9C1D2C-50AC-45AC-B443-3222085947C9}"/>
               </a:ext>
             </a:extLst>
           </p:cNvPr>
@@ -10974,7 +10948,7 @@
           <p:cNvPr id="4" name="Marcador de texto 3">
             <a:extLst>
               <a:ext uri="{FF2B5EF4-FFF2-40B4-BE49-F238E27FC236}">
-                <a16:creationId xmlns:a16="http://schemas.microsoft.com/office/drawing/2014/main" id="{F7D43D6D-4826-4ADA-88E6-E8D93633CE92}"/>
+                <a16:creationId xmlns:a16="http://schemas.microsoft.com/office/drawing/2014/main" xmlns="" id="{F7D43D6D-4826-4ADA-88E6-E8D93633CE92}"/>
               </a:ext>
             </a:extLst>
           </p:cNvPr>
@@ -11045,7 +11019,7 @@
           <p:cNvPr id="5" name="Marcador de fecha 4">
             <a:extLst>
               <a:ext uri="{FF2B5EF4-FFF2-40B4-BE49-F238E27FC236}">
-                <a16:creationId xmlns:a16="http://schemas.microsoft.com/office/drawing/2014/main" id="{2C6B1363-0C42-4B9F-B7BF-4365E807E821}"/>
+                <a16:creationId xmlns:a16="http://schemas.microsoft.com/office/drawing/2014/main" xmlns="" id="{2C6B1363-0C42-4B9F-B7BF-4365E807E821}"/>
               </a:ext>
             </a:extLst>
           </p:cNvPr>
@@ -11063,7 +11037,7 @@
           <a:p>
             <a:fld id="{0D884D29-9179-45AE-BA9A-C08EE7A5CD94}" type="datetimeFigureOut">
               <a:rPr lang="es-ES" smtClean="0"/>
-              <a:t>30/10/2018</a:t>
+              <a:t>02/11/2018</a:t>
             </a:fld>
             <a:endParaRPr lang="es-ES"/>
           </a:p>
@@ -11074,7 +11048,7 @@
           <p:cNvPr id="6" name="Marcador de pie de página 5">
             <a:extLst>
               <a:ext uri="{FF2B5EF4-FFF2-40B4-BE49-F238E27FC236}">
-                <a16:creationId xmlns:a16="http://schemas.microsoft.com/office/drawing/2014/main" id="{01A69DE5-DCB0-4267-80FF-397699E03EF2}"/>
+                <a16:creationId xmlns:a16="http://schemas.microsoft.com/office/drawing/2014/main" xmlns="" id="{01A69DE5-DCB0-4267-80FF-397699E03EF2}"/>
               </a:ext>
             </a:extLst>
           </p:cNvPr>
@@ -11099,7 +11073,7 @@
           <p:cNvPr id="7" name="Marcador de número de diapositiva 6">
             <a:extLst>
               <a:ext uri="{FF2B5EF4-FFF2-40B4-BE49-F238E27FC236}">
-                <a16:creationId xmlns:a16="http://schemas.microsoft.com/office/drawing/2014/main" id="{856C19D6-E6B5-435B-A0B1-EAFDCD393CB1}"/>
+                <a16:creationId xmlns:a16="http://schemas.microsoft.com/office/drawing/2014/main" xmlns="" id="{856C19D6-E6B5-435B-A0B1-EAFDCD393CB1}"/>
               </a:ext>
             </a:extLst>
           </p:cNvPr>
@@ -11117,7 +11091,7 @@
           <a:p>
             <a:fld id="{A48DEAC8-0F5D-4654-993D-4CF0837E1519}" type="slidenum">
               <a:rPr lang="es-ES" smtClean="0"/>
-              <a:t>‹#›</a:t>
+              <a:t>‹Nº›</a:t>
             </a:fld>
             <a:endParaRPr lang="es-ES"/>
           </a:p>
@@ -11158,7 +11132,7 @@
           <p:cNvPr id="2" name="Título 1">
             <a:extLst>
               <a:ext uri="{FF2B5EF4-FFF2-40B4-BE49-F238E27FC236}">
-                <a16:creationId xmlns:a16="http://schemas.microsoft.com/office/drawing/2014/main" id="{3BA08F4A-DA9B-4ECB-98AF-0EB10C589C75}"/>
+                <a16:creationId xmlns:a16="http://schemas.microsoft.com/office/drawing/2014/main" xmlns="" id="{3BA08F4A-DA9B-4ECB-98AF-0EB10C589C75}"/>
               </a:ext>
             </a:extLst>
           </p:cNvPr>
@@ -11195,7 +11169,7 @@
           <p:cNvPr id="3" name="Marcador de posición de imagen 2">
             <a:extLst>
               <a:ext uri="{FF2B5EF4-FFF2-40B4-BE49-F238E27FC236}">
-                <a16:creationId xmlns:a16="http://schemas.microsoft.com/office/drawing/2014/main" id="{38708122-9D59-48B0-B7CD-59C96F9CC8E6}"/>
+                <a16:creationId xmlns:a16="http://schemas.microsoft.com/office/drawing/2014/main" xmlns="" id="{38708122-9D59-48B0-B7CD-59C96F9CC8E6}"/>
               </a:ext>
             </a:extLst>
           </p:cNvPr>
@@ -11262,7 +11236,7 @@
           <p:cNvPr id="4" name="Marcador de texto 3">
             <a:extLst>
               <a:ext uri="{FF2B5EF4-FFF2-40B4-BE49-F238E27FC236}">
-                <a16:creationId xmlns:a16="http://schemas.microsoft.com/office/drawing/2014/main" id="{E4F8C755-C6F1-44F4-AE84-EDE378786CA0}"/>
+                <a16:creationId xmlns:a16="http://schemas.microsoft.com/office/drawing/2014/main" xmlns="" id="{E4F8C755-C6F1-44F4-AE84-EDE378786CA0}"/>
               </a:ext>
             </a:extLst>
           </p:cNvPr>
@@ -11333,7 +11307,7 @@
           <p:cNvPr id="5" name="Marcador de fecha 4">
             <a:extLst>
               <a:ext uri="{FF2B5EF4-FFF2-40B4-BE49-F238E27FC236}">
-                <a16:creationId xmlns:a16="http://schemas.microsoft.com/office/drawing/2014/main" id="{B7218895-6A62-47B7-BD6E-51327CBE8AA2}"/>
+                <a16:creationId xmlns:a16="http://schemas.microsoft.com/office/drawing/2014/main" xmlns="" id="{B7218895-6A62-47B7-BD6E-51327CBE8AA2}"/>
               </a:ext>
             </a:extLst>
           </p:cNvPr>
@@ -11351,7 +11325,7 @@
           <a:p>
             <a:fld id="{0D884D29-9179-45AE-BA9A-C08EE7A5CD94}" type="datetimeFigureOut">
               <a:rPr lang="es-ES" smtClean="0"/>
-              <a:t>30/10/2018</a:t>
+              <a:t>02/11/2018</a:t>
             </a:fld>
             <a:endParaRPr lang="es-ES"/>
           </a:p>
@@ -11362,7 +11336,7 @@
           <p:cNvPr id="6" name="Marcador de pie de página 5">
             <a:extLst>
               <a:ext uri="{FF2B5EF4-FFF2-40B4-BE49-F238E27FC236}">
-                <a16:creationId xmlns:a16="http://schemas.microsoft.com/office/drawing/2014/main" id="{F306B334-6C9C-4565-9479-03CF947F6A32}"/>
+                <a16:creationId xmlns:a16="http://schemas.microsoft.com/office/drawing/2014/main" xmlns="" id="{F306B334-6C9C-4565-9479-03CF947F6A32}"/>
               </a:ext>
             </a:extLst>
           </p:cNvPr>
@@ -11387,7 +11361,7 @@
           <p:cNvPr id="7" name="Marcador de número de diapositiva 6">
             <a:extLst>
               <a:ext uri="{FF2B5EF4-FFF2-40B4-BE49-F238E27FC236}">
-                <a16:creationId xmlns:a16="http://schemas.microsoft.com/office/drawing/2014/main" id="{ED52EED0-9C4A-4067-92DF-25FD8E1B0EDE}"/>
+                <a16:creationId xmlns:a16="http://schemas.microsoft.com/office/drawing/2014/main" xmlns="" id="{ED52EED0-9C4A-4067-92DF-25FD8E1B0EDE}"/>
               </a:ext>
             </a:extLst>
           </p:cNvPr>
@@ -11405,7 +11379,7 @@
           <a:p>
             <a:fld id="{A48DEAC8-0F5D-4654-993D-4CF0837E1519}" type="slidenum">
               <a:rPr lang="es-ES" smtClean="0"/>
-              <a:t>‹#›</a:t>
+              <a:t>‹Nº›</a:t>
             </a:fld>
             <a:endParaRPr lang="es-ES"/>
           </a:p>
@@ -11451,7 +11425,7 @@
           <p:cNvPr id="2" name="Marcador de título 1">
             <a:extLst>
               <a:ext uri="{FF2B5EF4-FFF2-40B4-BE49-F238E27FC236}">
-                <a16:creationId xmlns:a16="http://schemas.microsoft.com/office/drawing/2014/main" id="{0764F778-1D01-4D22-B70B-EA87685E881B}"/>
+                <a16:creationId xmlns:a16="http://schemas.microsoft.com/office/drawing/2014/main" xmlns="" id="{0764F778-1D01-4D22-B70B-EA87685E881B}"/>
               </a:ext>
             </a:extLst>
           </p:cNvPr>
@@ -11489,7 +11463,7 @@
           <p:cNvPr id="3" name="Marcador de texto 2">
             <a:extLst>
               <a:ext uri="{FF2B5EF4-FFF2-40B4-BE49-F238E27FC236}">
-                <a16:creationId xmlns:a16="http://schemas.microsoft.com/office/drawing/2014/main" id="{E34EE774-0F39-4217-B76F-9809639647B3}"/>
+                <a16:creationId xmlns:a16="http://schemas.microsoft.com/office/drawing/2014/main" xmlns="" id="{E34EE774-0F39-4217-B76F-9809639647B3}"/>
               </a:ext>
             </a:extLst>
           </p:cNvPr>
@@ -11556,7 +11530,7 @@
           <p:cNvPr id="4" name="Marcador de fecha 3">
             <a:extLst>
               <a:ext uri="{FF2B5EF4-FFF2-40B4-BE49-F238E27FC236}">
-                <a16:creationId xmlns:a16="http://schemas.microsoft.com/office/drawing/2014/main" id="{BD7D36A4-849A-4159-8549-A0A956F5DC41}"/>
+                <a16:creationId xmlns:a16="http://schemas.microsoft.com/office/drawing/2014/main" xmlns="" id="{BD7D36A4-849A-4159-8549-A0A956F5DC41}"/>
               </a:ext>
             </a:extLst>
           </p:cNvPr>
@@ -11592,7 +11566,7 @@
           <a:p>
             <a:fld id="{0D884D29-9179-45AE-BA9A-C08EE7A5CD94}" type="datetimeFigureOut">
               <a:rPr lang="es-ES" smtClean="0"/>
-              <a:t>30/10/2018</a:t>
+              <a:t>02/11/2018</a:t>
             </a:fld>
             <a:endParaRPr lang="es-ES"/>
           </a:p>
@@ -11603,7 +11577,7 @@
           <p:cNvPr id="5" name="Marcador de pie de página 4">
             <a:extLst>
               <a:ext uri="{FF2B5EF4-FFF2-40B4-BE49-F238E27FC236}">
-                <a16:creationId xmlns:a16="http://schemas.microsoft.com/office/drawing/2014/main" id="{0E238FCD-B9DC-4E4D-9592-DA93018474F5}"/>
+                <a16:creationId xmlns:a16="http://schemas.microsoft.com/office/drawing/2014/main" xmlns="" id="{0E238FCD-B9DC-4E4D-9592-DA93018474F5}"/>
               </a:ext>
             </a:extLst>
           </p:cNvPr>
@@ -11646,7 +11620,7 @@
           <p:cNvPr id="6" name="Marcador de número de diapositiva 5">
             <a:extLst>
               <a:ext uri="{FF2B5EF4-FFF2-40B4-BE49-F238E27FC236}">
-                <a16:creationId xmlns:a16="http://schemas.microsoft.com/office/drawing/2014/main" id="{5972F16E-B103-44C9-B1D9-EA355AE61745}"/>
+                <a16:creationId xmlns:a16="http://schemas.microsoft.com/office/drawing/2014/main" xmlns="" id="{5972F16E-B103-44C9-B1D9-EA355AE61745}"/>
               </a:ext>
             </a:extLst>
           </p:cNvPr>
@@ -11682,7 +11656,7 @@
           <a:p>
             <a:fld id="{A48DEAC8-0F5D-4654-993D-4CF0837E1519}" type="slidenum">
               <a:rPr lang="es-ES" smtClean="0"/>
-              <a:t>‹#›</a:t>
+              <a:t>‹Nº›</a:t>
             </a:fld>
             <a:endParaRPr lang="es-ES"/>
           </a:p>
@@ -12014,7 +11988,7 @@
           <p:cNvPr id="4" name="Diagrama 3">
             <a:extLst>
               <a:ext uri="{FF2B5EF4-FFF2-40B4-BE49-F238E27FC236}">
-                <a16:creationId xmlns:a16="http://schemas.microsoft.com/office/drawing/2014/main" id="{8046D823-26ED-4890-B680-726CEC7D2C72}"/>
+                <a16:creationId xmlns:a16="http://schemas.microsoft.com/office/drawing/2014/main" xmlns="" id="{8046D823-26ED-4890-B680-726CEC7D2C72}"/>
               </a:ext>
             </a:extLst>
           </p:cNvPr>
@@ -12022,7 +11996,7 @@
           <p:nvPr>
             <p:extLst>
               <p:ext uri="{D42A27DB-BD31-4B8C-83A1-F6EECF244321}">
-                <p14:modId xmlns:p14="http://schemas.microsoft.com/office/powerpoint/2010/main" val="4182356982"/>
+                <p14:modId xmlns:p14="http://schemas.microsoft.com/office/powerpoint/2010/main" val="4202419536"/>
               </p:ext>
             </p:extLst>
           </p:nvPr>
@@ -12339,7 +12313,7 @@
   <a:extraClrSchemeLst/>
   <a:extLst>
     <a:ext uri="{05A4C25C-085E-4340-85A3-A5531E510DB2}">
-      <thm15:themeFamily xmlns:thm15="http://schemas.microsoft.com/office/thememl/2012/main" name="Office Theme" id="{62F939B6-93AF-4DB8-9C6B-D6C7DFDC589F}" vid="{4A3C46E8-61CC-4603-A589-7422A47A8E4A}"/>
+      <thm15:themeFamily xmlns:thm15="http://schemas.microsoft.com/office/thememl/2012/main" xmlns="" name="Office Theme" id="{62F939B6-93AF-4DB8-9C6B-D6C7DFDC589F}" vid="{4A3C46E8-61CC-4603-A589-7422A47A8E4A}"/>
     </a:ext>
   </a:extLst>
 </a:theme>
